--- a/Módulo 01 - HTML e CSS/Aula 04 - Introdução ao CSS/Introdução ao CSS.pptx
+++ b/Módulo 01 - HTML e CSS/Aula 04 - Introdução ao CSS/Introdução ao CSS.pptx
@@ -5,10 +5,10 @@
     <p:sldMasterId id="2147483677" r:id="rId1"/>
   </p:sldMasterIdLst>
   <p:notesMasterIdLst>
-    <p:notesMasterId r:id="rId8"/>
+    <p:notesMasterId r:id="rId10"/>
   </p:notesMasterIdLst>
   <p:handoutMasterIdLst>
-    <p:handoutMasterId r:id="rId9"/>
+    <p:handoutMasterId r:id="rId11"/>
   </p:handoutMasterIdLst>
   <p:sldIdLst>
     <p:sldId id="256" r:id="rId2"/>
@@ -17,6 +17,8 @@
     <p:sldId id="269" r:id="rId5"/>
     <p:sldId id="270" r:id="rId6"/>
     <p:sldId id="271" r:id="rId7"/>
+    <p:sldId id="273" r:id="rId8"/>
+    <p:sldId id="274" r:id="rId9"/>
   </p:sldIdLst>
   <p:sldSz cx="12192000" cy="6858000"/>
   <p:notesSz cx="6858000" cy="9144000"/>
@@ -5403,6 +5405,205 @@
     <p:extLst>
       <p:ext uri="{BB962C8B-B14F-4D97-AF65-F5344CB8AC3E}">
         <p14:creationId xmlns:p14="http://schemas.microsoft.com/office/powerpoint/2010/main" val="4185948652"/>
+      </p:ext>
+    </p:extLst>
+  </p:cSld>
+  <p:clrMapOvr>
+    <a:masterClrMapping/>
+  </p:clrMapOvr>
+</p:sld>
+</file>
+
+<file path=ppt/slides/slide7.xml><?xml version="1.0" encoding="utf-8"?>
+<p:sld xmlns:a="http://schemas.openxmlformats.org/drawingml/2006/main" xmlns:r="http://schemas.openxmlformats.org/officeDocument/2006/relationships" xmlns:p="http://schemas.openxmlformats.org/presentationml/2006/main">
+  <p:cSld>
+    <p:spTree>
+      <p:nvGrpSpPr>
+        <p:cNvPr id="1" name=""/>
+        <p:cNvGrpSpPr/>
+        <p:nvPr/>
+      </p:nvGrpSpPr>
+      <p:grpSpPr>
+        <a:xfrm>
+          <a:off x="0" y="0"/>
+          <a:ext cx="0" cy="0"/>
+          <a:chOff x="0" y="0"/>
+          <a:chExt cx="0" cy="0"/>
+        </a:xfrm>
+      </p:grpSpPr>
+      <p:sp>
+        <p:nvSpPr>
+          <p:cNvPr id="2" name="Título 1">
+            <a:extLst>
+              <a:ext uri="{FF2B5EF4-FFF2-40B4-BE49-F238E27FC236}">
+                <a16:creationId xmlns:a16="http://schemas.microsoft.com/office/drawing/2014/main" id="{03EC3677-B7E3-4D91-9045-8C420435A40D}"/>
+              </a:ext>
+            </a:extLst>
+          </p:cNvPr>
+          <p:cNvSpPr>
+            <a:spLocks noGrp="1"/>
+          </p:cNvSpPr>
+          <p:nvPr>
+            <p:ph type="title"/>
+          </p:nvPr>
+        </p:nvSpPr>
+        <p:spPr/>
+        <p:txBody>
+          <a:bodyPr/>
+          <a:lstStyle/>
+          <a:p>
+            <a:r>
+              <a:rPr lang="pt-BR" dirty="0"/>
+              <a:t>Estilização de Fontes no CSS</a:t>
+            </a:r>
+          </a:p>
+        </p:txBody>
+      </p:sp>
+      <p:sp>
+        <p:nvSpPr>
+          <p:cNvPr id="3" name="Espaço Reservado para Conteúdo 2">
+            <a:extLst>
+              <a:ext uri="{FF2B5EF4-FFF2-40B4-BE49-F238E27FC236}">
+                <a16:creationId xmlns:a16="http://schemas.microsoft.com/office/drawing/2014/main" id="{8428AB92-B0D3-4799-BE37-D342D1191965}"/>
+              </a:ext>
+            </a:extLst>
+          </p:cNvPr>
+          <p:cNvSpPr>
+            <a:spLocks noGrp="1"/>
+          </p:cNvSpPr>
+          <p:nvPr>
+            <p:ph idx="1"/>
+          </p:nvPr>
+        </p:nvSpPr>
+        <p:spPr/>
+        <p:txBody>
+          <a:bodyPr/>
+          <a:lstStyle/>
+          <a:p>
+            <a:r>
+              <a:rPr lang="pt-BR" dirty="0"/>
+              <a:t>A estilização de fontes no CSS é essencial para melhorar a apresentação e a legibilidade de uma página. O CSS fornece propriedades que permitem controlar o tipo de fonte, tamanho, estilo, peso, espaçamento e alinhamento de textos.</a:t>
+            </a:r>
+          </a:p>
+          <a:p>
+            <a:endParaRPr lang="pt-BR" dirty="0"/>
+          </a:p>
+        </p:txBody>
+      </p:sp>
+      <p:pic>
+        <p:nvPicPr>
+          <p:cNvPr id="4" name="Imagem 3">
+            <a:extLst>
+              <a:ext uri="{FF2B5EF4-FFF2-40B4-BE49-F238E27FC236}">
+                <a16:creationId xmlns:a16="http://schemas.microsoft.com/office/drawing/2014/main" id="{CDB5C121-D2FD-4DAB-B0FB-21049081A95C}"/>
+              </a:ext>
+            </a:extLst>
+          </p:cNvPr>
+          <p:cNvPicPr>
+            <a:picLocks noChangeAspect="1"/>
+          </p:cNvPicPr>
+          <p:nvPr/>
+        </p:nvPicPr>
+        <p:blipFill>
+          <a:blip r:embed="rId2"/>
+          <a:stretch>
+            <a:fillRect/>
+          </a:stretch>
+        </p:blipFill>
+        <p:spPr>
+          <a:xfrm>
+            <a:off x="2984816" y="3367088"/>
+            <a:ext cx="6222368" cy="3226086"/>
+          </a:xfrm>
+          <a:prstGeom prst="rect">
+            <a:avLst/>
+          </a:prstGeom>
+        </p:spPr>
+      </p:pic>
+    </p:spTree>
+    <p:extLst>
+      <p:ext uri="{BB962C8B-B14F-4D97-AF65-F5344CB8AC3E}">
+        <p14:creationId xmlns:p14="http://schemas.microsoft.com/office/powerpoint/2010/main" val="2351285136"/>
+      </p:ext>
+    </p:extLst>
+  </p:cSld>
+  <p:clrMapOvr>
+    <a:masterClrMapping/>
+  </p:clrMapOvr>
+</p:sld>
+</file>
+
+<file path=ppt/slides/slide8.xml><?xml version="1.0" encoding="utf-8"?>
+<p:sld xmlns:a="http://schemas.openxmlformats.org/drawingml/2006/main" xmlns:r="http://schemas.openxmlformats.org/officeDocument/2006/relationships" xmlns:p="http://schemas.openxmlformats.org/presentationml/2006/main">
+  <p:cSld>
+    <p:spTree>
+      <p:nvGrpSpPr>
+        <p:cNvPr id="1" name=""/>
+        <p:cNvGrpSpPr/>
+        <p:nvPr/>
+      </p:nvGrpSpPr>
+      <p:grpSpPr>
+        <a:xfrm>
+          <a:off x="0" y="0"/>
+          <a:ext cx="0" cy="0"/>
+          <a:chOff x="0" y="0"/>
+          <a:chExt cx="0" cy="0"/>
+        </a:xfrm>
+      </p:grpSpPr>
+      <p:sp>
+        <p:nvSpPr>
+          <p:cNvPr id="2" name="Título 1">
+            <a:extLst>
+              <a:ext uri="{FF2B5EF4-FFF2-40B4-BE49-F238E27FC236}">
+                <a16:creationId xmlns:a16="http://schemas.microsoft.com/office/drawing/2014/main" id="{04E37EC3-AE9E-47B7-A188-92A98A21D529}"/>
+              </a:ext>
+            </a:extLst>
+          </p:cNvPr>
+          <p:cNvSpPr>
+            <a:spLocks noGrp="1"/>
+          </p:cNvSpPr>
+          <p:nvPr>
+            <p:ph type="title"/>
+          </p:nvPr>
+        </p:nvSpPr>
+        <p:spPr/>
+        <p:txBody>
+          <a:bodyPr/>
+          <a:lstStyle/>
+          <a:p>
+            <a:endParaRPr lang="pt-BR" dirty="0"/>
+          </a:p>
+        </p:txBody>
+      </p:sp>
+      <p:sp>
+        <p:nvSpPr>
+          <p:cNvPr id="3" name="Espaço Reservado para Conteúdo 2">
+            <a:extLst>
+              <a:ext uri="{FF2B5EF4-FFF2-40B4-BE49-F238E27FC236}">
+                <a16:creationId xmlns:a16="http://schemas.microsoft.com/office/drawing/2014/main" id="{2434CFD6-578A-484D-832B-0824EC423671}"/>
+              </a:ext>
+            </a:extLst>
+          </p:cNvPr>
+          <p:cNvSpPr>
+            <a:spLocks noGrp="1"/>
+          </p:cNvSpPr>
+          <p:nvPr>
+            <p:ph idx="1"/>
+          </p:nvPr>
+        </p:nvSpPr>
+        <p:spPr/>
+        <p:txBody>
+          <a:bodyPr/>
+          <a:lstStyle/>
+          <a:p>
+            <a:endParaRPr lang="pt-BR" dirty="0"/>
+          </a:p>
+        </p:txBody>
+      </p:sp>
+    </p:spTree>
+    <p:extLst>
+      <p:ext uri="{BB962C8B-B14F-4D97-AF65-F5344CB8AC3E}">
+        <p14:creationId xmlns:p14="http://schemas.microsoft.com/office/powerpoint/2010/main" val="789906442"/>
       </p:ext>
     </p:extLst>
   </p:cSld>

--- a/Módulo 01 - HTML e CSS/Aula 04 - Introdução ao CSS/Introdução ao CSS.pptx
+++ b/Módulo 01 - HTML e CSS/Aula 04 - Introdução ao CSS/Introdução ao CSS.pptx
@@ -5,10 +5,10 @@
     <p:sldMasterId id="2147483677" r:id="rId1"/>
   </p:sldMasterIdLst>
   <p:notesMasterIdLst>
-    <p:notesMasterId r:id="rId10"/>
+    <p:notesMasterId r:id="rId17"/>
   </p:notesMasterIdLst>
   <p:handoutMasterIdLst>
-    <p:handoutMasterId r:id="rId11"/>
+    <p:handoutMasterId r:id="rId18"/>
   </p:handoutMasterIdLst>
   <p:sldIdLst>
     <p:sldId id="256" r:id="rId2"/>
@@ -18,7 +18,14 @@
     <p:sldId id="270" r:id="rId6"/>
     <p:sldId id="271" r:id="rId7"/>
     <p:sldId id="273" r:id="rId8"/>
-    <p:sldId id="274" r:id="rId9"/>
+    <p:sldId id="277" r:id="rId9"/>
+    <p:sldId id="276" r:id="rId10"/>
+    <p:sldId id="279" r:id="rId11"/>
+    <p:sldId id="278" r:id="rId12"/>
+    <p:sldId id="280" r:id="rId13"/>
+    <p:sldId id="281" r:id="rId14"/>
+    <p:sldId id="282" r:id="rId15"/>
+    <p:sldId id="283" r:id="rId16"/>
   </p:sldIdLst>
   <p:sldSz cx="12192000" cy="6858000"/>
   <p:notesSz cx="6858000" cy="9144000"/>
@@ -233,7 +240,7 @@
           <a:p>
             <a:fld id="{0F28648D-752F-4D9E-8EC2-61293C3E9BC7}" type="datetimeFigureOut">
               <a:rPr lang="pt-BR" smtClean="0"/>
-              <a:t>23/01/2025</a:t>
+              <a:t>26/01/2025</a:t>
             </a:fld>
             <a:endParaRPr lang="pt-BR"/>
           </a:p>
@@ -410,7 +417,7 @@
           <a:p>
             <a:fld id="{C67E822F-2664-47C4-8404-83B1D4D0E6EE}" type="datetimeFigureOut">
               <a:rPr lang="pt-BR" smtClean="0"/>
-              <a:t>23/01/2025</a:t>
+              <a:t>26/01/2025</a:t>
             </a:fld>
             <a:endParaRPr lang="pt-BR"/>
           </a:p>
@@ -1113,7 +1120,7 @@
           <a:p>
             <a:fld id="{CDD55C27-F8C6-4481-8569-CAC50CAE9F1F}" type="datetimeFigureOut">
               <a:rPr lang="pt-BR" smtClean="0"/>
-              <a:t>23/01/2025</a:t>
+              <a:t>26/01/2025</a:t>
             </a:fld>
             <a:endParaRPr lang="pt-BR"/>
           </a:p>
@@ -1603,7 +1610,7 @@
           <a:p>
             <a:fld id="{CDD55C27-F8C6-4481-8569-CAC50CAE9F1F}" type="datetimeFigureOut">
               <a:rPr lang="pt-BR" smtClean="0"/>
-              <a:t>23/01/2025</a:t>
+              <a:t>26/01/2025</a:t>
             </a:fld>
             <a:endParaRPr lang="pt-BR"/>
           </a:p>
@@ -1906,7 +1913,7 @@
           <a:p>
             <a:fld id="{CDD55C27-F8C6-4481-8569-CAC50CAE9F1F}" type="datetimeFigureOut">
               <a:rPr lang="pt-BR" smtClean="0"/>
-              <a:t>23/01/2025</a:t>
+              <a:t>26/01/2025</a:t>
             </a:fld>
             <a:endParaRPr lang="pt-BR"/>
           </a:p>
@@ -2357,7 +2364,7 @@
           <a:p>
             <a:fld id="{CDD55C27-F8C6-4481-8569-CAC50CAE9F1F}" type="datetimeFigureOut">
               <a:rPr lang="pt-BR" smtClean="0"/>
-              <a:t>23/01/2025</a:t>
+              <a:t>26/01/2025</a:t>
             </a:fld>
             <a:endParaRPr lang="pt-BR"/>
           </a:p>
@@ -2530,7 +2537,7 @@
           <a:p>
             <a:fld id="{CDD55C27-F8C6-4481-8569-CAC50CAE9F1F}" type="datetimeFigureOut">
               <a:rPr lang="pt-BR" smtClean="0"/>
-              <a:t>23/01/2025</a:t>
+              <a:t>26/01/2025</a:t>
             </a:fld>
             <a:endParaRPr lang="pt-BR"/>
           </a:p>
@@ -2667,7 +2674,7 @@
           <a:p>
             <a:fld id="{CDD55C27-F8C6-4481-8569-CAC50CAE9F1F}" type="datetimeFigureOut">
               <a:rPr lang="pt-BR" smtClean="0"/>
-              <a:t>23/01/2025</a:t>
+              <a:t>26/01/2025</a:t>
             </a:fld>
             <a:endParaRPr lang="pt-BR"/>
           </a:p>
@@ -3011,7 +3018,7 @@
           <a:p>
             <a:fld id="{CDD55C27-F8C6-4481-8569-CAC50CAE9F1F}" type="datetimeFigureOut">
               <a:rPr lang="pt-BR" smtClean="0"/>
-              <a:t>23/01/2025</a:t>
+              <a:t>26/01/2025</a:t>
             </a:fld>
             <a:endParaRPr lang="pt-BR"/>
           </a:p>
@@ -3332,7 +3339,7 @@
           <a:p>
             <a:fld id="{CDD55C27-F8C6-4481-8569-CAC50CAE9F1F}" type="datetimeFigureOut">
               <a:rPr lang="pt-BR" smtClean="0"/>
-              <a:t>23/01/2025</a:t>
+              <a:t>26/01/2025</a:t>
             </a:fld>
             <a:endParaRPr lang="pt-BR"/>
           </a:p>
@@ -3949,6 +3956,2579 @@
 </p:sld>
 </file>
 
+<file path=ppt/slides/slide10.xml><?xml version="1.0" encoding="utf-8"?>
+<p:sld xmlns:a="http://schemas.openxmlformats.org/drawingml/2006/main" xmlns:r="http://schemas.openxmlformats.org/officeDocument/2006/relationships" xmlns:p="http://schemas.openxmlformats.org/presentationml/2006/main">
+  <p:cSld>
+    <p:spTree>
+      <p:nvGrpSpPr>
+        <p:cNvPr id="1" name=""/>
+        <p:cNvGrpSpPr/>
+        <p:nvPr/>
+      </p:nvGrpSpPr>
+      <p:grpSpPr>
+        <a:xfrm>
+          <a:off x="0" y="0"/>
+          <a:ext cx="0" cy="0"/>
+          <a:chOff x="0" y="0"/>
+          <a:chExt cx="0" cy="0"/>
+        </a:xfrm>
+      </p:grpSpPr>
+      <p:sp>
+        <p:nvSpPr>
+          <p:cNvPr id="2" name="Título 1">
+            <a:extLst>
+              <a:ext uri="{FF2B5EF4-FFF2-40B4-BE49-F238E27FC236}">
+                <a16:creationId xmlns:a16="http://schemas.microsoft.com/office/drawing/2014/main" id="{F2DBC6A5-6C1B-4738-ACDB-1A4C654B30DB}"/>
+              </a:ext>
+            </a:extLst>
+          </p:cNvPr>
+          <p:cNvSpPr>
+            <a:spLocks noGrp="1"/>
+          </p:cNvSpPr>
+          <p:nvPr>
+            <p:ph type="title"/>
+          </p:nvPr>
+        </p:nvSpPr>
+        <p:spPr/>
+        <p:txBody>
+          <a:bodyPr/>
+          <a:lstStyle/>
+          <a:p>
+            <a:r>
+              <a:rPr lang="pt-BR" dirty="0" err="1"/>
+              <a:t>Font-Weight</a:t>
+            </a:r>
+            <a:endParaRPr lang="pt-BR" dirty="0"/>
+          </a:p>
+        </p:txBody>
+      </p:sp>
+      <p:sp>
+        <p:nvSpPr>
+          <p:cNvPr id="3" name="Espaço Reservado para Conteúdo 2">
+            <a:extLst>
+              <a:ext uri="{FF2B5EF4-FFF2-40B4-BE49-F238E27FC236}">
+                <a16:creationId xmlns:a16="http://schemas.microsoft.com/office/drawing/2014/main" id="{088FB423-FF10-4655-8638-B8535682AA3F}"/>
+              </a:ext>
+            </a:extLst>
+          </p:cNvPr>
+          <p:cNvSpPr>
+            <a:spLocks noGrp="1"/>
+          </p:cNvSpPr>
+          <p:nvPr>
+            <p:ph idx="1"/>
+          </p:nvPr>
+        </p:nvSpPr>
+        <p:spPr>
+          <a:xfrm>
+            <a:off x="592347" y="1844675"/>
+            <a:ext cx="11007306" cy="1194616"/>
+          </a:xfrm>
+        </p:spPr>
+        <p:txBody>
+          <a:bodyPr/>
+          <a:lstStyle/>
+          <a:p>
+            <a:r>
+              <a:rPr lang="pt-BR" dirty="0"/>
+              <a:t>O </a:t>
+            </a:r>
+            <a:r>
+              <a:rPr lang="pt-BR" b="1" dirty="0" err="1"/>
+              <a:t>font-weight</a:t>
+            </a:r>
+            <a:r>
+              <a:rPr lang="pt-BR" b="1" dirty="0"/>
+              <a:t> </a:t>
+            </a:r>
+            <a:r>
+              <a:rPr lang="pt-BR" dirty="0"/>
+              <a:t>controla o peso (espessura) da fonte. Pode ser definido com palavras-chave (normal, </a:t>
+            </a:r>
+            <a:r>
+              <a:rPr lang="pt-BR" dirty="0" err="1"/>
+              <a:t>bold</a:t>
+            </a:r>
+            <a:r>
+              <a:rPr lang="pt-BR" dirty="0"/>
+              <a:t>, etc.) ou valores numéricos (100 a 900).</a:t>
+            </a:r>
+          </a:p>
+        </p:txBody>
+      </p:sp>
+      <p:grpSp>
+        <p:nvGrpSpPr>
+          <p:cNvPr id="4" name="Agrupar 3">
+            <a:extLst>
+              <a:ext uri="{FF2B5EF4-FFF2-40B4-BE49-F238E27FC236}">
+                <a16:creationId xmlns:a16="http://schemas.microsoft.com/office/drawing/2014/main" id="{0DA24583-6586-45F7-9C8A-139BC0EE2B91}"/>
+              </a:ext>
+            </a:extLst>
+          </p:cNvPr>
+          <p:cNvGrpSpPr/>
+          <p:nvPr/>
+        </p:nvGrpSpPr>
+        <p:grpSpPr>
+          <a:xfrm>
+            <a:off x="1058092" y="3818710"/>
+            <a:ext cx="10075816" cy="1478257"/>
+            <a:chOff x="896984" y="3818710"/>
+            <a:chExt cx="10075816" cy="1478257"/>
+          </a:xfrm>
+        </p:grpSpPr>
+        <p:pic>
+          <p:nvPicPr>
+            <p:cNvPr id="7" name="Imagem 6">
+              <a:extLst>
+                <a:ext uri="{FF2B5EF4-FFF2-40B4-BE49-F238E27FC236}">
+                  <a16:creationId xmlns:a16="http://schemas.microsoft.com/office/drawing/2014/main" id="{ACEA113E-BA89-45F2-8042-DEE4A0F08839}"/>
+                </a:ext>
+              </a:extLst>
+            </p:cNvPr>
+            <p:cNvPicPr>
+              <a:picLocks noChangeAspect="1"/>
+            </p:cNvPicPr>
+            <p:nvPr/>
+          </p:nvPicPr>
+          <p:blipFill>
+            <a:blip r:embed="rId2"/>
+            <a:stretch>
+              <a:fillRect/>
+            </a:stretch>
+          </p:blipFill>
+          <p:spPr>
+            <a:xfrm>
+              <a:off x="896984" y="3818710"/>
+              <a:ext cx="6181802" cy="1478257"/>
+            </a:xfrm>
+            <a:prstGeom prst="rect">
+              <a:avLst/>
+            </a:prstGeom>
+          </p:spPr>
+        </p:pic>
+        <p:sp>
+          <p:nvSpPr>
+            <p:cNvPr id="8" name="Retângulo 7">
+              <a:extLst>
+                <a:ext uri="{FF2B5EF4-FFF2-40B4-BE49-F238E27FC236}">
+                  <a16:creationId xmlns:a16="http://schemas.microsoft.com/office/drawing/2014/main" id="{48996412-03C4-47FB-B84F-6E3770264CE4}"/>
+                </a:ext>
+              </a:extLst>
+            </p:cNvPr>
+            <p:cNvSpPr/>
+            <p:nvPr/>
+          </p:nvSpPr>
+          <p:spPr>
+            <a:xfrm>
+              <a:off x="7663543" y="3957674"/>
+              <a:ext cx="3309257" cy="1200329"/>
+            </a:xfrm>
+            <a:prstGeom prst="rect">
+              <a:avLst/>
+            </a:prstGeom>
+          </p:spPr>
+          <p:txBody>
+            <a:bodyPr wrap="square">
+              <a:spAutoFit/>
+            </a:bodyPr>
+            <a:lstStyle/>
+            <a:p>
+              <a:r>
+                <a:rPr lang="pt-BR" dirty="0">
+                  <a:solidFill>
+                    <a:srgbClr val="800000"/>
+                  </a:solidFill>
+                  <a:latin typeface="Consolas" panose="020B0609020204030204" pitchFamily="49" charset="0"/>
+                </a:rPr>
+                <a:t>p</a:t>
+              </a:r>
+              <a:r>
+                <a:rPr lang="pt-BR" dirty="0">
+                  <a:solidFill>
+                    <a:srgbClr val="000000"/>
+                  </a:solidFill>
+                  <a:latin typeface="Consolas" panose="020B0609020204030204" pitchFamily="49" charset="0"/>
+                </a:rPr>
+                <a:t> {            </a:t>
+              </a:r>
+            </a:p>
+            <a:p>
+              <a:pPr indent="457200"/>
+              <a:r>
+                <a:rPr lang="pt-BR" dirty="0" err="1">
+                  <a:solidFill>
+                    <a:srgbClr val="E50000"/>
+                  </a:solidFill>
+                  <a:latin typeface="Consolas" panose="020B0609020204030204" pitchFamily="49" charset="0"/>
+                </a:rPr>
+                <a:t>font-weight</a:t>
+              </a:r>
+              <a:r>
+                <a:rPr lang="pt-BR" dirty="0">
+                  <a:solidFill>
+                    <a:srgbClr val="000000"/>
+                  </a:solidFill>
+                  <a:latin typeface="Consolas" panose="020B0609020204030204" pitchFamily="49" charset="0"/>
+                </a:rPr>
+                <a:t>: </a:t>
+              </a:r>
+              <a:r>
+                <a:rPr lang="pt-BR" dirty="0" err="1">
+                  <a:solidFill>
+                    <a:srgbClr val="0451A5"/>
+                  </a:solidFill>
+                  <a:latin typeface="Consolas" panose="020B0609020204030204" pitchFamily="49" charset="0"/>
+                </a:rPr>
+                <a:t>bolder</a:t>
+              </a:r>
+              <a:r>
+                <a:rPr lang="pt-BR" dirty="0">
+                  <a:solidFill>
+                    <a:srgbClr val="000000"/>
+                  </a:solidFill>
+                  <a:latin typeface="Consolas" panose="020B0609020204030204" pitchFamily="49" charset="0"/>
+                </a:rPr>
+                <a:t>;</a:t>
+              </a:r>
+            </a:p>
+            <a:p>
+              <a:pPr indent="457200"/>
+              <a:r>
+                <a:rPr lang="pt-BR" dirty="0" err="1">
+                  <a:solidFill>
+                    <a:srgbClr val="E50000"/>
+                  </a:solidFill>
+                  <a:latin typeface="Consolas" panose="020B0609020204030204" pitchFamily="49" charset="0"/>
+                </a:rPr>
+                <a:t>font-weight</a:t>
+              </a:r>
+              <a:r>
+                <a:rPr lang="pt-BR" dirty="0">
+                  <a:solidFill>
+                    <a:srgbClr val="000000"/>
+                  </a:solidFill>
+                  <a:latin typeface="Consolas" panose="020B0609020204030204" pitchFamily="49" charset="0"/>
+                </a:rPr>
+                <a:t>: </a:t>
+              </a:r>
+              <a:r>
+                <a:rPr lang="pt-BR" dirty="0" err="1">
+                  <a:solidFill>
+                    <a:srgbClr val="0451A5"/>
+                  </a:solidFill>
+                  <a:latin typeface="Consolas" panose="020B0609020204030204" pitchFamily="49" charset="0"/>
+                </a:rPr>
+                <a:t>bold</a:t>
+              </a:r>
+              <a:r>
+                <a:rPr lang="pt-BR" dirty="0">
+                  <a:solidFill>
+                    <a:srgbClr val="000000"/>
+                  </a:solidFill>
+                  <a:latin typeface="Consolas" panose="020B0609020204030204" pitchFamily="49" charset="0"/>
+                </a:rPr>
+                <a:t>;</a:t>
+              </a:r>
+            </a:p>
+            <a:p>
+              <a:r>
+                <a:rPr lang="pt-BR" dirty="0">
+                  <a:solidFill>
+                    <a:srgbClr val="000000"/>
+                  </a:solidFill>
+                  <a:latin typeface="Consolas" panose="020B0609020204030204" pitchFamily="49" charset="0"/>
+                </a:rPr>
+                <a:t>}</a:t>
+              </a:r>
+              <a:endParaRPr lang="pt-BR" b="0" dirty="0">
+                <a:solidFill>
+                  <a:srgbClr val="000000"/>
+                </a:solidFill>
+                <a:effectLst/>
+                <a:latin typeface="Consolas" panose="020B0609020204030204" pitchFamily="49" charset="0"/>
+              </a:endParaRPr>
+            </a:p>
+          </p:txBody>
+        </p:sp>
+      </p:grpSp>
+    </p:spTree>
+    <p:extLst>
+      <p:ext uri="{BB962C8B-B14F-4D97-AF65-F5344CB8AC3E}">
+        <p14:creationId xmlns:p14="http://schemas.microsoft.com/office/powerpoint/2010/main" val="711759515"/>
+      </p:ext>
+    </p:extLst>
+  </p:cSld>
+  <p:clrMapOvr>
+    <a:masterClrMapping/>
+  </p:clrMapOvr>
+</p:sld>
+</file>
+
+<file path=ppt/slides/slide11.xml><?xml version="1.0" encoding="utf-8"?>
+<p:sld xmlns:a="http://schemas.openxmlformats.org/drawingml/2006/main" xmlns:r="http://schemas.openxmlformats.org/officeDocument/2006/relationships" xmlns:p="http://schemas.openxmlformats.org/presentationml/2006/main">
+  <p:cSld>
+    <p:spTree>
+      <p:nvGrpSpPr>
+        <p:cNvPr id="1" name=""/>
+        <p:cNvGrpSpPr/>
+        <p:nvPr/>
+      </p:nvGrpSpPr>
+      <p:grpSpPr>
+        <a:xfrm>
+          <a:off x="0" y="0"/>
+          <a:ext cx="0" cy="0"/>
+          <a:chOff x="0" y="0"/>
+          <a:chExt cx="0" cy="0"/>
+        </a:xfrm>
+      </p:grpSpPr>
+      <p:sp>
+        <p:nvSpPr>
+          <p:cNvPr id="2" name="Título 1">
+            <a:extLst>
+              <a:ext uri="{FF2B5EF4-FFF2-40B4-BE49-F238E27FC236}">
+                <a16:creationId xmlns:a16="http://schemas.microsoft.com/office/drawing/2014/main" id="{F2DBC6A5-6C1B-4738-ACDB-1A4C654B30DB}"/>
+              </a:ext>
+            </a:extLst>
+          </p:cNvPr>
+          <p:cNvSpPr>
+            <a:spLocks noGrp="1"/>
+          </p:cNvSpPr>
+          <p:nvPr>
+            <p:ph type="title"/>
+          </p:nvPr>
+        </p:nvSpPr>
+        <p:spPr/>
+        <p:txBody>
+          <a:bodyPr/>
+          <a:lstStyle/>
+          <a:p>
+            <a:r>
+              <a:rPr lang="pt-BR" dirty="0" err="1"/>
+              <a:t>Font-Style</a:t>
+            </a:r>
+            <a:r>
+              <a:rPr lang="pt-BR" dirty="0"/>
+              <a:t> e </a:t>
+            </a:r>
+            <a:r>
+              <a:rPr lang="pt-BR" dirty="0" err="1"/>
+              <a:t>Text-Decoration</a:t>
+            </a:r>
+            <a:endParaRPr lang="pt-BR" dirty="0"/>
+          </a:p>
+        </p:txBody>
+      </p:sp>
+      <p:sp>
+        <p:nvSpPr>
+          <p:cNvPr id="3" name="Espaço Reservado para Conteúdo 2">
+            <a:extLst>
+              <a:ext uri="{FF2B5EF4-FFF2-40B4-BE49-F238E27FC236}">
+                <a16:creationId xmlns:a16="http://schemas.microsoft.com/office/drawing/2014/main" id="{088FB423-FF10-4655-8638-B8535682AA3F}"/>
+              </a:ext>
+            </a:extLst>
+          </p:cNvPr>
+          <p:cNvSpPr>
+            <a:spLocks noGrp="1"/>
+          </p:cNvSpPr>
+          <p:nvPr>
+            <p:ph idx="1"/>
+          </p:nvPr>
+        </p:nvSpPr>
+        <p:spPr>
+          <a:xfrm>
+            <a:off x="592347" y="1844675"/>
+            <a:ext cx="11007306" cy="576308"/>
+          </a:xfrm>
+        </p:spPr>
+        <p:txBody>
+          <a:bodyPr/>
+          <a:lstStyle/>
+          <a:p>
+            <a:r>
+              <a:rPr lang="pt-BR" dirty="0"/>
+              <a:t>O </a:t>
+            </a:r>
+            <a:r>
+              <a:rPr lang="pt-BR" b="1" dirty="0" err="1"/>
+              <a:t>font-style</a:t>
+            </a:r>
+            <a:r>
+              <a:rPr lang="pt-BR" dirty="0"/>
+              <a:t> define o estilo da fonte, como normal, itálico ou oblíquo.</a:t>
+            </a:r>
+          </a:p>
+        </p:txBody>
+      </p:sp>
+      <p:sp>
+        <p:nvSpPr>
+          <p:cNvPr id="8" name="Retângulo 7">
+            <a:extLst>
+              <a:ext uri="{FF2B5EF4-FFF2-40B4-BE49-F238E27FC236}">
+                <a16:creationId xmlns:a16="http://schemas.microsoft.com/office/drawing/2014/main" id="{48996412-03C4-47FB-B84F-6E3770264CE4}"/>
+              </a:ext>
+            </a:extLst>
+          </p:cNvPr>
+          <p:cNvSpPr/>
+          <p:nvPr/>
+        </p:nvSpPr>
+        <p:spPr>
+          <a:xfrm>
+            <a:off x="4441371" y="2683059"/>
+            <a:ext cx="3309257" cy="1200329"/>
+          </a:xfrm>
+          <a:prstGeom prst="rect">
+            <a:avLst/>
+          </a:prstGeom>
+        </p:spPr>
+        <p:txBody>
+          <a:bodyPr wrap="square">
+            <a:spAutoFit/>
+          </a:bodyPr>
+          <a:lstStyle/>
+          <a:p>
+            <a:r>
+              <a:rPr lang="pt-BR" dirty="0">
+                <a:solidFill>
+                  <a:srgbClr val="800000"/>
+                </a:solidFill>
+                <a:latin typeface="Consolas" panose="020B0609020204030204" pitchFamily="49" charset="0"/>
+              </a:rPr>
+              <a:t>p</a:t>
+            </a:r>
+            <a:r>
+              <a:rPr lang="pt-BR" dirty="0">
+                <a:solidFill>
+                  <a:srgbClr val="000000"/>
+                </a:solidFill>
+                <a:latin typeface="Consolas" panose="020B0609020204030204" pitchFamily="49" charset="0"/>
+              </a:rPr>
+              <a:t> {            </a:t>
+            </a:r>
+          </a:p>
+          <a:p>
+            <a:pPr indent="457200"/>
+            <a:r>
+              <a:rPr lang="pt-BR" dirty="0" err="1">
+                <a:solidFill>
+                  <a:srgbClr val="E50000"/>
+                </a:solidFill>
+                <a:latin typeface="Consolas" panose="020B0609020204030204" pitchFamily="49" charset="0"/>
+              </a:rPr>
+              <a:t>font-style</a:t>
+            </a:r>
+            <a:r>
+              <a:rPr lang="pt-BR" dirty="0">
+                <a:solidFill>
+                  <a:srgbClr val="000000"/>
+                </a:solidFill>
+                <a:latin typeface="Consolas" panose="020B0609020204030204" pitchFamily="49" charset="0"/>
+              </a:rPr>
+              <a:t>: </a:t>
+            </a:r>
+            <a:r>
+              <a:rPr lang="pt-BR" dirty="0">
+                <a:solidFill>
+                  <a:srgbClr val="0451A5"/>
+                </a:solidFill>
+                <a:latin typeface="Consolas" panose="020B0609020204030204" pitchFamily="49" charset="0"/>
+              </a:rPr>
+              <a:t>oblique</a:t>
+            </a:r>
+            <a:r>
+              <a:rPr lang="pt-BR" dirty="0">
+                <a:solidFill>
+                  <a:srgbClr val="000000"/>
+                </a:solidFill>
+                <a:latin typeface="Consolas" panose="020B0609020204030204" pitchFamily="49" charset="0"/>
+              </a:rPr>
+              <a:t>;</a:t>
+            </a:r>
+          </a:p>
+          <a:p>
+            <a:pPr indent="457200"/>
+            <a:r>
+              <a:rPr lang="pt-BR" dirty="0" err="1">
+                <a:solidFill>
+                  <a:srgbClr val="E50000"/>
+                </a:solidFill>
+                <a:latin typeface="Consolas" panose="020B0609020204030204" pitchFamily="49" charset="0"/>
+              </a:rPr>
+              <a:t>font-style</a:t>
+            </a:r>
+            <a:r>
+              <a:rPr lang="pt-BR" dirty="0">
+                <a:solidFill>
+                  <a:srgbClr val="000000"/>
+                </a:solidFill>
+                <a:latin typeface="Consolas" panose="020B0609020204030204" pitchFamily="49" charset="0"/>
+              </a:rPr>
+              <a:t>: </a:t>
+            </a:r>
+            <a:r>
+              <a:rPr lang="pt-BR" dirty="0" err="1">
+                <a:solidFill>
+                  <a:srgbClr val="0451A5"/>
+                </a:solidFill>
+                <a:latin typeface="Consolas" panose="020B0609020204030204" pitchFamily="49" charset="0"/>
+              </a:rPr>
+              <a:t>italic</a:t>
+            </a:r>
+            <a:r>
+              <a:rPr lang="pt-BR" dirty="0">
+                <a:solidFill>
+                  <a:srgbClr val="000000"/>
+                </a:solidFill>
+                <a:latin typeface="Consolas" panose="020B0609020204030204" pitchFamily="49" charset="0"/>
+              </a:rPr>
+              <a:t>;</a:t>
+            </a:r>
+          </a:p>
+          <a:p>
+            <a:r>
+              <a:rPr lang="pt-BR" dirty="0">
+                <a:solidFill>
+                  <a:srgbClr val="000000"/>
+                </a:solidFill>
+                <a:latin typeface="Consolas" panose="020B0609020204030204" pitchFamily="49" charset="0"/>
+              </a:rPr>
+              <a:t>}</a:t>
+            </a:r>
+            <a:endParaRPr lang="pt-BR" b="0" dirty="0">
+              <a:solidFill>
+                <a:srgbClr val="000000"/>
+              </a:solidFill>
+              <a:effectLst/>
+              <a:latin typeface="Consolas" panose="020B0609020204030204" pitchFamily="49" charset="0"/>
+            </a:endParaRPr>
+          </a:p>
+        </p:txBody>
+      </p:sp>
+      <p:sp>
+        <p:nvSpPr>
+          <p:cNvPr id="9" name="Espaço Reservado para Conteúdo 2">
+            <a:extLst>
+              <a:ext uri="{FF2B5EF4-FFF2-40B4-BE49-F238E27FC236}">
+                <a16:creationId xmlns:a16="http://schemas.microsoft.com/office/drawing/2014/main" id="{9D349A28-B07F-4F36-A0FB-FBF136680831}"/>
+              </a:ext>
+            </a:extLst>
+          </p:cNvPr>
+          <p:cNvSpPr txBox="1">
+            <a:spLocks/>
+          </p:cNvSpPr>
+          <p:nvPr/>
+        </p:nvSpPr>
+        <p:spPr>
+          <a:xfrm>
+            <a:off x="592347" y="4145464"/>
+            <a:ext cx="11007306" cy="576308"/>
+          </a:xfrm>
+          <a:prstGeom prst="rect">
+            <a:avLst/>
+          </a:prstGeom>
+        </p:spPr>
+        <p:txBody>
+          <a:bodyPr/>
+          <a:lstStyle>
+            <a:lvl1pPr marL="0" indent="0" algn="just" defTabSz="914400" rtl="0" eaLnBrk="1" latinLnBrk="0" hangingPunct="1">
+              <a:lnSpc>
+                <a:spcPct val="150000"/>
+              </a:lnSpc>
+              <a:spcBef>
+                <a:spcPts val="1000"/>
+              </a:spcBef>
+              <a:buFont typeface="Arial" panose="020B0604020202020204" pitchFamily="34" charset="0"/>
+              <a:buNone/>
+              <a:defRPr sz="2000" kern="1200">
+                <a:solidFill>
+                  <a:schemeClr val="tx1"/>
+                </a:solidFill>
+                <a:latin typeface="Times New Roman" panose="02020603050405020304" pitchFamily="18" charset="0"/>
+                <a:ea typeface="+mn-ea"/>
+                <a:cs typeface="Times New Roman" panose="02020603050405020304" pitchFamily="18" charset="0"/>
+              </a:defRPr>
+            </a:lvl1pPr>
+            <a:lvl2pPr marL="685800" indent="-228600" algn="l" defTabSz="914400" rtl="0" eaLnBrk="1" latinLnBrk="0" hangingPunct="1">
+              <a:lnSpc>
+                <a:spcPct val="150000"/>
+              </a:lnSpc>
+              <a:spcBef>
+                <a:spcPts val="500"/>
+              </a:spcBef>
+              <a:buFont typeface="Arial" panose="020B0604020202020204" pitchFamily="34" charset="0"/>
+              <a:buChar char="•"/>
+              <a:defRPr sz="1600" kern="1200">
+                <a:solidFill>
+                  <a:schemeClr val="tx1"/>
+                </a:solidFill>
+                <a:latin typeface="Times New Roman" panose="02020603050405020304" pitchFamily="18" charset="0"/>
+                <a:ea typeface="+mn-ea"/>
+                <a:cs typeface="Times New Roman" panose="02020603050405020304" pitchFamily="18" charset="0"/>
+              </a:defRPr>
+            </a:lvl2pPr>
+            <a:lvl3pPr marL="1143000" indent="-228600" algn="l" defTabSz="914400" rtl="0" eaLnBrk="1" latinLnBrk="0" hangingPunct="1">
+              <a:lnSpc>
+                <a:spcPct val="150000"/>
+              </a:lnSpc>
+              <a:spcBef>
+                <a:spcPts val="500"/>
+              </a:spcBef>
+              <a:buFont typeface="Arial" panose="020B0604020202020204" pitchFamily="34" charset="0"/>
+              <a:buChar char="•"/>
+              <a:defRPr sz="1400" kern="1200">
+                <a:solidFill>
+                  <a:schemeClr val="tx1"/>
+                </a:solidFill>
+                <a:latin typeface="Times New Roman" panose="02020603050405020304" pitchFamily="18" charset="0"/>
+                <a:ea typeface="+mn-ea"/>
+                <a:cs typeface="Times New Roman" panose="02020603050405020304" pitchFamily="18" charset="0"/>
+              </a:defRPr>
+            </a:lvl3pPr>
+            <a:lvl4pPr marL="1600200" indent="-228600" algn="l" defTabSz="914400" rtl="0" eaLnBrk="1" latinLnBrk="0" hangingPunct="1">
+              <a:lnSpc>
+                <a:spcPct val="150000"/>
+              </a:lnSpc>
+              <a:spcBef>
+                <a:spcPts val="500"/>
+              </a:spcBef>
+              <a:buFont typeface="Arial" panose="020B0604020202020204" pitchFamily="34" charset="0"/>
+              <a:buChar char="•"/>
+              <a:defRPr sz="1200" kern="1200">
+                <a:solidFill>
+                  <a:schemeClr val="tx1"/>
+                </a:solidFill>
+                <a:latin typeface="Times New Roman" panose="02020603050405020304" pitchFamily="18" charset="0"/>
+                <a:ea typeface="+mn-ea"/>
+                <a:cs typeface="Times New Roman" panose="02020603050405020304" pitchFamily="18" charset="0"/>
+              </a:defRPr>
+            </a:lvl4pPr>
+            <a:lvl5pPr marL="2057400" indent="-228600" algn="l" defTabSz="914400" rtl="0" eaLnBrk="1" latinLnBrk="0" hangingPunct="1">
+              <a:lnSpc>
+                <a:spcPct val="150000"/>
+              </a:lnSpc>
+              <a:spcBef>
+                <a:spcPts val="500"/>
+              </a:spcBef>
+              <a:buFont typeface="Arial" panose="020B0604020202020204" pitchFamily="34" charset="0"/>
+              <a:buChar char="•"/>
+              <a:defRPr sz="1000" kern="1200">
+                <a:solidFill>
+                  <a:schemeClr val="tx1"/>
+                </a:solidFill>
+                <a:latin typeface="Times New Roman" panose="02020603050405020304" pitchFamily="18" charset="0"/>
+                <a:ea typeface="+mn-ea"/>
+                <a:cs typeface="Times New Roman" panose="02020603050405020304" pitchFamily="18" charset="0"/>
+              </a:defRPr>
+            </a:lvl5pPr>
+            <a:lvl6pPr marL="2514600" indent="-228600" algn="l" defTabSz="914400" rtl="0" eaLnBrk="1" latinLnBrk="0" hangingPunct="1">
+              <a:lnSpc>
+                <a:spcPct val="90000"/>
+              </a:lnSpc>
+              <a:spcBef>
+                <a:spcPts val="500"/>
+              </a:spcBef>
+              <a:buFont typeface="Arial" panose="020B0604020202020204" pitchFamily="34" charset="0"/>
+              <a:buChar char="•"/>
+              <a:defRPr sz="1800" kern="1200">
+                <a:solidFill>
+                  <a:schemeClr val="tx1"/>
+                </a:solidFill>
+                <a:latin typeface="+mn-lt"/>
+                <a:ea typeface="+mn-ea"/>
+                <a:cs typeface="+mn-cs"/>
+              </a:defRPr>
+            </a:lvl6pPr>
+            <a:lvl7pPr marL="2971800" indent="-228600" algn="l" defTabSz="914400" rtl="0" eaLnBrk="1" latinLnBrk="0" hangingPunct="1">
+              <a:lnSpc>
+                <a:spcPct val="90000"/>
+              </a:lnSpc>
+              <a:spcBef>
+                <a:spcPts val="500"/>
+              </a:spcBef>
+              <a:buFont typeface="Arial" panose="020B0604020202020204" pitchFamily="34" charset="0"/>
+              <a:buChar char="•"/>
+              <a:defRPr sz="1800" kern="1200">
+                <a:solidFill>
+                  <a:schemeClr val="tx1"/>
+                </a:solidFill>
+                <a:latin typeface="+mn-lt"/>
+                <a:ea typeface="+mn-ea"/>
+                <a:cs typeface="+mn-cs"/>
+              </a:defRPr>
+            </a:lvl7pPr>
+            <a:lvl8pPr marL="3429000" indent="-228600" algn="l" defTabSz="914400" rtl="0" eaLnBrk="1" latinLnBrk="0" hangingPunct="1">
+              <a:lnSpc>
+                <a:spcPct val="90000"/>
+              </a:lnSpc>
+              <a:spcBef>
+                <a:spcPts val="500"/>
+              </a:spcBef>
+              <a:buFont typeface="Arial" panose="020B0604020202020204" pitchFamily="34" charset="0"/>
+              <a:buChar char="•"/>
+              <a:defRPr sz="1800" kern="1200">
+                <a:solidFill>
+                  <a:schemeClr val="tx1"/>
+                </a:solidFill>
+                <a:latin typeface="+mn-lt"/>
+                <a:ea typeface="+mn-ea"/>
+                <a:cs typeface="+mn-cs"/>
+              </a:defRPr>
+            </a:lvl8pPr>
+            <a:lvl9pPr marL="3886200" indent="-228600" algn="l" defTabSz="914400" rtl="0" eaLnBrk="1" latinLnBrk="0" hangingPunct="1">
+              <a:lnSpc>
+                <a:spcPct val="90000"/>
+              </a:lnSpc>
+              <a:spcBef>
+                <a:spcPts val="500"/>
+              </a:spcBef>
+              <a:buFont typeface="Arial" panose="020B0604020202020204" pitchFamily="34" charset="0"/>
+              <a:buChar char="•"/>
+              <a:defRPr sz="1800" kern="1200">
+                <a:solidFill>
+                  <a:schemeClr val="tx1"/>
+                </a:solidFill>
+                <a:latin typeface="+mn-lt"/>
+                <a:ea typeface="+mn-ea"/>
+                <a:cs typeface="+mn-cs"/>
+              </a:defRPr>
+            </a:lvl9pPr>
+          </a:lstStyle>
+          <a:p>
+            <a:r>
+              <a:rPr lang="pt-BR" dirty="0"/>
+              <a:t>O </a:t>
+            </a:r>
+            <a:r>
+              <a:rPr lang="pt-BR" b="1" dirty="0" err="1"/>
+              <a:t>text</a:t>
+            </a:r>
+            <a:r>
+              <a:rPr lang="pt-BR" b="1" dirty="0"/>
+              <a:t>- </a:t>
+            </a:r>
+            <a:r>
+              <a:rPr lang="pt-BR" b="1" dirty="0" err="1"/>
+              <a:t>decoration</a:t>
+            </a:r>
+            <a:r>
+              <a:rPr lang="pt-BR" b="1" dirty="0"/>
+              <a:t> </a:t>
+            </a:r>
+            <a:r>
+              <a:rPr lang="pt-BR" dirty="0"/>
+              <a:t>adiciona ou remove decorações como sublinhado, linha sobre o texto ou linha cortada.</a:t>
+            </a:r>
+          </a:p>
+        </p:txBody>
+      </p:sp>
+      <p:sp>
+        <p:nvSpPr>
+          <p:cNvPr id="10" name="Retângulo 9">
+            <a:extLst>
+              <a:ext uri="{FF2B5EF4-FFF2-40B4-BE49-F238E27FC236}">
+                <a16:creationId xmlns:a16="http://schemas.microsoft.com/office/drawing/2014/main" id="{3F3911F5-BBD4-4613-A71D-34E377081388}"/>
+              </a:ext>
+            </a:extLst>
+          </p:cNvPr>
+          <p:cNvSpPr/>
+          <p:nvPr/>
+        </p:nvSpPr>
+        <p:spPr>
+          <a:xfrm>
+            <a:off x="4071257" y="4983848"/>
+            <a:ext cx="4049486" cy="1200329"/>
+          </a:xfrm>
+          <a:prstGeom prst="rect">
+            <a:avLst/>
+          </a:prstGeom>
+        </p:spPr>
+        <p:txBody>
+          <a:bodyPr wrap="square">
+            <a:spAutoFit/>
+          </a:bodyPr>
+          <a:lstStyle/>
+          <a:p>
+            <a:r>
+              <a:rPr lang="pt-BR" dirty="0">
+                <a:solidFill>
+                  <a:srgbClr val="800000"/>
+                </a:solidFill>
+                <a:latin typeface="Consolas" panose="020B0609020204030204" pitchFamily="49" charset="0"/>
+              </a:rPr>
+              <a:t>p</a:t>
+            </a:r>
+            <a:r>
+              <a:rPr lang="pt-BR" dirty="0">
+                <a:solidFill>
+                  <a:srgbClr val="000000"/>
+                </a:solidFill>
+                <a:latin typeface="Consolas" panose="020B0609020204030204" pitchFamily="49" charset="0"/>
+              </a:rPr>
+              <a:t> {            </a:t>
+            </a:r>
+          </a:p>
+          <a:p>
+            <a:pPr indent="457200"/>
+            <a:r>
+              <a:rPr lang="pt-BR" dirty="0" err="1">
+                <a:solidFill>
+                  <a:srgbClr val="E50000"/>
+                </a:solidFill>
+                <a:latin typeface="Consolas" panose="020B0609020204030204" pitchFamily="49" charset="0"/>
+              </a:rPr>
+              <a:t>text-decoration</a:t>
+            </a:r>
+            <a:r>
+              <a:rPr lang="pt-BR" dirty="0">
+                <a:solidFill>
+                  <a:srgbClr val="000000"/>
+                </a:solidFill>
+                <a:latin typeface="Consolas" panose="020B0609020204030204" pitchFamily="49" charset="0"/>
+              </a:rPr>
+              <a:t>: </a:t>
+            </a:r>
+            <a:r>
+              <a:rPr lang="pt-BR" dirty="0" err="1">
+                <a:solidFill>
+                  <a:srgbClr val="0451A5"/>
+                </a:solidFill>
+                <a:latin typeface="Consolas" panose="020B0609020204030204" pitchFamily="49" charset="0"/>
+              </a:rPr>
+              <a:t>underline</a:t>
+            </a:r>
+            <a:r>
+              <a:rPr lang="pt-BR" dirty="0">
+                <a:solidFill>
+                  <a:srgbClr val="000000"/>
+                </a:solidFill>
+                <a:latin typeface="Consolas" panose="020B0609020204030204" pitchFamily="49" charset="0"/>
+              </a:rPr>
+              <a:t>;</a:t>
+            </a:r>
+          </a:p>
+          <a:p>
+            <a:pPr indent="457200"/>
+            <a:r>
+              <a:rPr lang="pt-BR" dirty="0" err="1">
+                <a:solidFill>
+                  <a:srgbClr val="E50000"/>
+                </a:solidFill>
+                <a:latin typeface="Consolas" panose="020B0609020204030204" pitchFamily="49" charset="0"/>
+              </a:rPr>
+              <a:t>text-decoration</a:t>
+            </a:r>
+            <a:r>
+              <a:rPr lang="pt-BR" dirty="0">
+                <a:solidFill>
+                  <a:srgbClr val="000000"/>
+                </a:solidFill>
+                <a:latin typeface="Consolas" panose="020B0609020204030204" pitchFamily="49" charset="0"/>
+              </a:rPr>
+              <a:t>: </a:t>
+            </a:r>
+            <a:r>
+              <a:rPr lang="pt-BR" dirty="0" err="1">
+                <a:solidFill>
+                  <a:srgbClr val="0451A5"/>
+                </a:solidFill>
+                <a:latin typeface="Consolas" panose="020B0609020204030204" pitchFamily="49" charset="0"/>
+              </a:rPr>
+              <a:t>overline</a:t>
+            </a:r>
+            <a:r>
+              <a:rPr lang="pt-BR" dirty="0">
+                <a:solidFill>
+                  <a:srgbClr val="000000"/>
+                </a:solidFill>
+                <a:latin typeface="Consolas" panose="020B0609020204030204" pitchFamily="49" charset="0"/>
+              </a:rPr>
+              <a:t>;</a:t>
+            </a:r>
+          </a:p>
+          <a:p>
+            <a:r>
+              <a:rPr lang="pt-BR" dirty="0">
+                <a:solidFill>
+                  <a:srgbClr val="000000"/>
+                </a:solidFill>
+                <a:latin typeface="Consolas" panose="020B0609020204030204" pitchFamily="49" charset="0"/>
+              </a:rPr>
+              <a:t>}</a:t>
+            </a:r>
+            <a:endParaRPr lang="pt-BR" b="0" dirty="0">
+              <a:solidFill>
+                <a:srgbClr val="000000"/>
+              </a:solidFill>
+              <a:effectLst/>
+              <a:latin typeface="Consolas" panose="020B0609020204030204" pitchFamily="49" charset="0"/>
+            </a:endParaRPr>
+          </a:p>
+        </p:txBody>
+      </p:sp>
+    </p:spTree>
+    <p:extLst>
+      <p:ext uri="{BB962C8B-B14F-4D97-AF65-F5344CB8AC3E}">
+        <p14:creationId xmlns:p14="http://schemas.microsoft.com/office/powerpoint/2010/main" val="2840875005"/>
+      </p:ext>
+    </p:extLst>
+  </p:cSld>
+  <p:clrMapOvr>
+    <a:masterClrMapping/>
+  </p:clrMapOvr>
+</p:sld>
+</file>
+
+<file path=ppt/slides/slide12.xml><?xml version="1.0" encoding="utf-8"?>
+<p:sld xmlns:a="http://schemas.openxmlformats.org/drawingml/2006/main" xmlns:r="http://schemas.openxmlformats.org/officeDocument/2006/relationships" xmlns:p="http://schemas.openxmlformats.org/presentationml/2006/main">
+  <p:cSld>
+    <p:spTree>
+      <p:nvGrpSpPr>
+        <p:cNvPr id="1" name=""/>
+        <p:cNvGrpSpPr/>
+        <p:nvPr/>
+      </p:nvGrpSpPr>
+      <p:grpSpPr>
+        <a:xfrm>
+          <a:off x="0" y="0"/>
+          <a:ext cx="0" cy="0"/>
+          <a:chOff x="0" y="0"/>
+          <a:chExt cx="0" cy="0"/>
+        </a:xfrm>
+      </p:grpSpPr>
+      <p:sp>
+        <p:nvSpPr>
+          <p:cNvPr id="2" name="Título 1">
+            <a:extLst>
+              <a:ext uri="{FF2B5EF4-FFF2-40B4-BE49-F238E27FC236}">
+                <a16:creationId xmlns:a16="http://schemas.microsoft.com/office/drawing/2014/main" id="{65FB19DF-4B07-4B11-8601-AC651174DC73}"/>
+              </a:ext>
+            </a:extLst>
+          </p:cNvPr>
+          <p:cNvSpPr>
+            <a:spLocks noGrp="1"/>
+          </p:cNvSpPr>
+          <p:nvPr>
+            <p:ph type="title"/>
+          </p:nvPr>
+        </p:nvSpPr>
+        <p:spPr/>
+        <p:txBody>
+          <a:bodyPr/>
+          <a:lstStyle/>
+          <a:p>
+            <a:r>
+              <a:rPr lang="pt-BR" dirty="0"/>
+              <a:t>A solução para fontes e pesos personalizados</a:t>
+            </a:r>
+          </a:p>
+        </p:txBody>
+      </p:sp>
+      <p:sp>
+        <p:nvSpPr>
+          <p:cNvPr id="3" name="Espaço Reservado para Conteúdo 2">
+            <a:extLst>
+              <a:ext uri="{FF2B5EF4-FFF2-40B4-BE49-F238E27FC236}">
+                <a16:creationId xmlns:a16="http://schemas.microsoft.com/office/drawing/2014/main" id="{E2ECA909-B378-47C1-AAFE-D39B923581F3}"/>
+              </a:ext>
+            </a:extLst>
+          </p:cNvPr>
+          <p:cNvSpPr>
+            <a:spLocks noGrp="1"/>
+          </p:cNvSpPr>
+          <p:nvPr>
+            <p:ph idx="1"/>
+          </p:nvPr>
+        </p:nvSpPr>
+        <p:spPr>
+          <a:xfrm>
+            <a:off x="592347" y="1844675"/>
+            <a:ext cx="11007306" cy="1943554"/>
+          </a:xfrm>
+        </p:spPr>
+        <p:txBody>
+          <a:bodyPr/>
+          <a:lstStyle/>
+          <a:p>
+            <a:r>
+              <a:rPr lang="pt-BR" dirty="0"/>
+              <a:t>O Google </a:t>
+            </a:r>
+            <a:r>
+              <a:rPr lang="pt-BR" dirty="0" err="1"/>
+              <a:t>Fonts</a:t>
+            </a:r>
+            <a:r>
+              <a:rPr lang="pt-BR" dirty="0"/>
+              <a:t> é uma biblioteca gratuita que oferece fontes para web, permitindo usá-las sem instalar localmente. Basta escolher a fonte no site, copiar o código e inseri-lo no HTML para usá-la no CSS, para isso devemos importar uma fonte da nossa escolha e depois fazer o </a:t>
+            </a:r>
+            <a:r>
+              <a:rPr lang="pt-BR" dirty="0" err="1"/>
+              <a:t>import</a:t>
+            </a:r>
+            <a:r>
+              <a:rPr lang="pt-BR" dirty="0"/>
+              <a:t>, ficando igual o exemplo abaixo.</a:t>
+            </a:r>
+          </a:p>
+        </p:txBody>
+      </p:sp>
+      <p:sp>
+        <p:nvSpPr>
+          <p:cNvPr id="6" name="Retângulo 5">
+            <a:extLst>
+              <a:ext uri="{FF2B5EF4-FFF2-40B4-BE49-F238E27FC236}">
+                <a16:creationId xmlns:a16="http://schemas.microsoft.com/office/drawing/2014/main" id="{39232D7A-8FD7-43BD-8490-8DCB0A93DB8F}"/>
+              </a:ext>
+            </a:extLst>
+          </p:cNvPr>
+          <p:cNvSpPr/>
+          <p:nvPr/>
+        </p:nvSpPr>
+        <p:spPr>
+          <a:xfrm>
+            <a:off x="1750423" y="4086754"/>
+            <a:ext cx="8691154" cy="2031325"/>
+          </a:xfrm>
+          <a:prstGeom prst="rect">
+            <a:avLst/>
+          </a:prstGeom>
+        </p:spPr>
+        <p:txBody>
+          <a:bodyPr wrap="square">
+            <a:spAutoFit/>
+          </a:bodyPr>
+          <a:lstStyle/>
+          <a:p>
+            <a:r>
+              <a:rPr lang="pt-BR" dirty="0">
+                <a:solidFill>
+                  <a:srgbClr val="0000FF"/>
+                </a:solidFill>
+                <a:latin typeface="Consolas" panose="020B0609020204030204" pitchFamily="49" charset="0"/>
+              </a:rPr>
+              <a:t>@</a:t>
+            </a:r>
+            <a:r>
+              <a:rPr lang="pt-BR" dirty="0" err="1">
+                <a:solidFill>
+                  <a:srgbClr val="0000FF"/>
+                </a:solidFill>
+                <a:latin typeface="Consolas" panose="020B0609020204030204" pitchFamily="49" charset="0"/>
+              </a:rPr>
+              <a:t>import</a:t>
+            </a:r>
+            <a:r>
+              <a:rPr lang="pt-BR" dirty="0">
+                <a:solidFill>
+                  <a:srgbClr val="0000FF"/>
+                </a:solidFill>
+                <a:latin typeface="Consolas" panose="020B0609020204030204" pitchFamily="49" charset="0"/>
+              </a:rPr>
+              <a:t> </a:t>
+            </a:r>
+            <a:r>
+              <a:rPr lang="pt-BR" dirty="0" err="1">
+                <a:solidFill>
+                  <a:srgbClr val="000000"/>
+                </a:solidFill>
+                <a:latin typeface="Consolas" panose="020B0609020204030204" pitchFamily="49" charset="0"/>
+              </a:rPr>
+              <a:t>url</a:t>
+            </a:r>
+            <a:r>
+              <a:rPr lang="pt-BR" dirty="0">
+                <a:solidFill>
+                  <a:srgbClr val="000000"/>
+                </a:solidFill>
+                <a:latin typeface="Consolas" panose="020B0609020204030204" pitchFamily="49" charset="0"/>
+              </a:rPr>
+              <a:t>(</a:t>
+            </a:r>
+            <a:r>
+              <a:rPr lang="pt-BR" dirty="0">
+                <a:solidFill>
+                  <a:srgbClr val="A31515"/>
+                </a:solidFill>
+                <a:latin typeface="Consolas" panose="020B0609020204030204" pitchFamily="49" charset="0"/>
+              </a:rPr>
+              <a:t>'https://fonts.googleapis.com/css2?family=Roboto:ital,wght@0,100..900;1,100..900&amp;family=Smooch+Sans:wght@100..900&amp;display=swap'</a:t>
+            </a:r>
+            <a:r>
+              <a:rPr lang="pt-BR" dirty="0">
+                <a:solidFill>
+                  <a:srgbClr val="000000"/>
+                </a:solidFill>
+                <a:latin typeface="Consolas" panose="020B0609020204030204" pitchFamily="49" charset="0"/>
+              </a:rPr>
+              <a:t>);</a:t>
+            </a:r>
+          </a:p>
+          <a:p>
+            <a:r>
+              <a:rPr lang="pt-BR" dirty="0">
+                <a:solidFill>
+                  <a:srgbClr val="000000"/>
+                </a:solidFill>
+                <a:latin typeface="Consolas" panose="020B0609020204030204" pitchFamily="49" charset="0"/>
+              </a:rPr>
+              <a:t>        </a:t>
+            </a:r>
+          </a:p>
+          <a:p>
+            <a:r>
+              <a:rPr lang="pt-BR" dirty="0">
+                <a:solidFill>
+                  <a:srgbClr val="800000"/>
+                </a:solidFill>
+                <a:latin typeface="Consolas" panose="020B0609020204030204" pitchFamily="49" charset="0"/>
+              </a:rPr>
+              <a:t>h1</a:t>
+            </a:r>
+            <a:r>
+              <a:rPr lang="pt-BR" dirty="0">
+                <a:solidFill>
+                  <a:srgbClr val="000000"/>
+                </a:solidFill>
+                <a:latin typeface="Consolas" panose="020B0609020204030204" pitchFamily="49" charset="0"/>
+              </a:rPr>
+              <a:t>{</a:t>
+            </a:r>
+          </a:p>
+          <a:p>
+            <a:pPr indent="457200"/>
+            <a:r>
+              <a:rPr lang="pt-BR" dirty="0" err="1">
+                <a:solidFill>
+                  <a:srgbClr val="E50000"/>
+                </a:solidFill>
+                <a:latin typeface="Consolas" panose="020B0609020204030204" pitchFamily="49" charset="0"/>
+              </a:rPr>
+              <a:t>font-family</a:t>
+            </a:r>
+            <a:r>
+              <a:rPr lang="pt-BR" dirty="0">
+                <a:solidFill>
+                  <a:srgbClr val="000000"/>
+                </a:solidFill>
+                <a:latin typeface="Consolas" panose="020B0609020204030204" pitchFamily="49" charset="0"/>
+              </a:rPr>
+              <a:t>: </a:t>
+            </a:r>
+            <a:r>
+              <a:rPr lang="pt-BR" dirty="0">
+                <a:solidFill>
+                  <a:srgbClr val="A31515"/>
+                </a:solidFill>
+                <a:latin typeface="Consolas" panose="020B0609020204030204" pitchFamily="49" charset="0"/>
+              </a:rPr>
+              <a:t>"</a:t>
+            </a:r>
+            <a:r>
+              <a:rPr lang="pt-BR" dirty="0" err="1">
+                <a:solidFill>
+                  <a:srgbClr val="A31515"/>
+                </a:solidFill>
+                <a:latin typeface="Consolas" panose="020B0609020204030204" pitchFamily="49" charset="0"/>
+              </a:rPr>
+              <a:t>Roboto</a:t>
+            </a:r>
+            <a:r>
+              <a:rPr lang="pt-BR" dirty="0">
+                <a:solidFill>
+                  <a:srgbClr val="A31515"/>
+                </a:solidFill>
+                <a:latin typeface="Consolas" panose="020B0609020204030204" pitchFamily="49" charset="0"/>
+              </a:rPr>
+              <a:t>"</a:t>
+            </a:r>
+            <a:r>
+              <a:rPr lang="pt-BR" dirty="0">
+                <a:solidFill>
+                  <a:srgbClr val="000000"/>
+                </a:solidFill>
+                <a:latin typeface="Consolas" panose="020B0609020204030204" pitchFamily="49" charset="0"/>
+              </a:rPr>
+              <a:t>, </a:t>
+            </a:r>
+            <a:r>
+              <a:rPr lang="pt-BR" dirty="0" err="1">
+                <a:solidFill>
+                  <a:srgbClr val="0451A5"/>
+                </a:solidFill>
+                <a:latin typeface="Consolas" panose="020B0609020204030204" pitchFamily="49" charset="0"/>
+              </a:rPr>
+              <a:t>Helvetica</a:t>
+            </a:r>
+            <a:r>
+              <a:rPr lang="pt-BR" dirty="0">
+                <a:solidFill>
+                  <a:srgbClr val="000000"/>
+                </a:solidFill>
+                <a:latin typeface="Consolas" panose="020B0609020204030204" pitchFamily="49" charset="0"/>
+              </a:rPr>
+              <a:t>, </a:t>
+            </a:r>
+            <a:r>
+              <a:rPr lang="pt-BR" dirty="0" err="1">
+                <a:solidFill>
+                  <a:srgbClr val="0451A5"/>
+                </a:solidFill>
+                <a:latin typeface="Consolas" panose="020B0609020204030204" pitchFamily="49" charset="0"/>
+              </a:rPr>
+              <a:t>sans-serif</a:t>
+            </a:r>
+            <a:r>
+              <a:rPr lang="pt-BR" dirty="0">
+                <a:solidFill>
+                  <a:srgbClr val="000000"/>
+                </a:solidFill>
+                <a:latin typeface="Consolas" panose="020B0609020204030204" pitchFamily="49" charset="0"/>
+              </a:rPr>
+              <a:t>;</a:t>
+            </a:r>
+          </a:p>
+          <a:p>
+            <a:r>
+              <a:rPr lang="pt-BR" dirty="0">
+                <a:solidFill>
+                  <a:srgbClr val="000000"/>
+                </a:solidFill>
+                <a:latin typeface="Consolas" panose="020B0609020204030204" pitchFamily="49" charset="0"/>
+              </a:rPr>
+              <a:t>}</a:t>
+            </a:r>
+            <a:endParaRPr lang="pt-BR" b="0" dirty="0">
+              <a:solidFill>
+                <a:srgbClr val="000000"/>
+              </a:solidFill>
+              <a:effectLst/>
+              <a:latin typeface="Consolas" panose="020B0609020204030204" pitchFamily="49" charset="0"/>
+            </a:endParaRPr>
+          </a:p>
+        </p:txBody>
+      </p:sp>
+    </p:spTree>
+    <p:extLst>
+      <p:ext uri="{BB962C8B-B14F-4D97-AF65-F5344CB8AC3E}">
+        <p14:creationId xmlns:p14="http://schemas.microsoft.com/office/powerpoint/2010/main" val="4164290676"/>
+      </p:ext>
+    </p:extLst>
+  </p:cSld>
+  <p:clrMapOvr>
+    <a:masterClrMapping/>
+  </p:clrMapOvr>
+</p:sld>
+</file>
+
+<file path=ppt/slides/slide13.xml><?xml version="1.0" encoding="utf-8"?>
+<p:sld xmlns:a="http://schemas.openxmlformats.org/drawingml/2006/main" xmlns:r="http://schemas.openxmlformats.org/officeDocument/2006/relationships" xmlns:p="http://schemas.openxmlformats.org/presentationml/2006/main">
+  <p:cSld>
+    <p:spTree>
+      <p:nvGrpSpPr>
+        <p:cNvPr id="1" name=""/>
+        <p:cNvGrpSpPr/>
+        <p:nvPr/>
+      </p:nvGrpSpPr>
+      <p:grpSpPr>
+        <a:xfrm>
+          <a:off x="0" y="0"/>
+          <a:ext cx="0" cy="0"/>
+          <a:chOff x="0" y="0"/>
+          <a:chExt cx="0" cy="0"/>
+        </a:xfrm>
+      </p:grpSpPr>
+      <p:sp>
+        <p:nvSpPr>
+          <p:cNvPr id="2" name="Título 1">
+            <a:extLst>
+              <a:ext uri="{FF2B5EF4-FFF2-40B4-BE49-F238E27FC236}">
+                <a16:creationId xmlns:a16="http://schemas.microsoft.com/office/drawing/2014/main" id="{502962C2-4555-457E-85B4-9A84622ED552}"/>
+              </a:ext>
+            </a:extLst>
+          </p:cNvPr>
+          <p:cNvSpPr>
+            <a:spLocks noGrp="1"/>
+          </p:cNvSpPr>
+          <p:nvPr>
+            <p:ph type="title"/>
+          </p:nvPr>
+        </p:nvSpPr>
+        <p:spPr/>
+        <p:txBody>
+          <a:bodyPr/>
+          <a:lstStyle/>
+          <a:p>
+            <a:r>
+              <a:rPr lang="pt-BR" dirty="0" err="1"/>
+              <a:t>Text-Align</a:t>
+            </a:r>
+            <a:endParaRPr lang="pt-BR" dirty="0"/>
+          </a:p>
+        </p:txBody>
+      </p:sp>
+      <p:sp>
+        <p:nvSpPr>
+          <p:cNvPr id="3" name="Espaço Reservado para Conteúdo 2">
+            <a:extLst>
+              <a:ext uri="{FF2B5EF4-FFF2-40B4-BE49-F238E27FC236}">
+                <a16:creationId xmlns:a16="http://schemas.microsoft.com/office/drawing/2014/main" id="{9D300FF2-4AF3-4D10-866C-E499B429598D}"/>
+              </a:ext>
+            </a:extLst>
+          </p:cNvPr>
+          <p:cNvSpPr>
+            <a:spLocks noGrp="1"/>
+          </p:cNvSpPr>
+          <p:nvPr>
+            <p:ph idx="1"/>
+          </p:nvPr>
+        </p:nvSpPr>
+        <p:spPr>
+          <a:xfrm>
+            <a:off x="592347" y="1844675"/>
+            <a:ext cx="11007306" cy="2753451"/>
+          </a:xfrm>
+        </p:spPr>
+        <p:txBody>
+          <a:bodyPr/>
+          <a:lstStyle/>
+          <a:p>
+            <a:r>
+              <a:rPr lang="pt-BR" sz="1800" dirty="0"/>
+              <a:t>A propriedade </a:t>
+            </a:r>
+            <a:r>
+              <a:rPr lang="pt-BR" sz="1800" dirty="0" err="1"/>
+              <a:t>text-align</a:t>
+            </a:r>
+            <a:r>
+              <a:rPr lang="pt-BR" sz="1800" dirty="0"/>
+              <a:t> é utilizada para definir o alinhamento do texto dentro de seu contêiner. Os valores mais comuns para essa propriedade são:</a:t>
+            </a:r>
+          </a:p>
+          <a:p>
+            <a:pPr marL="1028700" lvl="1" indent="-342900" algn="just"/>
+            <a:r>
+              <a:rPr lang="pt-BR" dirty="0" err="1"/>
+              <a:t>left</a:t>
+            </a:r>
+            <a:r>
+              <a:rPr lang="pt-BR" dirty="0"/>
+              <a:t>: Alinha o texto à margem esquerda.</a:t>
+            </a:r>
+          </a:p>
+          <a:p>
+            <a:pPr marL="1028700" lvl="1" indent="-342900" algn="just"/>
+            <a:r>
+              <a:rPr lang="pt-BR" dirty="0"/>
+              <a:t>center: Centraliza o texto no contêiner.</a:t>
+            </a:r>
+          </a:p>
+          <a:p>
+            <a:pPr marL="1028700" lvl="1" indent="-342900" algn="just"/>
+            <a:r>
+              <a:rPr lang="pt-BR" dirty="0" err="1"/>
+              <a:t>right</a:t>
+            </a:r>
+            <a:r>
+              <a:rPr lang="pt-BR" dirty="0"/>
+              <a:t>: Alinha o texto à margem direita.</a:t>
+            </a:r>
+          </a:p>
+          <a:p>
+            <a:pPr marL="1028700" lvl="1" indent="-342900" algn="just"/>
+            <a:r>
+              <a:rPr lang="pt-BR" dirty="0" err="1"/>
+              <a:t>justify</a:t>
+            </a:r>
+            <a:r>
+              <a:rPr lang="pt-BR" dirty="0"/>
+              <a:t>: Distribui o texto de forma que ele se estenda igualmente entre as margens esquerda e direita.</a:t>
+            </a:r>
+          </a:p>
+        </p:txBody>
+      </p:sp>
+      <p:sp>
+        <p:nvSpPr>
+          <p:cNvPr id="6" name="Retângulo 5">
+            <a:extLst>
+              <a:ext uri="{FF2B5EF4-FFF2-40B4-BE49-F238E27FC236}">
+                <a16:creationId xmlns:a16="http://schemas.microsoft.com/office/drawing/2014/main" id="{76D04EA7-25B2-4F1F-A902-1B630F6BFB38}"/>
+              </a:ext>
+            </a:extLst>
+          </p:cNvPr>
+          <p:cNvSpPr/>
+          <p:nvPr/>
+        </p:nvSpPr>
+        <p:spPr>
+          <a:xfrm>
+            <a:off x="4506686" y="5139808"/>
+            <a:ext cx="3178629" cy="923330"/>
+          </a:xfrm>
+          <a:prstGeom prst="rect">
+            <a:avLst/>
+          </a:prstGeom>
+        </p:spPr>
+        <p:txBody>
+          <a:bodyPr wrap="square">
+            <a:spAutoFit/>
+          </a:bodyPr>
+          <a:lstStyle/>
+          <a:p>
+            <a:r>
+              <a:rPr lang="pt-BR" dirty="0">
+                <a:solidFill>
+                  <a:srgbClr val="800000"/>
+                </a:solidFill>
+                <a:latin typeface="Consolas" panose="020B0609020204030204" pitchFamily="49" charset="0"/>
+              </a:rPr>
+              <a:t>p</a:t>
+            </a:r>
+            <a:r>
+              <a:rPr lang="pt-BR" dirty="0">
+                <a:solidFill>
+                  <a:srgbClr val="000000"/>
+                </a:solidFill>
+                <a:latin typeface="Consolas" panose="020B0609020204030204" pitchFamily="49" charset="0"/>
+              </a:rPr>
+              <a:t> {            </a:t>
+            </a:r>
+          </a:p>
+          <a:p>
+            <a:pPr indent="457200"/>
+            <a:r>
+              <a:rPr lang="pt-BR" dirty="0" err="1">
+                <a:solidFill>
+                  <a:srgbClr val="E50000"/>
+                </a:solidFill>
+                <a:latin typeface="Consolas" panose="020B0609020204030204" pitchFamily="49" charset="0"/>
+              </a:rPr>
+              <a:t>text-align</a:t>
+            </a:r>
+            <a:r>
+              <a:rPr lang="pt-BR" dirty="0">
+                <a:solidFill>
+                  <a:srgbClr val="000000"/>
+                </a:solidFill>
+                <a:latin typeface="Consolas" panose="020B0609020204030204" pitchFamily="49" charset="0"/>
+              </a:rPr>
+              <a:t>: </a:t>
+            </a:r>
+            <a:r>
+              <a:rPr lang="pt-BR" dirty="0" err="1">
+                <a:solidFill>
+                  <a:srgbClr val="0451A5"/>
+                </a:solidFill>
+                <a:latin typeface="Consolas" panose="020B0609020204030204" pitchFamily="49" charset="0"/>
+              </a:rPr>
+              <a:t>justify</a:t>
+            </a:r>
+            <a:r>
+              <a:rPr lang="pt-BR" dirty="0">
+                <a:solidFill>
+                  <a:srgbClr val="000000"/>
+                </a:solidFill>
+                <a:latin typeface="Consolas" panose="020B0609020204030204" pitchFamily="49" charset="0"/>
+              </a:rPr>
+              <a:t>;</a:t>
+            </a:r>
+          </a:p>
+          <a:p>
+            <a:r>
+              <a:rPr lang="pt-BR" dirty="0">
+                <a:solidFill>
+                  <a:srgbClr val="000000"/>
+                </a:solidFill>
+                <a:latin typeface="Consolas" panose="020B0609020204030204" pitchFamily="49" charset="0"/>
+              </a:rPr>
+              <a:t>}</a:t>
+            </a:r>
+            <a:endParaRPr lang="pt-BR" b="0" dirty="0">
+              <a:solidFill>
+                <a:srgbClr val="000000"/>
+              </a:solidFill>
+              <a:effectLst/>
+              <a:latin typeface="Consolas" panose="020B0609020204030204" pitchFamily="49" charset="0"/>
+            </a:endParaRPr>
+          </a:p>
+        </p:txBody>
+      </p:sp>
+    </p:spTree>
+    <p:extLst>
+      <p:ext uri="{BB962C8B-B14F-4D97-AF65-F5344CB8AC3E}">
+        <p14:creationId xmlns:p14="http://schemas.microsoft.com/office/powerpoint/2010/main" val="3356455942"/>
+      </p:ext>
+    </p:extLst>
+  </p:cSld>
+  <p:clrMapOvr>
+    <a:masterClrMapping/>
+  </p:clrMapOvr>
+</p:sld>
+</file>
+
+<file path=ppt/slides/slide14.xml><?xml version="1.0" encoding="utf-8"?>
+<p:sld xmlns:a="http://schemas.openxmlformats.org/drawingml/2006/main" xmlns:r="http://schemas.openxmlformats.org/officeDocument/2006/relationships" xmlns:p="http://schemas.openxmlformats.org/presentationml/2006/main">
+  <p:cSld>
+    <p:spTree>
+      <p:nvGrpSpPr>
+        <p:cNvPr id="1" name=""/>
+        <p:cNvGrpSpPr/>
+        <p:nvPr/>
+      </p:nvGrpSpPr>
+      <p:grpSpPr>
+        <a:xfrm>
+          <a:off x="0" y="0"/>
+          <a:ext cx="0" cy="0"/>
+          <a:chOff x="0" y="0"/>
+          <a:chExt cx="0" cy="0"/>
+        </a:xfrm>
+      </p:grpSpPr>
+      <p:sp>
+        <p:nvSpPr>
+          <p:cNvPr id="2" name="Título 1">
+            <a:extLst>
+              <a:ext uri="{FF2B5EF4-FFF2-40B4-BE49-F238E27FC236}">
+                <a16:creationId xmlns:a16="http://schemas.microsoft.com/office/drawing/2014/main" id="{A3AB6CD3-37D0-44C2-9FCA-B16B09A0DD32}"/>
+              </a:ext>
+            </a:extLst>
+          </p:cNvPr>
+          <p:cNvSpPr>
+            <a:spLocks noGrp="1"/>
+          </p:cNvSpPr>
+          <p:nvPr>
+            <p:ph type="title"/>
+          </p:nvPr>
+        </p:nvSpPr>
+        <p:spPr/>
+        <p:txBody>
+          <a:bodyPr/>
+          <a:lstStyle/>
+          <a:p>
+            <a:r>
+              <a:rPr lang="pt-BR" dirty="0" err="1"/>
+              <a:t>Line-Height</a:t>
+            </a:r>
+            <a:r>
+              <a:rPr lang="pt-BR" dirty="0"/>
+              <a:t> e </a:t>
+            </a:r>
+            <a:r>
+              <a:rPr lang="pt-BR" dirty="0" err="1"/>
+              <a:t>Letter-Spacing</a:t>
+            </a:r>
+            <a:endParaRPr lang="pt-BR" dirty="0"/>
+          </a:p>
+        </p:txBody>
+      </p:sp>
+      <p:sp>
+        <p:nvSpPr>
+          <p:cNvPr id="3" name="Espaço Reservado para Conteúdo 2">
+            <a:extLst>
+              <a:ext uri="{FF2B5EF4-FFF2-40B4-BE49-F238E27FC236}">
+                <a16:creationId xmlns:a16="http://schemas.microsoft.com/office/drawing/2014/main" id="{AD8897DE-FF28-4AF1-B565-CBDA6D3123CF}"/>
+              </a:ext>
+            </a:extLst>
+          </p:cNvPr>
+          <p:cNvSpPr>
+            <a:spLocks noGrp="1"/>
+          </p:cNvSpPr>
+          <p:nvPr>
+            <p:ph idx="1"/>
+          </p:nvPr>
+        </p:nvSpPr>
+        <p:spPr>
+          <a:xfrm>
+            <a:off x="592347" y="1844675"/>
+            <a:ext cx="11007306" cy="628559"/>
+          </a:xfrm>
+        </p:spPr>
+        <p:txBody>
+          <a:bodyPr/>
+          <a:lstStyle/>
+          <a:p>
+            <a:r>
+              <a:rPr lang="pt-BR" dirty="0"/>
+              <a:t>O </a:t>
+            </a:r>
+            <a:r>
+              <a:rPr lang="pt-BR" b="1" dirty="0" err="1"/>
+              <a:t>line-height</a:t>
+            </a:r>
+            <a:r>
+              <a:rPr lang="pt-BR" b="1" dirty="0"/>
+              <a:t> </a:t>
+            </a:r>
+            <a:r>
+              <a:rPr lang="pt-BR" dirty="0"/>
+              <a:t>define o espaçamento vertical entre as linhas de texto.</a:t>
+            </a:r>
+          </a:p>
+        </p:txBody>
+      </p:sp>
+      <p:sp>
+        <p:nvSpPr>
+          <p:cNvPr id="5" name="Retângulo 4">
+            <a:extLst>
+              <a:ext uri="{FF2B5EF4-FFF2-40B4-BE49-F238E27FC236}">
+                <a16:creationId xmlns:a16="http://schemas.microsoft.com/office/drawing/2014/main" id="{8BEC64A7-5FDB-47ED-B639-DD1E108AF737}"/>
+              </a:ext>
+            </a:extLst>
+          </p:cNvPr>
+          <p:cNvSpPr/>
+          <p:nvPr/>
+        </p:nvSpPr>
+        <p:spPr>
+          <a:xfrm>
+            <a:off x="4824549" y="2690336"/>
+            <a:ext cx="2542903" cy="923330"/>
+          </a:xfrm>
+          <a:prstGeom prst="rect">
+            <a:avLst/>
+          </a:prstGeom>
+        </p:spPr>
+        <p:txBody>
+          <a:bodyPr wrap="square">
+            <a:spAutoFit/>
+          </a:bodyPr>
+          <a:lstStyle/>
+          <a:p>
+            <a:r>
+              <a:rPr lang="pt-BR" dirty="0">
+                <a:solidFill>
+                  <a:srgbClr val="800000"/>
+                </a:solidFill>
+                <a:latin typeface="Consolas" panose="020B0609020204030204" pitchFamily="49" charset="0"/>
+              </a:rPr>
+              <a:t>p</a:t>
+            </a:r>
+            <a:r>
+              <a:rPr lang="pt-BR" dirty="0">
+                <a:solidFill>
+                  <a:srgbClr val="000000"/>
+                </a:solidFill>
+                <a:latin typeface="Consolas" panose="020B0609020204030204" pitchFamily="49" charset="0"/>
+              </a:rPr>
+              <a:t> {            </a:t>
+            </a:r>
+          </a:p>
+          <a:p>
+            <a:pPr indent="457200"/>
+            <a:r>
+              <a:rPr lang="pt-BR" dirty="0" err="1">
+                <a:solidFill>
+                  <a:srgbClr val="E50000"/>
+                </a:solidFill>
+                <a:latin typeface="Consolas" panose="020B0609020204030204" pitchFamily="49" charset="0"/>
+              </a:rPr>
+              <a:t>line-height</a:t>
+            </a:r>
+            <a:r>
+              <a:rPr lang="pt-BR" dirty="0">
+                <a:solidFill>
+                  <a:srgbClr val="000000"/>
+                </a:solidFill>
+                <a:latin typeface="Consolas" panose="020B0609020204030204" pitchFamily="49" charset="0"/>
+              </a:rPr>
+              <a:t>: </a:t>
+            </a:r>
+            <a:r>
+              <a:rPr lang="pt-BR" dirty="0">
+                <a:solidFill>
+                  <a:srgbClr val="098658"/>
+                </a:solidFill>
+                <a:latin typeface="Consolas" panose="020B0609020204030204" pitchFamily="49" charset="0"/>
+              </a:rPr>
+              <a:t>2</a:t>
+            </a:r>
+            <a:r>
+              <a:rPr lang="pt-BR" dirty="0">
+                <a:solidFill>
+                  <a:srgbClr val="000000"/>
+                </a:solidFill>
+                <a:latin typeface="Consolas" panose="020B0609020204030204" pitchFamily="49" charset="0"/>
+              </a:rPr>
+              <a:t>;</a:t>
+            </a:r>
+          </a:p>
+          <a:p>
+            <a:r>
+              <a:rPr lang="pt-BR" dirty="0">
+                <a:solidFill>
+                  <a:srgbClr val="000000"/>
+                </a:solidFill>
+                <a:latin typeface="Consolas" panose="020B0609020204030204" pitchFamily="49" charset="0"/>
+              </a:rPr>
+              <a:t>}</a:t>
+            </a:r>
+            <a:endParaRPr lang="pt-BR" b="0" dirty="0">
+              <a:solidFill>
+                <a:srgbClr val="000000"/>
+              </a:solidFill>
+              <a:effectLst/>
+              <a:latin typeface="Consolas" panose="020B0609020204030204" pitchFamily="49" charset="0"/>
+            </a:endParaRPr>
+          </a:p>
+        </p:txBody>
+      </p:sp>
+      <p:sp>
+        <p:nvSpPr>
+          <p:cNvPr id="6" name="Espaço Reservado para Conteúdo 2">
+            <a:extLst>
+              <a:ext uri="{FF2B5EF4-FFF2-40B4-BE49-F238E27FC236}">
+                <a16:creationId xmlns:a16="http://schemas.microsoft.com/office/drawing/2014/main" id="{E9CCD711-B346-4ECA-B184-BE747A790803}"/>
+              </a:ext>
+            </a:extLst>
+          </p:cNvPr>
+          <p:cNvSpPr txBox="1">
+            <a:spLocks/>
+          </p:cNvSpPr>
+          <p:nvPr/>
+        </p:nvSpPr>
+        <p:spPr>
+          <a:xfrm>
+            <a:off x="592347" y="3956503"/>
+            <a:ext cx="11007306" cy="628559"/>
+          </a:xfrm>
+          <a:prstGeom prst="rect">
+            <a:avLst/>
+          </a:prstGeom>
+        </p:spPr>
+        <p:txBody>
+          <a:bodyPr/>
+          <a:lstStyle>
+            <a:lvl1pPr marL="0" indent="0" algn="just" defTabSz="914400" rtl="0" eaLnBrk="1" latinLnBrk="0" hangingPunct="1">
+              <a:lnSpc>
+                <a:spcPct val="150000"/>
+              </a:lnSpc>
+              <a:spcBef>
+                <a:spcPts val="1000"/>
+              </a:spcBef>
+              <a:buFont typeface="Arial" panose="020B0604020202020204" pitchFamily="34" charset="0"/>
+              <a:buNone/>
+              <a:defRPr sz="2000" kern="1200">
+                <a:solidFill>
+                  <a:schemeClr val="tx1"/>
+                </a:solidFill>
+                <a:latin typeface="Times New Roman" panose="02020603050405020304" pitchFamily="18" charset="0"/>
+                <a:ea typeface="+mn-ea"/>
+                <a:cs typeface="Times New Roman" panose="02020603050405020304" pitchFamily="18" charset="0"/>
+              </a:defRPr>
+            </a:lvl1pPr>
+            <a:lvl2pPr marL="685800" indent="-228600" algn="l" defTabSz="914400" rtl="0" eaLnBrk="1" latinLnBrk="0" hangingPunct="1">
+              <a:lnSpc>
+                <a:spcPct val="150000"/>
+              </a:lnSpc>
+              <a:spcBef>
+                <a:spcPts val="500"/>
+              </a:spcBef>
+              <a:buFont typeface="Arial" panose="020B0604020202020204" pitchFamily="34" charset="0"/>
+              <a:buChar char="•"/>
+              <a:defRPr sz="1600" kern="1200">
+                <a:solidFill>
+                  <a:schemeClr val="tx1"/>
+                </a:solidFill>
+                <a:latin typeface="Times New Roman" panose="02020603050405020304" pitchFamily="18" charset="0"/>
+                <a:ea typeface="+mn-ea"/>
+                <a:cs typeface="Times New Roman" panose="02020603050405020304" pitchFamily="18" charset="0"/>
+              </a:defRPr>
+            </a:lvl2pPr>
+            <a:lvl3pPr marL="1143000" indent="-228600" algn="l" defTabSz="914400" rtl="0" eaLnBrk="1" latinLnBrk="0" hangingPunct="1">
+              <a:lnSpc>
+                <a:spcPct val="150000"/>
+              </a:lnSpc>
+              <a:spcBef>
+                <a:spcPts val="500"/>
+              </a:spcBef>
+              <a:buFont typeface="Arial" panose="020B0604020202020204" pitchFamily="34" charset="0"/>
+              <a:buChar char="•"/>
+              <a:defRPr sz="1400" kern="1200">
+                <a:solidFill>
+                  <a:schemeClr val="tx1"/>
+                </a:solidFill>
+                <a:latin typeface="Times New Roman" panose="02020603050405020304" pitchFamily="18" charset="0"/>
+                <a:ea typeface="+mn-ea"/>
+                <a:cs typeface="Times New Roman" panose="02020603050405020304" pitchFamily="18" charset="0"/>
+              </a:defRPr>
+            </a:lvl3pPr>
+            <a:lvl4pPr marL="1600200" indent="-228600" algn="l" defTabSz="914400" rtl="0" eaLnBrk="1" latinLnBrk="0" hangingPunct="1">
+              <a:lnSpc>
+                <a:spcPct val="150000"/>
+              </a:lnSpc>
+              <a:spcBef>
+                <a:spcPts val="500"/>
+              </a:spcBef>
+              <a:buFont typeface="Arial" panose="020B0604020202020204" pitchFamily="34" charset="0"/>
+              <a:buChar char="•"/>
+              <a:defRPr sz="1200" kern="1200">
+                <a:solidFill>
+                  <a:schemeClr val="tx1"/>
+                </a:solidFill>
+                <a:latin typeface="Times New Roman" panose="02020603050405020304" pitchFamily="18" charset="0"/>
+                <a:ea typeface="+mn-ea"/>
+                <a:cs typeface="Times New Roman" panose="02020603050405020304" pitchFamily="18" charset="0"/>
+              </a:defRPr>
+            </a:lvl4pPr>
+            <a:lvl5pPr marL="2057400" indent="-228600" algn="l" defTabSz="914400" rtl="0" eaLnBrk="1" latinLnBrk="0" hangingPunct="1">
+              <a:lnSpc>
+                <a:spcPct val="150000"/>
+              </a:lnSpc>
+              <a:spcBef>
+                <a:spcPts val="500"/>
+              </a:spcBef>
+              <a:buFont typeface="Arial" panose="020B0604020202020204" pitchFamily="34" charset="0"/>
+              <a:buChar char="•"/>
+              <a:defRPr sz="1000" kern="1200">
+                <a:solidFill>
+                  <a:schemeClr val="tx1"/>
+                </a:solidFill>
+                <a:latin typeface="Times New Roman" panose="02020603050405020304" pitchFamily="18" charset="0"/>
+                <a:ea typeface="+mn-ea"/>
+                <a:cs typeface="Times New Roman" panose="02020603050405020304" pitchFamily="18" charset="0"/>
+              </a:defRPr>
+            </a:lvl5pPr>
+            <a:lvl6pPr marL="2514600" indent="-228600" algn="l" defTabSz="914400" rtl="0" eaLnBrk="1" latinLnBrk="0" hangingPunct="1">
+              <a:lnSpc>
+                <a:spcPct val="90000"/>
+              </a:lnSpc>
+              <a:spcBef>
+                <a:spcPts val="500"/>
+              </a:spcBef>
+              <a:buFont typeface="Arial" panose="020B0604020202020204" pitchFamily="34" charset="0"/>
+              <a:buChar char="•"/>
+              <a:defRPr sz="1800" kern="1200">
+                <a:solidFill>
+                  <a:schemeClr val="tx1"/>
+                </a:solidFill>
+                <a:latin typeface="+mn-lt"/>
+                <a:ea typeface="+mn-ea"/>
+                <a:cs typeface="+mn-cs"/>
+              </a:defRPr>
+            </a:lvl6pPr>
+            <a:lvl7pPr marL="2971800" indent="-228600" algn="l" defTabSz="914400" rtl="0" eaLnBrk="1" latinLnBrk="0" hangingPunct="1">
+              <a:lnSpc>
+                <a:spcPct val="90000"/>
+              </a:lnSpc>
+              <a:spcBef>
+                <a:spcPts val="500"/>
+              </a:spcBef>
+              <a:buFont typeface="Arial" panose="020B0604020202020204" pitchFamily="34" charset="0"/>
+              <a:buChar char="•"/>
+              <a:defRPr sz="1800" kern="1200">
+                <a:solidFill>
+                  <a:schemeClr val="tx1"/>
+                </a:solidFill>
+                <a:latin typeface="+mn-lt"/>
+                <a:ea typeface="+mn-ea"/>
+                <a:cs typeface="+mn-cs"/>
+              </a:defRPr>
+            </a:lvl7pPr>
+            <a:lvl8pPr marL="3429000" indent="-228600" algn="l" defTabSz="914400" rtl="0" eaLnBrk="1" latinLnBrk="0" hangingPunct="1">
+              <a:lnSpc>
+                <a:spcPct val="90000"/>
+              </a:lnSpc>
+              <a:spcBef>
+                <a:spcPts val="500"/>
+              </a:spcBef>
+              <a:buFont typeface="Arial" panose="020B0604020202020204" pitchFamily="34" charset="0"/>
+              <a:buChar char="•"/>
+              <a:defRPr sz="1800" kern="1200">
+                <a:solidFill>
+                  <a:schemeClr val="tx1"/>
+                </a:solidFill>
+                <a:latin typeface="+mn-lt"/>
+                <a:ea typeface="+mn-ea"/>
+                <a:cs typeface="+mn-cs"/>
+              </a:defRPr>
+            </a:lvl8pPr>
+            <a:lvl9pPr marL="3886200" indent="-228600" algn="l" defTabSz="914400" rtl="0" eaLnBrk="1" latinLnBrk="0" hangingPunct="1">
+              <a:lnSpc>
+                <a:spcPct val="90000"/>
+              </a:lnSpc>
+              <a:spcBef>
+                <a:spcPts val="500"/>
+              </a:spcBef>
+              <a:buFont typeface="Arial" panose="020B0604020202020204" pitchFamily="34" charset="0"/>
+              <a:buChar char="•"/>
+              <a:defRPr sz="1800" kern="1200">
+                <a:solidFill>
+                  <a:schemeClr val="tx1"/>
+                </a:solidFill>
+                <a:latin typeface="+mn-lt"/>
+                <a:ea typeface="+mn-ea"/>
+                <a:cs typeface="+mn-cs"/>
+              </a:defRPr>
+            </a:lvl9pPr>
+          </a:lstStyle>
+          <a:p>
+            <a:r>
+              <a:rPr lang="pt-BR" dirty="0"/>
+              <a:t>O </a:t>
+            </a:r>
+            <a:r>
+              <a:rPr lang="pt-BR" b="1" dirty="0" err="1"/>
+              <a:t>letter-spacing</a:t>
+            </a:r>
+            <a:r>
+              <a:rPr lang="pt-BR" b="1" dirty="0"/>
+              <a:t> </a:t>
+            </a:r>
+            <a:r>
+              <a:rPr lang="pt-BR" dirty="0"/>
+              <a:t>controla o espaçamento entre os caracteres do texto.</a:t>
+            </a:r>
+          </a:p>
+        </p:txBody>
+      </p:sp>
+      <p:sp>
+        <p:nvSpPr>
+          <p:cNvPr id="7" name="Retângulo 6">
+            <a:extLst>
+              <a:ext uri="{FF2B5EF4-FFF2-40B4-BE49-F238E27FC236}">
+                <a16:creationId xmlns:a16="http://schemas.microsoft.com/office/drawing/2014/main" id="{D51332A2-8669-43A1-9284-91AD6EA6E869}"/>
+              </a:ext>
+            </a:extLst>
+          </p:cNvPr>
+          <p:cNvSpPr/>
+          <p:nvPr/>
+        </p:nvSpPr>
+        <p:spPr>
+          <a:xfrm>
+            <a:off x="4497978" y="4802164"/>
+            <a:ext cx="3196045" cy="923330"/>
+          </a:xfrm>
+          <a:prstGeom prst="rect">
+            <a:avLst/>
+          </a:prstGeom>
+        </p:spPr>
+        <p:txBody>
+          <a:bodyPr wrap="square">
+            <a:spAutoFit/>
+          </a:bodyPr>
+          <a:lstStyle/>
+          <a:p>
+            <a:r>
+              <a:rPr lang="pt-BR" dirty="0">
+                <a:solidFill>
+                  <a:srgbClr val="800000"/>
+                </a:solidFill>
+                <a:latin typeface="Consolas" panose="020B0609020204030204" pitchFamily="49" charset="0"/>
+              </a:rPr>
+              <a:t>p</a:t>
+            </a:r>
+            <a:r>
+              <a:rPr lang="pt-BR" dirty="0">
+                <a:solidFill>
+                  <a:srgbClr val="000000"/>
+                </a:solidFill>
+                <a:latin typeface="Consolas" panose="020B0609020204030204" pitchFamily="49" charset="0"/>
+              </a:rPr>
+              <a:t> {            </a:t>
+            </a:r>
+          </a:p>
+          <a:p>
+            <a:pPr indent="457200"/>
+            <a:r>
+              <a:rPr lang="pt-BR" dirty="0" err="1">
+                <a:solidFill>
+                  <a:srgbClr val="E50000"/>
+                </a:solidFill>
+                <a:latin typeface="Consolas" panose="020B0609020204030204" pitchFamily="49" charset="0"/>
+              </a:rPr>
+              <a:t>letter-spacing</a:t>
+            </a:r>
+            <a:r>
+              <a:rPr lang="pt-BR" dirty="0">
+                <a:solidFill>
+                  <a:srgbClr val="000000"/>
+                </a:solidFill>
+                <a:latin typeface="Consolas" panose="020B0609020204030204" pitchFamily="49" charset="0"/>
+              </a:rPr>
+              <a:t>: </a:t>
+            </a:r>
+            <a:r>
+              <a:rPr lang="pt-BR" dirty="0">
+                <a:solidFill>
+                  <a:srgbClr val="098658"/>
+                </a:solidFill>
+                <a:latin typeface="Consolas" panose="020B0609020204030204" pitchFamily="49" charset="0"/>
+              </a:rPr>
+              <a:t>2px</a:t>
+            </a:r>
+            <a:r>
+              <a:rPr lang="pt-BR" dirty="0">
+                <a:solidFill>
+                  <a:srgbClr val="000000"/>
+                </a:solidFill>
+                <a:latin typeface="Consolas" panose="020B0609020204030204" pitchFamily="49" charset="0"/>
+              </a:rPr>
+              <a:t>;</a:t>
+            </a:r>
+          </a:p>
+          <a:p>
+            <a:r>
+              <a:rPr lang="pt-BR" dirty="0">
+                <a:solidFill>
+                  <a:srgbClr val="000000"/>
+                </a:solidFill>
+                <a:latin typeface="Consolas" panose="020B0609020204030204" pitchFamily="49" charset="0"/>
+              </a:rPr>
+              <a:t>}</a:t>
+            </a:r>
+            <a:endParaRPr lang="pt-BR" b="0" dirty="0">
+              <a:solidFill>
+                <a:srgbClr val="000000"/>
+              </a:solidFill>
+              <a:effectLst/>
+              <a:latin typeface="Consolas" panose="020B0609020204030204" pitchFamily="49" charset="0"/>
+            </a:endParaRPr>
+          </a:p>
+        </p:txBody>
+      </p:sp>
+    </p:spTree>
+    <p:extLst>
+      <p:ext uri="{BB962C8B-B14F-4D97-AF65-F5344CB8AC3E}">
+        <p14:creationId xmlns:p14="http://schemas.microsoft.com/office/powerpoint/2010/main" val="620936406"/>
+      </p:ext>
+    </p:extLst>
+  </p:cSld>
+  <p:clrMapOvr>
+    <a:masterClrMapping/>
+  </p:clrMapOvr>
+</p:sld>
+</file>
+
+<file path=ppt/slides/slide15.xml><?xml version="1.0" encoding="utf-8"?>
+<p:sld xmlns:a="http://schemas.openxmlformats.org/drawingml/2006/main" xmlns:r="http://schemas.openxmlformats.org/officeDocument/2006/relationships" xmlns:p="http://schemas.openxmlformats.org/presentationml/2006/main">
+  <p:cSld>
+    <p:spTree>
+      <p:nvGrpSpPr>
+        <p:cNvPr id="1" name=""/>
+        <p:cNvGrpSpPr/>
+        <p:nvPr/>
+      </p:nvGrpSpPr>
+      <p:grpSpPr>
+        <a:xfrm>
+          <a:off x="0" y="0"/>
+          <a:ext cx="0" cy="0"/>
+          <a:chOff x="0" y="0"/>
+          <a:chExt cx="0" cy="0"/>
+        </a:xfrm>
+      </p:grpSpPr>
+      <p:sp>
+        <p:nvSpPr>
+          <p:cNvPr id="2" name="Título 1">
+            <a:extLst>
+              <a:ext uri="{FF2B5EF4-FFF2-40B4-BE49-F238E27FC236}">
+                <a16:creationId xmlns:a16="http://schemas.microsoft.com/office/drawing/2014/main" id="{A3AB6CD3-37D0-44C2-9FCA-B16B09A0DD32}"/>
+              </a:ext>
+            </a:extLst>
+          </p:cNvPr>
+          <p:cNvSpPr>
+            <a:spLocks noGrp="1"/>
+          </p:cNvSpPr>
+          <p:nvPr>
+            <p:ph type="title"/>
+          </p:nvPr>
+        </p:nvSpPr>
+        <p:spPr/>
+        <p:txBody>
+          <a:bodyPr/>
+          <a:lstStyle/>
+          <a:p>
+            <a:r>
+              <a:rPr lang="pt-BR" dirty="0" err="1"/>
+              <a:t>Text-Indent</a:t>
+            </a:r>
+            <a:r>
+              <a:rPr lang="pt-BR" dirty="0"/>
+              <a:t> </a:t>
+            </a:r>
+            <a:r>
+              <a:rPr lang="pt-BR"/>
+              <a:t>e Color</a:t>
+            </a:r>
+            <a:endParaRPr lang="pt-BR" dirty="0"/>
+          </a:p>
+        </p:txBody>
+      </p:sp>
+      <p:sp>
+        <p:nvSpPr>
+          <p:cNvPr id="3" name="Espaço Reservado para Conteúdo 2">
+            <a:extLst>
+              <a:ext uri="{FF2B5EF4-FFF2-40B4-BE49-F238E27FC236}">
+                <a16:creationId xmlns:a16="http://schemas.microsoft.com/office/drawing/2014/main" id="{AD8897DE-FF28-4AF1-B565-CBDA6D3123CF}"/>
+              </a:ext>
+            </a:extLst>
+          </p:cNvPr>
+          <p:cNvSpPr>
+            <a:spLocks noGrp="1"/>
+          </p:cNvSpPr>
+          <p:nvPr>
+            <p:ph idx="1"/>
+          </p:nvPr>
+        </p:nvSpPr>
+        <p:spPr>
+          <a:xfrm>
+            <a:off x="592347" y="1844675"/>
+            <a:ext cx="11007306" cy="1056823"/>
+          </a:xfrm>
+        </p:spPr>
+        <p:txBody>
+          <a:bodyPr/>
+          <a:lstStyle/>
+          <a:p>
+            <a:r>
+              <a:rPr lang="pt-BR" dirty="0"/>
+              <a:t>O </a:t>
+            </a:r>
+            <a:r>
+              <a:rPr lang="pt-BR" b="1" dirty="0" err="1"/>
+              <a:t>text-indent</a:t>
+            </a:r>
+            <a:r>
+              <a:rPr lang="pt-BR" b="1" dirty="0"/>
+              <a:t> c</a:t>
+            </a:r>
+            <a:r>
+              <a:rPr lang="pt-BR" dirty="0"/>
+              <a:t>ontrola a </a:t>
+            </a:r>
+            <a:r>
+              <a:rPr lang="pt-BR" dirty="0" err="1"/>
+              <a:t>indentação</a:t>
+            </a:r>
+            <a:r>
+              <a:rPr lang="pt-BR" dirty="0"/>
+              <a:t> da primeira linha de um parágrafo, permitindo ajustar o espaço entre o início do texto e a margem do contêiner.</a:t>
+            </a:r>
+          </a:p>
+        </p:txBody>
+      </p:sp>
+      <p:sp>
+        <p:nvSpPr>
+          <p:cNvPr id="5" name="Retângulo 4">
+            <a:extLst>
+              <a:ext uri="{FF2B5EF4-FFF2-40B4-BE49-F238E27FC236}">
+                <a16:creationId xmlns:a16="http://schemas.microsoft.com/office/drawing/2014/main" id="{8BEC64A7-5FDB-47ED-B639-DD1E108AF737}"/>
+              </a:ext>
+            </a:extLst>
+          </p:cNvPr>
+          <p:cNvSpPr/>
+          <p:nvPr/>
+        </p:nvSpPr>
+        <p:spPr>
+          <a:xfrm>
+            <a:off x="4661263" y="3115175"/>
+            <a:ext cx="2801983" cy="923330"/>
+          </a:xfrm>
+          <a:prstGeom prst="rect">
+            <a:avLst/>
+          </a:prstGeom>
+        </p:spPr>
+        <p:txBody>
+          <a:bodyPr wrap="square">
+            <a:spAutoFit/>
+          </a:bodyPr>
+          <a:lstStyle/>
+          <a:p>
+            <a:r>
+              <a:rPr lang="pt-BR" dirty="0">
+                <a:solidFill>
+                  <a:srgbClr val="800000"/>
+                </a:solidFill>
+                <a:latin typeface="Consolas" panose="020B0609020204030204" pitchFamily="49" charset="0"/>
+              </a:rPr>
+              <a:t>p</a:t>
+            </a:r>
+            <a:r>
+              <a:rPr lang="pt-BR" dirty="0">
+                <a:solidFill>
+                  <a:srgbClr val="000000"/>
+                </a:solidFill>
+                <a:latin typeface="Consolas" panose="020B0609020204030204" pitchFamily="49" charset="0"/>
+              </a:rPr>
+              <a:t> {            </a:t>
+            </a:r>
+          </a:p>
+          <a:p>
+            <a:pPr indent="457200"/>
+            <a:r>
+              <a:rPr lang="pt-BR" dirty="0" err="1">
+                <a:solidFill>
+                  <a:srgbClr val="E50000"/>
+                </a:solidFill>
+                <a:latin typeface="Consolas" panose="020B0609020204030204" pitchFamily="49" charset="0"/>
+              </a:rPr>
+              <a:t>text-indent</a:t>
+            </a:r>
+            <a:r>
+              <a:rPr lang="pt-BR" dirty="0">
+                <a:solidFill>
+                  <a:srgbClr val="000000"/>
+                </a:solidFill>
+                <a:latin typeface="Consolas" panose="020B0609020204030204" pitchFamily="49" charset="0"/>
+              </a:rPr>
+              <a:t>: </a:t>
+            </a:r>
+            <a:r>
+              <a:rPr lang="pt-BR" dirty="0">
+                <a:solidFill>
+                  <a:srgbClr val="098658"/>
+                </a:solidFill>
+                <a:latin typeface="Consolas" panose="020B0609020204030204" pitchFamily="49" charset="0"/>
+              </a:rPr>
+              <a:t>2px</a:t>
+            </a:r>
+            <a:r>
+              <a:rPr lang="pt-BR" dirty="0">
+                <a:solidFill>
+                  <a:srgbClr val="000000"/>
+                </a:solidFill>
+                <a:latin typeface="Consolas" panose="020B0609020204030204" pitchFamily="49" charset="0"/>
+              </a:rPr>
+              <a:t>;</a:t>
+            </a:r>
+          </a:p>
+          <a:p>
+            <a:r>
+              <a:rPr lang="pt-BR" dirty="0">
+                <a:solidFill>
+                  <a:srgbClr val="000000"/>
+                </a:solidFill>
+                <a:latin typeface="Consolas" panose="020B0609020204030204" pitchFamily="49" charset="0"/>
+              </a:rPr>
+              <a:t>}</a:t>
+            </a:r>
+            <a:endParaRPr lang="pt-BR" b="0" dirty="0">
+              <a:solidFill>
+                <a:srgbClr val="000000"/>
+              </a:solidFill>
+              <a:effectLst/>
+              <a:latin typeface="Consolas" panose="020B0609020204030204" pitchFamily="49" charset="0"/>
+            </a:endParaRPr>
+          </a:p>
+        </p:txBody>
+      </p:sp>
+      <p:sp>
+        <p:nvSpPr>
+          <p:cNvPr id="6" name="Espaço Reservado para Conteúdo 2">
+            <a:extLst>
+              <a:ext uri="{FF2B5EF4-FFF2-40B4-BE49-F238E27FC236}">
+                <a16:creationId xmlns:a16="http://schemas.microsoft.com/office/drawing/2014/main" id="{E9CCD711-B346-4ECA-B184-BE747A790803}"/>
+              </a:ext>
+            </a:extLst>
+          </p:cNvPr>
+          <p:cNvSpPr txBox="1">
+            <a:spLocks/>
+          </p:cNvSpPr>
+          <p:nvPr/>
+        </p:nvSpPr>
+        <p:spPr>
+          <a:xfrm>
+            <a:off x="592347" y="4252182"/>
+            <a:ext cx="11007306" cy="923330"/>
+          </a:xfrm>
+          <a:prstGeom prst="rect">
+            <a:avLst/>
+          </a:prstGeom>
+        </p:spPr>
+        <p:txBody>
+          <a:bodyPr/>
+          <a:lstStyle>
+            <a:lvl1pPr marL="0" indent="0" algn="just" defTabSz="914400" rtl="0" eaLnBrk="1" latinLnBrk="0" hangingPunct="1">
+              <a:lnSpc>
+                <a:spcPct val="150000"/>
+              </a:lnSpc>
+              <a:spcBef>
+                <a:spcPts val="1000"/>
+              </a:spcBef>
+              <a:buFont typeface="Arial" panose="020B0604020202020204" pitchFamily="34" charset="0"/>
+              <a:buNone/>
+              <a:defRPr sz="2000" kern="1200">
+                <a:solidFill>
+                  <a:schemeClr val="tx1"/>
+                </a:solidFill>
+                <a:latin typeface="Times New Roman" panose="02020603050405020304" pitchFamily="18" charset="0"/>
+                <a:ea typeface="+mn-ea"/>
+                <a:cs typeface="Times New Roman" panose="02020603050405020304" pitchFamily="18" charset="0"/>
+              </a:defRPr>
+            </a:lvl1pPr>
+            <a:lvl2pPr marL="685800" indent="-228600" algn="l" defTabSz="914400" rtl="0" eaLnBrk="1" latinLnBrk="0" hangingPunct="1">
+              <a:lnSpc>
+                <a:spcPct val="150000"/>
+              </a:lnSpc>
+              <a:spcBef>
+                <a:spcPts val="500"/>
+              </a:spcBef>
+              <a:buFont typeface="Arial" panose="020B0604020202020204" pitchFamily="34" charset="0"/>
+              <a:buChar char="•"/>
+              <a:defRPr sz="1600" kern="1200">
+                <a:solidFill>
+                  <a:schemeClr val="tx1"/>
+                </a:solidFill>
+                <a:latin typeface="Times New Roman" panose="02020603050405020304" pitchFamily="18" charset="0"/>
+                <a:ea typeface="+mn-ea"/>
+                <a:cs typeface="Times New Roman" panose="02020603050405020304" pitchFamily="18" charset="0"/>
+              </a:defRPr>
+            </a:lvl2pPr>
+            <a:lvl3pPr marL="1143000" indent="-228600" algn="l" defTabSz="914400" rtl="0" eaLnBrk="1" latinLnBrk="0" hangingPunct="1">
+              <a:lnSpc>
+                <a:spcPct val="150000"/>
+              </a:lnSpc>
+              <a:spcBef>
+                <a:spcPts val="500"/>
+              </a:spcBef>
+              <a:buFont typeface="Arial" panose="020B0604020202020204" pitchFamily="34" charset="0"/>
+              <a:buChar char="•"/>
+              <a:defRPr sz="1400" kern="1200">
+                <a:solidFill>
+                  <a:schemeClr val="tx1"/>
+                </a:solidFill>
+                <a:latin typeface="Times New Roman" panose="02020603050405020304" pitchFamily="18" charset="0"/>
+                <a:ea typeface="+mn-ea"/>
+                <a:cs typeface="Times New Roman" panose="02020603050405020304" pitchFamily="18" charset="0"/>
+              </a:defRPr>
+            </a:lvl3pPr>
+            <a:lvl4pPr marL="1600200" indent="-228600" algn="l" defTabSz="914400" rtl="0" eaLnBrk="1" latinLnBrk="0" hangingPunct="1">
+              <a:lnSpc>
+                <a:spcPct val="150000"/>
+              </a:lnSpc>
+              <a:spcBef>
+                <a:spcPts val="500"/>
+              </a:spcBef>
+              <a:buFont typeface="Arial" panose="020B0604020202020204" pitchFamily="34" charset="0"/>
+              <a:buChar char="•"/>
+              <a:defRPr sz="1200" kern="1200">
+                <a:solidFill>
+                  <a:schemeClr val="tx1"/>
+                </a:solidFill>
+                <a:latin typeface="Times New Roman" panose="02020603050405020304" pitchFamily="18" charset="0"/>
+                <a:ea typeface="+mn-ea"/>
+                <a:cs typeface="Times New Roman" panose="02020603050405020304" pitchFamily="18" charset="0"/>
+              </a:defRPr>
+            </a:lvl4pPr>
+            <a:lvl5pPr marL="2057400" indent="-228600" algn="l" defTabSz="914400" rtl="0" eaLnBrk="1" latinLnBrk="0" hangingPunct="1">
+              <a:lnSpc>
+                <a:spcPct val="150000"/>
+              </a:lnSpc>
+              <a:spcBef>
+                <a:spcPts val="500"/>
+              </a:spcBef>
+              <a:buFont typeface="Arial" panose="020B0604020202020204" pitchFamily="34" charset="0"/>
+              <a:buChar char="•"/>
+              <a:defRPr sz="1000" kern="1200">
+                <a:solidFill>
+                  <a:schemeClr val="tx1"/>
+                </a:solidFill>
+                <a:latin typeface="Times New Roman" panose="02020603050405020304" pitchFamily="18" charset="0"/>
+                <a:ea typeface="+mn-ea"/>
+                <a:cs typeface="Times New Roman" panose="02020603050405020304" pitchFamily="18" charset="0"/>
+              </a:defRPr>
+            </a:lvl5pPr>
+            <a:lvl6pPr marL="2514600" indent="-228600" algn="l" defTabSz="914400" rtl="0" eaLnBrk="1" latinLnBrk="0" hangingPunct="1">
+              <a:lnSpc>
+                <a:spcPct val="90000"/>
+              </a:lnSpc>
+              <a:spcBef>
+                <a:spcPts val="500"/>
+              </a:spcBef>
+              <a:buFont typeface="Arial" panose="020B0604020202020204" pitchFamily="34" charset="0"/>
+              <a:buChar char="•"/>
+              <a:defRPr sz="1800" kern="1200">
+                <a:solidFill>
+                  <a:schemeClr val="tx1"/>
+                </a:solidFill>
+                <a:latin typeface="+mn-lt"/>
+                <a:ea typeface="+mn-ea"/>
+                <a:cs typeface="+mn-cs"/>
+              </a:defRPr>
+            </a:lvl6pPr>
+            <a:lvl7pPr marL="2971800" indent="-228600" algn="l" defTabSz="914400" rtl="0" eaLnBrk="1" latinLnBrk="0" hangingPunct="1">
+              <a:lnSpc>
+                <a:spcPct val="90000"/>
+              </a:lnSpc>
+              <a:spcBef>
+                <a:spcPts val="500"/>
+              </a:spcBef>
+              <a:buFont typeface="Arial" panose="020B0604020202020204" pitchFamily="34" charset="0"/>
+              <a:buChar char="•"/>
+              <a:defRPr sz="1800" kern="1200">
+                <a:solidFill>
+                  <a:schemeClr val="tx1"/>
+                </a:solidFill>
+                <a:latin typeface="+mn-lt"/>
+                <a:ea typeface="+mn-ea"/>
+                <a:cs typeface="+mn-cs"/>
+              </a:defRPr>
+            </a:lvl7pPr>
+            <a:lvl8pPr marL="3429000" indent="-228600" algn="l" defTabSz="914400" rtl="0" eaLnBrk="1" latinLnBrk="0" hangingPunct="1">
+              <a:lnSpc>
+                <a:spcPct val="90000"/>
+              </a:lnSpc>
+              <a:spcBef>
+                <a:spcPts val="500"/>
+              </a:spcBef>
+              <a:buFont typeface="Arial" panose="020B0604020202020204" pitchFamily="34" charset="0"/>
+              <a:buChar char="•"/>
+              <a:defRPr sz="1800" kern="1200">
+                <a:solidFill>
+                  <a:schemeClr val="tx1"/>
+                </a:solidFill>
+                <a:latin typeface="+mn-lt"/>
+                <a:ea typeface="+mn-ea"/>
+                <a:cs typeface="+mn-cs"/>
+              </a:defRPr>
+            </a:lvl8pPr>
+            <a:lvl9pPr marL="3886200" indent="-228600" algn="l" defTabSz="914400" rtl="0" eaLnBrk="1" latinLnBrk="0" hangingPunct="1">
+              <a:lnSpc>
+                <a:spcPct val="90000"/>
+              </a:lnSpc>
+              <a:spcBef>
+                <a:spcPts val="500"/>
+              </a:spcBef>
+              <a:buFont typeface="Arial" panose="020B0604020202020204" pitchFamily="34" charset="0"/>
+              <a:buChar char="•"/>
+              <a:defRPr sz="1800" kern="1200">
+                <a:solidFill>
+                  <a:schemeClr val="tx1"/>
+                </a:solidFill>
+                <a:latin typeface="+mn-lt"/>
+                <a:ea typeface="+mn-ea"/>
+                <a:cs typeface="+mn-cs"/>
+              </a:defRPr>
+            </a:lvl9pPr>
+          </a:lstStyle>
+          <a:p>
+            <a:r>
+              <a:rPr lang="pt-BR" dirty="0"/>
+              <a:t>O </a:t>
+            </a:r>
+            <a:r>
+              <a:rPr lang="pt-BR" b="1" dirty="0"/>
+              <a:t>color </a:t>
+            </a:r>
+            <a:r>
+              <a:rPr lang="pt-BR" dirty="0"/>
+              <a:t>define a cor do texto, pode ser especificada com nomes de cores, valores hexadecimais, RGB, ou HSL.</a:t>
+            </a:r>
+          </a:p>
+        </p:txBody>
+      </p:sp>
+      <p:sp>
+        <p:nvSpPr>
+          <p:cNvPr id="7" name="Retângulo 6">
+            <a:extLst>
+              <a:ext uri="{FF2B5EF4-FFF2-40B4-BE49-F238E27FC236}">
+                <a16:creationId xmlns:a16="http://schemas.microsoft.com/office/drawing/2014/main" id="{D51332A2-8669-43A1-9284-91AD6EA6E869}"/>
+              </a:ext>
+            </a:extLst>
+          </p:cNvPr>
+          <p:cNvSpPr/>
+          <p:nvPr/>
+        </p:nvSpPr>
+        <p:spPr>
+          <a:xfrm>
+            <a:off x="4497976" y="5308096"/>
+            <a:ext cx="3196045" cy="923330"/>
+          </a:xfrm>
+          <a:prstGeom prst="rect">
+            <a:avLst/>
+          </a:prstGeom>
+        </p:spPr>
+        <p:txBody>
+          <a:bodyPr wrap="square">
+            <a:spAutoFit/>
+          </a:bodyPr>
+          <a:lstStyle/>
+          <a:p>
+            <a:r>
+              <a:rPr lang="pt-BR" dirty="0">
+                <a:solidFill>
+                  <a:srgbClr val="800000"/>
+                </a:solidFill>
+                <a:latin typeface="Consolas" panose="020B0609020204030204" pitchFamily="49" charset="0"/>
+              </a:rPr>
+              <a:t>p</a:t>
+            </a:r>
+            <a:r>
+              <a:rPr lang="pt-BR" dirty="0">
+                <a:solidFill>
+                  <a:srgbClr val="000000"/>
+                </a:solidFill>
+                <a:latin typeface="Consolas" panose="020B0609020204030204" pitchFamily="49" charset="0"/>
+              </a:rPr>
+              <a:t> {            </a:t>
+            </a:r>
+          </a:p>
+          <a:p>
+            <a:pPr indent="457200"/>
+            <a:r>
+              <a:rPr lang="pt-BR" dirty="0">
+                <a:solidFill>
+                  <a:srgbClr val="E50000"/>
+                </a:solidFill>
+                <a:latin typeface="Consolas" panose="020B0609020204030204" pitchFamily="49" charset="0"/>
+              </a:rPr>
+              <a:t>color</a:t>
+            </a:r>
+            <a:r>
+              <a:rPr lang="pt-BR" dirty="0">
+                <a:solidFill>
+                  <a:srgbClr val="000000"/>
+                </a:solidFill>
+                <a:latin typeface="Consolas" panose="020B0609020204030204" pitchFamily="49" charset="0"/>
+              </a:rPr>
+              <a:t>: </a:t>
+            </a:r>
+            <a:r>
+              <a:rPr lang="pt-BR" dirty="0">
+                <a:solidFill>
+                  <a:srgbClr val="0451A5"/>
+                </a:solidFill>
+                <a:latin typeface="Consolas" panose="020B0609020204030204" pitchFamily="49" charset="0"/>
+              </a:rPr>
+              <a:t>blue</a:t>
+            </a:r>
+            <a:r>
+              <a:rPr lang="pt-BR" dirty="0">
+                <a:solidFill>
+                  <a:srgbClr val="000000"/>
+                </a:solidFill>
+                <a:latin typeface="Consolas" panose="020B0609020204030204" pitchFamily="49" charset="0"/>
+              </a:rPr>
+              <a:t>;</a:t>
+            </a:r>
+          </a:p>
+          <a:p>
+            <a:r>
+              <a:rPr lang="pt-BR" dirty="0">
+                <a:solidFill>
+                  <a:srgbClr val="000000"/>
+                </a:solidFill>
+                <a:latin typeface="Consolas" panose="020B0609020204030204" pitchFamily="49" charset="0"/>
+              </a:rPr>
+              <a:t>}</a:t>
+            </a:r>
+            <a:endParaRPr lang="pt-BR" b="0" dirty="0">
+              <a:solidFill>
+                <a:srgbClr val="000000"/>
+              </a:solidFill>
+              <a:effectLst/>
+              <a:latin typeface="Consolas" panose="020B0609020204030204" pitchFamily="49" charset="0"/>
+            </a:endParaRPr>
+          </a:p>
+        </p:txBody>
+      </p:sp>
+    </p:spTree>
+    <p:extLst>
+      <p:ext uri="{BB962C8B-B14F-4D97-AF65-F5344CB8AC3E}">
+        <p14:creationId xmlns:p14="http://schemas.microsoft.com/office/powerpoint/2010/main" val="2331632100"/>
+      </p:ext>
+    </p:extLst>
+  </p:cSld>
+  <p:clrMapOvr>
+    <a:masterClrMapping/>
+  </p:clrMapOvr>
+</p:sld>
+</file>
+
 <file path=ppt/slides/slide2.xml><?xml version="1.0" encoding="utf-8"?>
 <p:sld xmlns:a="http://schemas.openxmlformats.org/drawingml/2006/main" xmlns:r="http://schemas.openxmlformats.org/officeDocument/2006/relationships" xmlns:p="http://schemas.openxmlformats.org/presentationml/2006/main">
   <p:cSld>
@@ -5555,7 +8135,7 @@
           <p:cNvPr id="2" name="Título 1">
             <a:extLst>
               <a:ext uri="{FF2B5EF4-FFF2-40B4-BE49-F238E27FC236}">
-                <a16:creationId xmlns:a16="http://schemas.microsoft.com/office/drawing/2014/main" id="{04E37EC3-AE9E-47B7-A188-92A98A21D529}"/>
+                <a16:creationId xmlns:a16="http://schemas.microsoft.com/office/drawing/2014/main" id="{FD4DB3B0-4AEA-4C2C-8226-818C34D54340}"/>
               </a:ext>
             </a:extLst>
           </p:cNvPr>
@@ -5571,7 +8151,14 @@
           <a:bodyPr/>
           <a:lstStyle/>
           <a:p>
-            <a:endParaRPr lang="pt-BR" dirty="0"/>
+            <a:r>
+              <a:rPr lang="pt-BR" dirty="0" err="1"/>
+              <a:t>Font</a:t>
+            </a:r>
+            <a:r>
+              <a:rPr lang="pt-BR" dirty="0"/>
+              <a:t>-Family</a:t>
+            </a:r>
           </a:p>
         </p:txBody>
       </p:sp>
@@ -5580,7 +8167,7 @@
           <p:cNvPr id="3" name="Espaço Reservado para Conteúdo 2">
             <a:extLst>
               <a:ext uri="{FF2B5EF4-FFF2-40B4-BE49-F238E27FC236}">
-                <a16:creationId xmlns:a16="http://schemas.microsoft.com/office/drawing/2014/main" id="{2434CFD6-578A-484D-832B-0824EC423671}"/>
+                <a16:creationId xmlns:a16="http://schemas.microsoft.com/office/drawing/2014/main" id="{8C1C9301-0688-4422-AB8B-F3136F19FAB6}"/>
               </a:ext>
             </a:extLst>
           </p:cNvPr>
@@ -5591,19 +8178,484 @@
             <p:ph idx="1"/>
           </p:nvPr>
         </p:nvSpPr>
-        <p:spPr/>
+        <p:spPr>
+          <a:xfrm>
+            <a:off x="592347" y="1844675"/>
+            <a:ext cx="11007306" cy="1584325"/>
+          </a:xfrm>
+        </p:spPr>
         <p:txBody>
           <a:bodyPr/>
           <a:lstStyle/>
           <a:p>
+            <a:r>
+              <a:rPr lang="pt-BR" dirty="0"/>
+              <a:t>O estilo </a:t>
+            </a:r>
+            <a:r>
+              <a:rPr lang="pt-BR" b="1" dirty="0" err="1"/>
+              <a:t>font-family</a:t>
+            </a:r>
+            <a:r>
+              <a:rPr lang="pt-BR" b="1" dirty="0"/>
+              <a:t> </a:t>
+            </a:r>
+            <a:r>
+              <a:rPr lang="pt-BR" dirty="0"/>
+              <a:t>define o tipo de fonte (ou famílias de fontes) a ser utilizado. Você pode usar fontes padrão do sistema ou importar fontes personalizadas (como do Google </a:t>
+            </a:r>
+            <a:r>
+              <a:rPr lang="pt-BR" dirty="0" err="1"/>
+              <a:t>Fonts</a:t>
+            </a:r>
+            <a:r>
+              <a:rPr lang="pt-BR" dirty="0"/>
+              <a:t>). É recomendável fornecer uma lista de fontes como </a:t>
+            </a:r>
+            <a:r>
+              <a:rPr lang="pt-BR" dirty="0" err="1"/>
+              <a:t>fallback</a:t>
+            </a:r>
+            <a:r>
+              <a:rPr lang="pt-BR" dirty="0"/>
+              <a:t>.</a:t>
+            </a:r>
+          </a:p>
+          <a:p>
             <a:endParaRPr lang="pt-BR" dirty="0"/>
+          </a:p>
+        </p:txBody>
+      </p:sp>
+      <p:sp>
+        <p:nvSpPr>
+          <p:cNvPr id="4" name="Retângulo 3">
+            <a:extLst>
+              <a:ext uri="{FF2B5EF4-FFF2-40B4-BE49-F238E27FC236}">
+                <a16:creationId xmlns:a16="http://schemas.microsoft.com/office/drawing/2014/main" id="{5763356A-B644-49A4-9DE1-EDDA8E349621}"/>
+              </a:ext>
+            </a:extLst>
+          </p:cNvPr>
+          <p:cNvSpPr/>
+          <p:nvPr/>
+        </p:nvSpPr>
+        <p:spPr>
+          <a:xfrm>
+            <a:off x="2847702" y="4108997"/>
+            <a:ext cx="6496595" cy="923330"/>
+          </a:xfrm>
+          <a:prstGeom prst="rect">
+            <a:avLst/>
+          </a:prstGeom>
+        </p:spPr>
+        <p:txBody>
+          <a:bodyPr wrap="square">
+            <a:spAutoFit/>
+          </a:bodyPr>
+          <a:lstStyle/>
+          <a:p>
+            <a:r>
+              <a:rPr lang="en-US" dirty="0">
+                <a:solidFill>
+                  <a:srgbClr val="800000"/>
+                </a:solidFill>
+                <a:latin typeface="Consolas" panose="020B0609020204030204" pitchFamily="49" charset="0"/>
+              </a:rPr>
+              <a:t>p</a:t>
+            </a:r>
+            <a:r>
+              <a:rPr lang="en-US" dirty="0">
+                <a:solidFill>
+                  <a:srgbClr val="000000"/>
+                </a:solidFill>
+                <a:latin typeface="Consolas" panose="020B0609020204030204" pitchFamily="49" charset="0"/>
+              </a:rPr>
+              <a:t> {</a:t>
+            </a:r>
+          </a:p>
+          <a:p>
+            <a:pPr indent="457200"/>
+            <a:r>
+              <a:rPr lang="en-US" dirty="0">
+                <a:solidFill>
+                  <a:srgbClr val="E50000"/>
+                </a:solidFill>
+                <a:latin typeface="Consolas" panose="020B0609020204030204" pitchFamily="49" charset="0"/>
+              </a:rPr>
+              <a:t>font-family</a:t>
+            </a:r>
+            <a:r>
+              <a:rPr lang="en-US" dirty="0">
+                <a:solidFill>
+                  <a:srgbClr val="000000"/>
+                </a:solidFill>
+                <a:latin typeface="Consolas" panose="020B0609020204030204" pitchFamily="49" charset="0"/>
+              </a:rPr>
+              <a:t>: </a:t>
+            </a:r>
+            <a:r>
+              <a:rPr lang="en-US" dirty="0">
+                <a:solidFill>
+                  <a:srgbClr val="A31515"/>
+                </a:solidFill>
+                <a:latin typeface="Consolas" panose="020B0609020204030204" pitchFamily="49" charset="0"/>
+              </a:rPr>
+              <a:t>'Arial'</a:t>
+            </a:r>
+            <a:r>
+              <a:rPr lang="en-US" dirty="0">
+                <a:solidFill>
+                  <a:srgbClr val="000000"/>
+                </a:solidFill>
+                <a:latin typeface="Consolas" panose="020B0609020204030204" pitchFamily="49" charset="0"/>
+              </a:rPr>
+              <a:t>, </a:t>
+            </a:r>
+            <a:r>
+              <a:rPr lang="en-US" dirty="0">
+                <a:solidFill>
+                  <a:srgbClr val="A31515"/>
+                </a:solidFill>
+                <a:latin typeface="Consolas" panose="020B0609020204030204" pitchFamily="49" charset="0"/>
+              </a:rPr>
+              <a:t>'Helvetica'</a:t>
+            </a:r>
+            <a:r>
+              <a:rPr lang="en-US" dirty="0">
+                <a:solidFill>
+                  <a:srgbClr val="000000"/>
+                </a:solidFill>
+                <a:latin typeface="Consolas" panose="020B0609020204030204" pitchFamily="49" charset="0"/>
+              </a:rPr>
+              <a:t>, </a:t>
+            </a:r>
+            <a:r>
+              <a:rPr lang="en-US" dirty="0">
+                <a:solidFill>
+                  <a:srgbClr val="0451A5"/>
+                </a:solidFill>
+                <a:latin typeface="Consolas" panose="020B0609020204030204" pitchFamily="49" charset="0"/>
+              </a:rPr>
+              <a:t>sans-serif</a:t>
+            </a:r>
+            <a:r>
+              <a:rPr lang="en-US" dirty="0">
+                <a:solidFill>
+                  <a:srgbClr val="000000"/>
+                </a:solidFill>
+                <a:latin typeface="Consolas" panose="020B0609020204030204" pitchFamily="49" charset="0"/>
+              </a:rPr>
+              <a:t>;</a:t>
+            </a:r>
+          </a:p>
+          <a:p>
+            <a:r>
+              <a:rPr lang="en-US" dirty="0">
+                <a:solidFill>
+                  <a:srgbClr val="000000"/>
+                </a:solidFill>
+                <a:latin typeface="Consolas" panose="020B0609020204030204" pitchFamily="49" charset="0"/>
+              </a:rPr>
+              <a:t>}</a:t>
+            </a:r>
+            <a:endParaRPr lang="en-US" b="0" dirty="0">
+              <a:solidFill>
+                <a:srgbClr val="000000"/>
+              </a:solidFill>
+              <a:effectLst/>
+              <a:latin typeface="Consolas" panose="020B0609020204030204" pitchFamily="49" charset="0"/>
+            </a:endParaRPr>
           </a:p>
         </p:txBody>
       </p:sp>
     </p:spTree>
     <p:extLst>
       <p:ext uri="{BB962C8B-B14F-4D97-AF65-F5344CB8AC3E}">
-        <p14:creationId xmlns:p14="http://schemas.microsoft.com/office/powerpoint/2010/main" val="789906442"/>
+        <p14:creationId xmlns:p14="http://schemas.microsoft.com/office/powerpoint/2010/main" val="3299593644"/>
+      </p:ext>
+    </p:extLst>
+  </p:cSld>
+  <p:clrMapOvr>
+    <a:masterClrMapping/>
+  </p:clrMapOvr>
+</p:sld>
+</file>
+
+<file path=ppt/slides/slide9.xml><?xml version="1.0" encoding="utf-8"?>
+<p:sld xmlns:a="http://schemas.openxmlformats.org/drawingml/2006/main" xmlns:r="http://schemas.openxmlformats.org/officeDocument/2006/relationships" xmlns:p="http://schemas.openxmlformats.org/presentationml/2006/main">
+  <p:cSld>
+    <p:spTree>
+      <p:nvGrpSpPr>
+        <p:cNvPr id="1" name=""/>
+        <p:cNvGrpSpPr/>
+        <p:nvPr/>
+      </p:nvGrpSpPr>
+      <p:grpSpPr>
+        <a:xfrm>
+          <a:off x="0" y="0"/>
+          <a:ext cx="0" cy="0"/>
+          <a:chOff x="0" y="0"/>
+          <a:chExt cx="0" cy="0"/>
+        </a:xfrm>
+      </p:grpSpPr>
+      <p:sp>
+        <p:nvSpPr>
+          <p:cNvPr id="2" name="Título 1">
+            <a:extLst>
+              <a:ext uri="{FF2B5EF4-FFF2-40B4-BE49-F238E27FC236}">
+                <a16:creationId xmlns:a16="http://schemas.microsoft.com/office/drawing/2014/main" id="{F2DBC6A5-6C1B-4738-ACDB-1A4C654B30DB}"/>
+              </a:ext>
+            </a:extLst>
+          </p:cNvPr>
+          <p:cNvSpPr>
+            <a:spLocks noGrp="1"/>
+          </p:cNvSpPr>
+          <p:nvPr>
+            <p:ph type="title"/>
+          </p:nvPr>
+        </p:nvSpPr>
+        <p:spPr/>
+        <p:txBody>
+          <a:bodyPr/>
+          <a:lstStyle/>
+          <a:p>
+            <a:r>
+              <a:rPr lang="pt-BR" dirty="0" err="1"/>
+              <a:t>Font-Size</a:t>
+            </a:r>
+            <a:endParaRPr lang="pt-BR" dirty="0"/>
+          </a:p>
+        </p:txBody>
+      </p:sp>
+      <p:sp>
+        <p:nvSpPr>
+          <p:cNvPr id="3" name="Espaço Reservado para Conteúdo 2">
+            <a:extLst>
+              <a:ext uri="{FF2B5EF4-FFF2-40B4-BE49-F238E27FC236}">
+                <a16:creationId xmlns:a16="http://schemas.microsoft.com/office/drawing/2014/main" id="{088FB423-FF10-4655-8638-B8535682AA3F}"/>
+              </a:ext>
+            </a:extLst>
+          </p:cNvPr>
+          <p:cNvSpPr>
+            <a:spLocks noGrp="1"/>
+          </p:cNvSpPr>
+          <p:nvPr>
+            <p:ph idx="1"/>
+          </p:nvPr>
+        </p:nvSpPr>
+        <p:spPr>
+          <a:xfrm>
+            <a:off x="592347" y="1844675"/>
+            <a:ext cx="11007306" cy="1194616"/>
+          </a:xfrm>
+        </p:spPr>
+        <p:txBody>
+          <a:bodyPr/>
+          <a:lstStyle/>
+          <a:p>
+            <a:r>
+              <a:rPr lang="pt-BR" dirty="0"/>
+              <a:t>O estilo </a:t>
+            </a:r>
+            <a:r>
+              <a:rPr lang="pt-BR" b="1" dirty="0" err="1"/>
+              <a:t>font-size</a:t>
+            </a:r>
+            <a:r>
+              <a:rPr lang="pt-BR" dirty="0"/>
+              <a:t> é responsável por definir o tamanho do texto em um elemento. Recomenda-se o uso das unidades de medida </a:t>
+            </a:r>
+            <a:r>
+              <a:rPr lang="pt-BR" dirty="0" err="1"/>
+              <a:t>px</a:t>
+            </a:r>
+            <a:r>
+              <a:rPr lang="pt-BR" dirty="0"/>
+              <a:t> (pixels) e em para garantir maior controle e flexibilidade.</a:t>
+            </a:r>
+          </a:p>
+          <a:p>
+            <a:endParaRPr lang="pt-BR" dirty="0"/>
+          </a:p>
+        </p:txBody>
+      </p:sp>
+      <p:pic>
+        <p:nvPicPr>
+          <p:cNvPr id="5" name="Imagem 4">
+            <a:extLst>
+              <a:ext uri="{FF2B5EF4-FFF2-40B4-BE49-F238E27FC236}">
+                <a16:creationId xmlns:a16="http://schemas.microsoft.com/office/drawing/2014/main" id="{95C28C88-9730-481A-9783-9AF80F16FB29}"/>
+              </a:ext>
+            </a:extLst>
+          </p:cNvPr>
+          <p:cNvPicPr>
+            <a:picLocks noChangeAspect="1"/>
+          </p:cNvPicPr>
+          <p:nvPr/>
+        </p:nvPicPr>
+        <p:blipFill>
+          <a:blip r:embed="rId2"/>
+          <a:stretch>
+            <a:fillRect/>
+          </a:stretch>
+        </p:blipFill>
+        <p:spPr>
+          <a:xfrm>
+            <a:off x="1162050" y="3354921"/>
+            <a:ext cx="9867900" cy="1409700"/>
+          </a:xfrm>
+          <a:prstGeom prst="rect">
+            <a:avLst/>
+          </a:prstGeom>
+        </p:spPr>
+      </p:pic>
+      <p:sp>
+        <p:nvSpPr>
+          <p:cNvPr id="6" name="Retângulo 5">
+            <a:extLst>
+              <a:ext uri="{FF2B5EF4-FFF2-40B4-BE49-F238E27FC236}">
+                <a16:creationId xmlns:a16="http://schemas.microsoft.com/office/drawing/2014/main" id="{5FAFFD2F-8981-4210-AA10-75346E94CE14}"/>
+              </a:ext>
+            </a:extLst>
+          </p:cNvPr>
+          <p:cNvSpPr/>
+          <p:nvPr/>
+        </p:nvSpPr>
+        <p:spPr>
+          <a:xfrm>
+            <a:off x="4763589" y="5080250"/>
+            <a:ext cx="2664822" cy="1200329"/>
+          </a:xfrm>
+          <a:prstGeom prst="rect">
+            <a:avLst/>
+          </a:prstGeom>
+        </p:spPr>
+        <p:txBody>
+          <a:bodyPr wrap="square">
+            <a:spAutoFit/>
+          </a:bodyPr>
+          <a:lstStyle/>
+          <a:p>
+            <a:r>
+              <a:rPr lang="pt-BR" dirty="0">
+                <a:solidFill>
+                  <a:srgbClr val="800000"/>
+                </a:solidFill>
+                <a:latin typeface="Consolas" panose="020B0609020204030204" pitchFamily="49" charset="0"/>
+              </a:rPr>
+              <a:t>p</a:t>
+            </a:r>
+            <a:r>
+              <a:rPr lang="pt-BR" dirty="0">
+                <a:solidFill>
+                  <a:srgbClr val="000000"/>
+                </a:solidFill>
+                <a:latin typeface="Consolas" panose="020B0609020204030204" pitchFamily="49" charset="0"/>
+              </a:rPr>
+              <a:t> {</a:t>
+            </a:r>
+          </a:p>
+          <a:p>
+            <a:pPr indent="457200"/>
+            <a:r>
+              <a:rPr lang="pt-BR" dirty="0" err="1">
+                <a:solidFill>
+                  <a:srgbClr val="E50000"/>
+                </a:solidFill>
+                <a:latin typeface="Consolas" panose="020B0609020204030204" pitchFamily="49" charset="0"/>
+              </a:rPr>
+              <a:t>font-size</a:t>
+            </a:r>
+            <a:r>
+              <a:rPr lang="pt-BR" dirty="0">
+                <a:solidFill>
+                  <a:srgbClr val="000000"/>
+                </a:solidFill>
+                <a:latin typeface="Consolas" panose="020B0609020204030204" pitchFamily="49" charset="0"/>
+              </a:rPr>
+              <a:t>: </a:t>
+            </a:r>
+            <a:r>
+              <a:rPr lang="pt-BR" dirty="0">
+                <a:solidFill>
+                  <a:srgbClr val="098658"/>
+                </a:solidFill>
+                <a:latin typeface="Consolas" panose="020B0609020204030204" pitchFamily="49" charset="0"/>
+              </a:rPr>
+              <a:t>16px</a:t>
+            </a:r>
+            <a:r>
+              <a:rPr lang="pt-BR" dirty="0">
+                <a:solidFill>
+                  <a:srgbClr val="000000"/>
+                </a:solidFill>
+                <a:latin typeface="Consolas" panose="020B0609020204030204" pitchFamily="49" charset="0"/>
+              </a:rPr>
+              <a:t>;</a:t>
+            </a:r>
+          </a:p>
+          <a:p>
+            <a:pPr indent="457200"/>
+            <a:r>
+              <a:rPr lang="pt-BR" dirty="0" err="1">
+                <a:solidFill>
+                  <a:srgbClr val="E50000"/>
+                </a:solidFill>
+                <a:latin typeface="Consolas" panose="020B0609020204030204" pitchFamily="49" charset="0"/>
+              </a:rPr>
+              <a:t>font-size</a:t>
+            </a:r>
+            <a:r>
+              <a:rPr lang="pt-BR" dirty="0">
+                <a:solidFill>
+                  <a:srgbClr val="000000"/>
+                </a:solidFill>
+                <a:latin typeface="Consolas" panose="020B0609020204030204" pitchFamily="49" charset="0"/>
+              </a:rPr>
+              <a:t>: </a:t>
+            </a:r>
+            <a:r>
+              <a:rPr lang="pt-BR" dirty="0">
+                <a:solidFill>
+                  <a:srgbClr val="098658"/>
+                </a:solidFill>
+                <a:latin typeface="Consolas" panose="020B0609020204030204" pitchFamily="49" charset="0"/>
+              </a:rPr>
+              <a:t>1em</a:t>
+            </a:r>
+            <a:r>
+              <a:rPr lang="pt-BR" dirty="0">
+                <a:solidFill>
+                  <a:srgbClr val="000000"/>
+                </a:solidFill>
+                <a:latin typeface="Consolas" panose="020B0609020204030204" pitchFamily="49" charset="0"/>
+              </a:rPr>
+              <a:t>;</a:t>
+            </a:r>
+          </a:p>
+          <a:p>
+            <a:r>
+              <a:rPr lang="pt-BR" dirty="0">
+                <a:solidFill>
+                  <a:srgbClr val="000000"/>
+                </a:solidFill>
+                <a:latin typeface="Consolas" panose="020B0609020204030204" pitchFamily="49" charset="0"/>
+              </a:rPr>
+              <a:t>}</a:t>
+            </a:r>
+            <a:endParaRPr lang="pt-BR" b="0" dirty="0">
+              <a:solidFill>
+                <a:srgbClr val="000000"/>
+              </a:solidFill>
+              <a:effectLst/>
+              <a:latin typeface="Consolas" panose="020B0609020204030204" pitchFamily="49" charset="0"/>
+            </a:endParaRPr>
+          </a:p>
+        </p:txBody>
+      </p:sp>
+    </p:spTree>
+    <p:extLst>
+      <p:ext uri="{BB962C8B-B14F-4D97-AF65-F5344CB8AC3E}">
+        <p14:creationId xmlns:p14="http://schemas.microsoft.com/office/powerpoint/2010/main" val="3339954836"/>
       </p:ext>
     </p:extLst>
   </p:cSld>

--- a/Módulo 01 - HTML e CSS/Aula 04 - Introdução ao CSS/Introdução ao CSS.pptx
+++ b/Módulo 01 - HTML e CSS/Aula 04 - Introdução ao CSS/Introdução ao CSS.pptx
@@ -5,27 +5,31 @@
     <p:sldMasterId id="2147483677" r:id="rId1"/>
   </p:sldMasterIdLst>
   <p:notesMasterIdLst>
-    <p:notesMasterId r:id="rId17"/>
+    <p:notesMasterId r:id="rId21"/>
   </p:notesMasterIdLst>
   <p:handoutMasterIdLst>
-    <p:handoutMasterId r:id="rId18"/>
+    <p:handoutMasterId r:id="rId22"/>
   </p:handoutMasterIdLst>
   <p:sldIdLst>
     <p:sldId id="256" r:id="rId2"/>
-    <p:sldId id="267" r:id="rId3"/>
-    <p:sldId id="268" r:id="rId4"/>
-    <p:sldId id="269" r:id="rId5"/>
-    <p:sldId id="270" r:id="rId6"/>
-    <p:sldId id="271" r:id="rId7"/>
-    <p:sldId id="273" r:id="rId8"/>
-    <p:sldId id="277" r:id="rId9"/>
-    <p:sldId id="276" r:id="rId10"/>
-    <p:sldId id="279" r:id="rId11"/>
-    <p:sldId id="278" r:id="rId12"/>
-    <p:sldId id="280" r:id="rId13"/>
-    <p:sldId id="281" r:id="rId14"/>
-    <p:sldId id="282" r:id="rId15"/>
-    <p:sldId id="283" r:id="rId16"/>
+    <p:sldId id="285" r:id="rId3"/>
+    <p:sldId id="284" r:id="rId4"/>
+    <p:sldId id="287" r:id="rId5"/>
+    <p:sldId id="289" r:id="rId6"/>
+    <p:sldId id="288" r:id="rId7"/>
+    <p:sldId id="268" r:id="rId8"/>
+    <p:sldId id="269" r:id="rId9"/>
+    <p:sldId id="270" r:id="rId10"/>
+    <p:sldId id="271" r:id="rId11"/>
+    <p:sldId id="273" r:id="rId12"/>
+    <p:sldId id="277" r:id="rId13"/>
+    <p:sldId id="276" r:id="rId14"/>
+    <p:sldId id="279" r:id="rId15"/>
+    <p:sldId id="278" r:id="rId16"/>
+    <p:sldId id="280" r:id="rId17"/>
+    <p:sldId id="281" r:id="rId18"/>
+    <p:sldId id="282" r:id="rId19"/>
+    <p:sldId id="283" r:id="rId20"/>
   </p:sldIdLst>
   <p:sldSz cx="12192000" cy="6858000"/>
   <p:notesSz cx="6858000" cy="9144000"/>
@@ -240,7 +244,7 @@
           <a:p>
             <a:fld id="{0F28648D-752F-4D9E-8EC2-61293C3E9BC7}" type="datetimeFigureOut">
               <a:rPr lang="pt-BR" smtClean="0"/>
-              <a:t>26/01/2025</a:t>
+              <a:t>28/01/2025</a:t>
             </a:fld>
             <a:endParaRPr lang="pt-BR"/>
           </a:p>
@@ -417,7 +421,7 @@
           <a:p>
             <a:fld id="{C67E822F-2664-47C4-8404-83B1D4D0E6EE}" type="datetimeFigureOut">
               <a:rPr lang="pt-BR" smtClean="0"/>
-              <a:t>26/01/2025</a:t>
+              <a:t>28/01/2025</a:t>
             </a:fld>
             <a:endParaRPr lang="pt-BR"/>
           </a:p>
@@ -1120,7 +1124,7 @@
           <a:p>
             <a:fld id="{CDD55C27-F8C6-4481-8569-CAC50CAE9F1F}" type="datetimeFigureOut">
               <a:rPr lang="pt-BR" smtClean="0"/>
-              <a:t>26/01/2025</a:t>
+              <a:t>28/01/2025</a:t>
             </a:fld>
             <a:endParaRPr lang="pt-BR"/>
           </a:p>
@@ -1610,7 +1614,7 @@
           <a:p>
             <a:fld id="{CDD55C27-F8C6-4481-8569-CAC50CAE9F1F}" type="datetimeFigureOut">
               <a:rPr lang="pt-BR" smtClean="0"/>
-              <a:t>26/01/2025</a:t>
+              <a:t>28/01/2025</a:t>
             </a:fld>
             <a:endParaRPr lang="pt-BR"/>
           </a:p>
@@ -1913,7 +1917,7 @@
           <a:p>
             <a:fld id="{CDD55C27-F8C6-4481-8569-CAC50CAE9F1F}" type="datetimeFigureOut">
               <a:rPr lang="pt-BR" smtClean="0"/>
-              <a:t>26/01/2025</a:t>
+              <a:t>28/01/2025</a:t>
             </a:fld>
             <a:endParaRPr lang="pt-BR"/>
           </a:p>
@@ -2364,7 +2368,7 @@
           <a:p>
             <a:fld id="{CDD55C27-F8C6-4481-8569-CAC50CAE9F1F}" type="datetimeFigureOut">
               <a:rPr lang="pt-BR" smtClean="0"/>
-              <a:t>26/01/2025</a:t>
+              <a:t>28/01/2025</a:t>
             </a:fld>
             <a:endParaRPr lang="pt-BR"/>
           </a:p>
@@ -2537,7 +2541,7 @@
           <a:p>
             <a:fld id="{CDD55C27-F8C6-4481-8569-CAC50CAE9F1F}" type="datetimeFigureOut">
               <a:rPr lang="pt-BR" smtClean="0"/>
-              <a:t>26/01/2025</a:t>
+              <a:t>28/01/2025</a:t>
             </a:fld>
             <a:endParaRPr lang="pt-BR"/>
           </a:p>
@@ -2674,7 +2678,7 @@
           <a:p>
             <a:fld id="{CDD55C27-F8C6-4481-8569-CAC50CAE9F1F}" type="datetimeFigureOut">
               <a:rPr lang="pt-BR" smtClean="0"/>
-              <a:t>26/01/2025</a:t>
+              <a:t>28/01/2025</a:t>
             </a:fld>
             <a:endParaRPr lang="pt-BR"/>
           </a:p>
@@ -3018,7 +3022,7 @@
           <a:p>
             <a:fld id="{CDD55C27-F8C6-4481-8569-CAC50CAE9F1F}" type="datetimeFigureOut">
               <a:rPr lang="pt-BR" smtClean="0"/>
-              <a:t>26/01/2025</a:t>
+              <a:t>28/01/2025</a:t>
             </a:fld>
             <a:endParaRPr lang="pt-BR"/>
           </a:p>
@@ -3339,7 +3343,7 @@
           <a:p>
             <a:fld id="{CDD55C27-F8C6-4481-8569-CAC50CAE9F1F}" type="datetimeFigureOut">
               <a:rPr lang="pt-BR" smtClean="0"/>
-              <a:t>26/01/2025</a:t>
+              <a:t>28/01/2025</a:t>
             </a:fld>
             <a:endParaRPr lang="pt-BR"/>
           </a:p>
@@ -3978,6 +3982,814 @@
           <p:cNvPr id="2" name="Título 1">
             <a:extLst>
               <a:ext uri="{FF2B5EF4-FFF2-40B4-BE49-F238E27FC236}">
+                <a16:creationId xmlns:a16="http://schemas.microsoft.com/office/drawing/2014/main" id="{91DA477A-D050-4401-AB2C-E7D6B29F3F19}"/>
+              </a:ext>
+            </a:extLst>
+          </p:cNvPr>
+          <p:cNvSpPr>
+            <a:spLocks noGrp="1"/>
+          </p:cNvSpPr>
+          <p:nvPr>
+            <p:ph type="title"/>
+          </p:nvPr>
+        </p:nvSpPr>
+        <p:spPr/>
+        <p:txBody>
+          <a:bodyPr/>
+          <a:lstStyle/>
+          <a:p>
+            <a:r>
+              <a:rPr lang="pt-BR" dirty="0"/>
+              <a:t>Prioridade dos Tipos de Estilos em CSS</a:t>
+            </a:r>
+          </a:p>
+        </p:txBody>
+      </p:sp>
+      <p:sp>
+        <p:nvSpPr>
+          <p:cNvPr id="3" name="Espaço Reservado para Conteúdo 2">
+            <a:extLst>
+              <a:ext uri="{FF2B5EF4-FFF2-40B4-BE49-F238E27FC236}">
+                <a16:creationId xmlns:a16="http://schemas.microsoft.com/office/drawing/2014/main" id="{3552300F-F316-49F1-902B-CDDC66E5B8CD}"/>
+              </a:ext>
+            </a:extLst>
+          </p:cNvPr>
+          <p:cNvSpPr>
+            <a:spLocks noGrp="1"/>
+          </p:cNvSpPr>
+          <p:nvPr>
+            <p:ph idx="1"/>
+          </p:nvPr>
+        </p:nvSpPr>
+        <p:spPr>
+          <a:xfrm>
+            <a:off x="592347" y="1844675"/>
+            <a:ext cx="11007306" cy="1473291"/>
+          </a:xfrm>
+        </p:spPr>
+        <p:txBody>
+          <a:bodyPr/>
+          <a:lstStyle/>
+          <a:p>
+            <a:r>
+              <a:rPr lang="pt-BR" dirty="0"/>
+              <a:t>Quando utilizamos os três tipos de estilos CSS — </a:t>
+            </a:r>
+            <a:r>
+              <a:rPr lang="pt-BR" dirty="0" err="1"/>
+              <a:t>inline</a:t>
+            </a:r>
+            <a:r>
+              <a:rPr lang="pt-BR" dirty="0"/>
+              <a:t>, interno, e externo — em uma mesma página, a hierarquia de precedência determina qual estilo será aplicado. A ordem de prioridade segue as regras do </a:t>
+            </a:r>
+            <a:r>
+              <a:rPr lang="pt-BR" dirty="0" err="1"/>
+              <a:t>cascading</a:t>
+            </a:r>
+            <a:r>
+              <a:rPr lang="pt-BR" dirty="0"/>
+              <a:t> (cascata) do CSS.</a:t>
+            </a:r>
+          </a:p>
+        </p:txBody>
+      </p:sp>
+      <p:pic>
+        <p:nvPicPr>
+          <p:cNvPr id="5" name="Imagem 4">
+            <a:extLst>
+              <a:ext uri="{FF2B5EF4-FFF2-40B4-BE49-F238E27FC236}">
+                <a16:creationId xmlns:a16="http://schemas.microsoft.com/office/drawing/2014/main" id="{02BDE698-49F5-4AFB-93B9-8763CD24E107}"/>
+              </a:ext>
+            </a:extLst>
+          </p:cNvPr>
+          <p:cNvPicPr>
+            <a:picLocks noChangeAspect="1"/>
+          </p:cNvPicPr>
+          <p:nvPr/>
+        </p:nvPicPr>
+        <p:blipFill>
+          <a:blip r:embed="rId2"/>
+          <a:stretch>
+            <a:fillRect/>
+          </a:stretch>
+        </p:blipFill>
+        <p:spPr>
+          <a:xfrm>
+            <a:off x="955494" y="4013404"/>
+            <a:ext cx="10281012" cy="1183553"/>
+          </a:xfrm>
+          <a:prstGeom prst="rect">
+            <a:avLst/>
+          </a:prstGeom>
+        </p:spPr>
+      </p:pic>
+    </p:spTree>
+    <p:extLst>
+      <p:ext uri="{BB962C8B-B14F-4D97-AF65-F5344CB8AC3E}">
+        <p14:creationId xmlns:p14="http://schemas.microsoft.com/office/powerpoint/2010/main" val="4185948652"/>
+      </p:ext>
+    </p:extLst>
+  </p:cSld>
+  <p:clrMapOvr>
+    <a:masterClrMapping/>
+  </p:clrMapOvr>
+</p:sld>
+</file>
+
+<file path=ppt/slides/slide11.xml><?xml version="1.0" encoding="utf-8"?>
+<p:sld xmlns:a="http://schemas.openxmlformats.org/drawingml/2006/main" xmlns:r="http://schemas.openxmlformats.org/officeDocument/2006/relationships" xmlns:p="http://schemas.openxmlformats.org/presentationml/2006/main">
+  <p:cSld>
+    <p:spTree>
+      <p:nvGrpSpPr>
+        <p:cNvPr id="1" name=""/>
+        <p:cNvGrpSpPr/>
+        <p:nvPr/>
+      </p:nvGrpSpPr>
+      <p:grpSpPr>
+        <a:xfrm>
+          <a:off x="0" y="0"/>
+          <a:ext cx="0" cy="0"/>
+          <a:chOff x="0" y="0"/>
+          <a:chExt cx="0" cy="0"/>
+        </a:xfrm>
+      </p:grpSpPr>
+      <p:sp>
+        <p:nvSpPr>
+          <p:cNvPr id="2" name="Título 1">
+            <a:extLst>
+              <a:ext uri="{FF2B5EF4-FFF2-40B4-BE49-F238E27FC236}">
+                <a16:creationId xmlns:a16="http://schemas.microsoft.com/office/drawing/2014/main" id="{03EC3677-B7E3-4D91-9045-8C420435A40D}"/>
+              </a:ext>
+            </a:extLst>
+          </p:cNvPr>
+          <p:cNvSpPr>
+            <a:spLocks noGrp="1"/>
+          </p:cNvSpPr>
+          <p:nvPr>
+            <p:ph type="title"/>
+          </p:nvPr>
+        </p:nvSpPr>
+        <p:spPr/>
+        <p:txBody>
+          <a:bodyPr/>
+          <a:lstStyle/>
+          <a:p>
+            <a:r>
+              <a:rPr lang="pt-BR" dirty="0"/>
+              <a:t>Estilização de Fontes no CSS</a:t>
+            </a:r>
+          </a:p>
+        </p:txBody>
+      </p:sp>
+      <p:sp>
+        <p:nvSpPr>
+          <p:cNvPr id="3" name="Espaço Reservado para Conteúdo 2">
+            <a:extLst>
+              <a:ext uri="{FF2B5EF4-FFF2-40B4-BE49-F238E27FC236}">
+                <a16:creationId xmlns:a16="http://schemas.microsoft.com/office/drawing/2014/main" id="{8428AB92-B0D3-4799-BE37-D342D1191965}"/>
+              </a:ext>
+            </a:extLst>
+          </p:cNvPr>
+          <p:cNvSpPr>
+            <a:spLocks noGrp="1"/>
+          </p:cNvSpPr>
+          <p:nvPr>
+            <p:ph idx="1"/>
+          </p:nvPr>
+        </p:nvSpPr>
+        <p:spPr/>
+        <p:txBody>
+          <a:bodyPr/>
+          <a:lstStyle/>
+          <a:p>
+            <a:r>
+              <a:rPr lang="pt-BR" dirty="0"/>
+              <a:t>A estilização de fontes no CSS é essencial para melhorar a apresentação e a legibilidade de uma página. O CSS fornece propriedades que permitem controlar o tipo de fonte, tamanho, estilo, peso, espaçamento e alinhamento de textos.</a:t>
+            </a:r>
+          </a:p>
+          <a:p>
+            <a:endParaRPr lang="pt-BR" dirty="0"/>
+          </a:p>
+        </p:txBody>
+      </p:sp>
+      <p:pic>
+        <p:nvPicPr>
+          <p:cNvPr id="4" name="Imagem 3">
+            <a:extLst>
+              <a:ext uri="{FF2B5EF4-FFF2-40B4-BE49-F238E27FC236}">
+                <a16:creationId xmlns:a16="http://schemas.microsoft.com/office/drawing/2014/main" id="{CDB5C121-D2FD-4DAB-B0FB-21049081A95C}"/>
+              </a:ext>
+            </a:extLst>
+          </p:cNvPr>
+          <p:cNvPicPr>
+            <a:picLocks noChangeAspect="1"/>
+          </p:cNvPicPr>
+          <p:nvPr/>
+        </p:nvPicPr>
+        <p:blipFill>
+          <a:blip r:embed="rId2"/>
+          <a:stretch>
+            <a:fillRect/>
+          </a:stretch>
+        </p:blipFill>
+        <p:spPr>
+          <a:xfrm>
+            <a:off x="2984816" y="3367088"/>
+            <a:ext cx="6222368" cy="3226086"/>
+          </a:xfrm>
+          <a:prstGeom prst="rect">
+            <a:avLst/>
+          </a:prstGeom>
+        </p:spPr>
+      </p:pic>
+    </p:spTree>
+    <p:extLst>
+      <p:ext uri="{BB962C8B-B14F-4D97-AF65-F5344CB8AC3E}">
+        <p14:creationId xmlns:p14="http://schemas.microsoft.com/office/powerpoint/2010/main" val="2351285136"/>
+      </p:ext>
+    </p:extLst>
+  </p:cSld>
+  <p:clrMapOvr>
+    <a:masterClrMapping/>
+  </p:clrMapOvr>
+</p:sld>
+</file>
+
+<file path=ppt/slides/slide12.xml><?xml version="1.0" encoding="utf-8"?>
+<p:sld xmlns:a="http://schemas.openxmlformats.org/drawingml/2006/main" xmlns:r="http://schemas.openxmlformats.org/officeDocument/2006/relationships" xmlns:p="http://schemas.openxmlformats.org/presentationml/2006/main">
+  <p:cSld>
+    <p:spTree>
+      <p:nvGrpSpPr>
+        <p:cNvPr id="1" name=""/>
+        <p:cNvGrpSpPr/>
+        <p:nvPr/>
+      </p:nvGrpSpPr>
+      <p:grpSpPr>
+        <a:xfrm>
+          <a:off x="0" y="0"/>
+          <a:ext cx="0" cy="0"/>
+          <a:chOff x="0" y="0"/>
+          <a:chExt cx="0" cy="0"/>
+        </a:xfrm>
+      </p:grpSpPr>
+      <p:sp>
+        <p:nvSpPr>
+          <p:cNvPr id="2" name="Título 1">
+            <a:extLst>
+              <a:ext uri="{FF2B5EF4-FFF2-40B4-BE49-F238E27FC236}">
+                <a16:creationId xmlns:a16="http://schemas.microsoft.com/office/drawing/2014/main" id="{FD4DB3B0-4AEA-4C2C-8226-818C34D54340}"/>
+              </a:ext>
+            </a:extLst>
+          </p:cNvPr>
+          <p:cNvSpPr>
+            <a:spLocks noGrp="1"/>
+          </p:cNvSpPr>
+          <p:nvPr>
+            <p:ph type="title"/>
+          </p:nvPr>
+        </p:nvSpPr>
+        <p:spPr/>
+        <p:txBody>
+          <a:bodyPr/>
+          <a:lstStyle/>
+          <a:p>
+            <a:r>
+              <a:rPr lang="pt-BR" dirty="0" err="1"/>
+              <a:t>Font</a:t>
+            </a:r>
+            <a:r>
+              <a:rPr lang="pt-BR" dirty="0"/>
+              <a:t>-Family</a:t>
+            </a:r>
+          </a:p>
+        </p:txBody>
+      </p:sp>
+      <p:sp>
+        <p:nvSpPr>
+          <p:cNvPr id="3" name="Espaço Reservado para Conteúdo 2">
+            <a:extLst>
+              <a:ext uri="{FF2B5EF4-FFF2-40B4-BE49-F238E27FC236}">
+                <a16:creationId xmlns:a16="http://schemas.microsoft.com/office/drawing/2014/main" id="{8C1C9301-0688-4422-AB8B-F3136F19FAB6}"/>
+              </a:ext>
+            </a:extLst>
+          </p:cNvPr>
+          <p:cNvSpPr>
+            <a:spLocks noGrp="1"/>
+          </p:cNvSpPr>
+          <p:nvPr>
+            <p:ph idx="1"/>
+          </p:nvPr>
+        </p:nvSpPr>
+        <p:spPr>
+          <a:xfrm>
+            <a:off x="592347" y="1844675"/>
+            <a:ext cx="11007306" cy="1584325"/>
+          </a:xfrm>
+        </p:spPr>
+        <p:txBody>
+          <a:bodyPr/>
+          <a:lstStyle/>
+          <a:p>
+            <a:r>
+              <a:rPr lang="pt-BR" dirty="0"/>
+              <a:t>O estilo </a:t>
+            </a:r>
+            <a:r>
+              <a:rPr lang="pt-BR" b="1" dirty="0" err="1"/>
+              <a:t>font-family</a:t>
+            </a:r>
+            <a:r>
+              <a:rPr lang="pt-BR" b="1" dirty="0"/>
+              <a:t> </a:t>
+            </a:r>
+            <a:r>
+              <a:rPr lang="pt-BR" dirty="0"/>
+              <a:t>define o tipo de fonte (ou famílias de fontes) a ser utilizado. Você pode usar fontes padrão do sistema ou importar fontes personalizadas (como do Google </a:t>
+            </a:r>
+            <a:r>
+              <a:rPr lang="pt-BR" dirty="0" err="1"/>
+              <a:t>Fonts</a:t>
+            </a:r>
+            <a:r>
+              <a:rPr lang="pt-BR" dirty="0"/>
+              <a:t>). É recomendável fornecer uma lista de fontes como </a:t>
+            </a:r>
+            <a:r>
+              <a:rPr lang="pt-BR" dirty="0" err="1"/>
+              <a:t>fallback</a:t>
+            </a:r>
+            <a:r>
+              <a:rPr lang="pt-BR" dirty="0"/>
+              <a:t>.</a:t>
+            </a:r>
+          </a:p>
+          <a:p>
+            <a:endParaRPr lang="pt-BR" dirty="0"/>
+          </a:p>
+        </p:txBody>
+      </p:sp>
+      <p:sp>
+        <p:nvSpPr>
+          <p:cNvPr id="4" name="Retângulo 3">
+            <a:extLst>
+              <a:ext uri="{FF2B5EF4-FFF2-40B4-BE49-F238E27FC236}">
+                <a16:creationId xmlns:a16="http://schemas.microsoft.com/office/drawing/2014/main" id="{5763356A-B644-49A4-9DE1-EDDA8E349621}"/>
+              </a:ext>
+            </a:extLst>
+          </p:cNvPr>
+          <p:cNvSpPr/>
+          <p:nvPr/>
+        </p:nvSpPr>
+        <p:spPr>
+          <a:xfrm>
+            <a:off x="2847702" y="4108997"/>
+            <a:ext cx="6496595" cy="923330"/>
+          </a:xfrm>
+          <a:prstGeom prst="rect">
+            <a:avLst/>
+          </a:prstGeom>
+        </p:spPr>
+        <p:txBody>
+          <a:bodyPr wrap="square">
+            <a:spAutoFit/>
+          </a:bodyPr>
+          <a:lstStyle/>
+          <a:p>
+            <a:r>
+              <a:rPr lang="en-US" dirty="0">
+                <a:solidFill>
+                  <a:srgbClr val="800000"/>
+                </a:solidFill>
+                <a:latin typeface="Consolas" panose="020B0609020204030204" pitchFamily="49" charset="0"/>
+              </a:rPr>
+              <a:t>p</a:t>
+            </a:r>
+            <a:r>
+              <a:rPr lang="en-US" dirty="0">
+                <a:solidFill>
+                  <a:srgbClr val="000000"/>
+                </a:solidFill>
+                <a:latin typeface="Consolas" panose="020B0609020204030204" pitchFamily="49" charset="0"/>
+              </a:rPr>
+              <a:t> {</a:t>
+            </a:r>
+          </a:p>
+          <a:p>
+            <a:pPr indent="457200"/>
+            <a:r>
+              <a:rPr lang="en-US" dirty="0">
+                <a:solidFill>
+                  <a:srgbClr val="E50000"/>
+                </a:solidFill>
+                <a:latin typeface="Consolas" panose="020B0609020204030204" pitchFamily="49" charset="0"/>
+              </a:rPr>
+              <a:t>font-family</a:t>
+            </a:r>
+            <a:r>
+              <a:rPr lang="en-US" dirty="0">
+                <a:solidFill>
+                  <a:srgbClr val="000000"/>
+                </a:solidFill>
+                <a:latin typeface="Consolas" panose="020B0609020204030204" pitchFamily="49" charset="0"/>
+              </a:rPr>
+              <a:t>: </a:t>
+            </a:r>
+            <a:r>
+              <a:rPr lang="en-US" dirty="0">
+                <a:solidFill>
+                  <a:srgbClr val="A31515"/>
+                </a:solidFill>
+                <a:latin typeface="Consolas" panose="020B0609020204030204" pitchFamily="49" charset="0"/>
+              </a:rPr>
+              <a:t>'Arial'</a:t>
+            </a:r>
+            <a:r>
+              <a:rPr lang="en-US" dirty="0">
+                <a:solidFill>
+                  <a:srgbClr val="000000"/>
+                </a:solidFill>
+                <a:latin typeface="Consolas" panose="020B0609020204030204" pitchFamily="49" charset="0"/>
+              </a:rPr>
+              <a:t>, </a:t>
+            </a:r>
+            <a:r>
+              <a:rPr lang="en-US" dirty="0">
+                <a:solidFill>
+                  <a:srgbClr val="A31515"/>
+                </a:solidFill>
+                <a:latin typeface="Consolas" panose="020B0609020204030204" pitchFamily="49" charset="0"/>
+              </a:rPr>
+              <a:t>'Helvetica'</a:t>
+            </a:r>
+            <a:r>
+              <a:rPr lang="en-US" dirty="0">
+                <a:solidFill>
+                  <a:srgbClr val="000000"/>
+                </a:solidFill>
+                <a:latin typeface="Consolas" panose="020B0609020204030204" pitchFamily="49" charset="0"/>
+              </a:rPr>
+              <a:t>, </a:t>
+            </a:r>
+            <a:r>
+              <a:rPr lang="en-US" dirty="0">
+                <a:solidFill>
+                  <a:srgbClr val="0451A5"/>
+                </a:solidFill>
+                <a:latin typeface="Consolas" panose="020B0609020204030204" pitchFamily="49" charset="0"/>
+              </a:rPr>
+              <a:t>sans-serif</a:t>
+            </a:r>
+            <a:r>
+              <a:rPr lang="en-US" dirty="0">
+                <a:solidFill>
+                  <a:srgbClr val="000000"/>
+                </a:solidFill>
+                <a:latin typeface="Consolas" panose="020B0609020204030204" pitchFamily="49" charset="0"/>
+              </a:rPr>
+              <a:t>;</a:t>
+            </a:r>
+          </a:p>
+          <a:p>
+            <a:r>
+              <a:rPr lang="en-US" dirty="0">
+                <a:solidFill>
+                  <a:srgbClr val="000000"/>
+                </a:solidFill>
+                <a:latin typeface="Consolas" panose="020B0609020204030204" pitchFamily="49" charset="0"/>
+              </a:rPr>
+              <a:t>}</a:t>
+            </a:r>
+            <a:endParaRPr lang="en-US" b="0" dirty="0">
+              <a:solidFill>
+                <a:srgbClr val="000000"/>
+              </a:solidFill>
+              <a:effectLst/>
+              <a:latin typeface="Consolas" panose="020B0609020204030204" pitchFamily="49" charset="0"/>
+            </a:endParaRPr>
+          </a:p>
+        </p:txBody>
+      </p:sp>
+    </p:spTree>
+    <p:extLst>
+      <p:ext uri="{BB962C8B-B14F-4D97-AF65-F5344CB8AC3E}">
+        <p14:creationId xmlns:p14="http://schemas.microsoft.com/office/powerpoint/2010/main" val="3299593644"/>
+      </p:ext>
+    </p:extLst>
+  </p:cSld>
+  <p:clrMapOvr>
+    <a:masterClrMapping/>
+  </p:clrMapOvr>
+</p:sld>
+</file>
+
+<file path=ppt/slides/slide13.xml><?xml version="1.0" encoding="utf-8"?>
+<p:sld xmlns:a="http://schemas.openxmlformats.org/drawingml/2006/main" xmlns:r="http://schemas.openxmlformats.org/officeDocument/2006/relationships" xmlns:p="http://schemas.openxmlformats.org/presentationml/2006/main">
+  <p:cSld>
+    <p:spTree>
+      <p:nvGrpSpPr>
+        <p:cNvPr id="1" name=""/>
+        <p:cNvGrpSpPr/>
+        <p:nvPr/>
+      </p:nvGrpSpPr>
+      <p:grpSpPr>
+        <a:xfrm>
+          <a:off x="0" y="0"/>
+          <a:ext cx="0" cy="0"/>
+          <a:chOff x="0" y="0"/>
+          <a:chExt cx="0" cy="0"/>
+        </a:xfrm>
+      </p:grpSpPr>
+      <p:sp>
+        <p:nvSpPr>
+          <p:cNvPr id="2" name="Título 1">
+            <a:extLst>
+              <a:ext uri="{FF2B5EF4-FFF2-40B4-BE49-F238E27FC236}">
+                <a16:creationId xmlns:a16="http://schemas.microsoft.com/office/drawing/2014/main" id="{F2DBC6A5-6C1B-4738-ACDB-1A4C654B30DB}"/>
+              </a:ext>
+            </a:extLst>
+          </p:cNvPr>
+          <p:cNvSpPr>
+            <a:spLocks noGrp="1"/>
+          </p:cNvSpPr>
+          <p:nvPr>
+            <p:ph type="title"/>
+          </p:nvPr>
+        </p:nvSpPr>
+        <p:spPr/>
+        <p:txBody>
+          <a:bodyPr/>
+          <a:lstStyle/>
+          <a:p>
+            <a:r>
+              <a:rPr lang="pt-BR" dirty="0" err="1"/>
+              <a:t>Font-Size</a:t>
+            </a:r>
+            <a:endParaRPr lang="pt-BR" dirty="0"/>
+          </a:p>
+        </p:txBody>
+      </p:sp>
+      <p:sp>
+        <p:nvSpPr>
+          <p:cNvPr id="3" name="Espaço Reservado para Conteúdo 2">
+            <a:extLst>
+              <a:ext uri="{FF2B5EF4-FFF2-40B4-BE49-F238E27FC236}">
+                <a16:creationId xmlns:a16="http://schemas.microsoft.com/office/drawing/2014/main" id="{088FB423-FF10-4655-8638-B8535682AA3F}"/>
+              </a:ext>
+            </a:extLst>
+          </p:cNvPr>
+          <p:cNvSpPr>
+            <a:spLocks noGrp="1"/>
+          </p:cNvSpPr>
+          <p:nvPr>
+            <p:ph idx="1"/>
+          </p:nvPr>
+        </p:nvSpPr>
+        <p:spPr>
+          <a:xfrm>
+            <a:off x="592347" y="1844675"/>
+            <a:ext cx="11007306" cy="1194616"/>
+          </a:xfrm>
+        </p:spPr>
+        <p:txBody>
+          <a:bodyPr/>
+          <a:lstStyle/>
+          <a:p>
+            <a:r>
+              <a:rPr lang="pt-BR" dirty="0"/>
+              <a:t>O estilo </a:t>
+            </a:r>
+            <a:r>
+              <a:rPr lang="pt-BR" b="1" dirty="0" err="1"/>
+              <a:t>font-size</a:t>
+            </a:r>
+            <a:r>
+              <a:rPr lang="pt-BR" dirty="0"/>
+              <a:t> é responsável por definir o tamanho do texto em um elemento. Recomenda-se o uso das unidades de medida </a:t>
+            </a:r>
+            <a:r>
+              <a:rPr lang="pt-BR" dirty="0" err="1"/>
+              <a:t>px</a:t>
+            </a:r>
+            <a:r>
+              <a:rPr lang="pt-BR" dirty="0"/>
+              <a:t> (pixels) e em para garantir maior controle e flexibilidade.</a:t>
+            </a:r>
+          </a:p>
+          <a:p>
+            <a:endParaRPr lang="pt-BR" dirty="0"/>
+          </a:p>
+        </p:txBody>
+      </p:sp>
+      <p:pic>
+        <p:nvPicPr>
+          <p:cNvPr id="5" name="Imagem 4">
+            <a:extLst>
+              <a:ext uri="{FF2B5EF4-FFF2-40B4-BE49-F238E27FC236}">
+                <a16:creationId xmlns:a16="http://schemas.microsoft.com/office/drawing/2014/main" id="{95C28C88-9730-481A-9783-9AF80F16FB29}"/>
+              </a:ext>
+            </a:extLst>
+          </p:cNvPr>
+          <p:cNvPicPr>
+            <a:picLocks noChangeAspect="1"/>
+          </p:cNvPicPr>
+          <p:nvPr/>
+        </p:nvPicPr>
+        <p:blipFill>
+          <a:blip r:embed="rId2"/>
+          <a:stretch>
+            <a:fillRect/>
+          </a:stretch>
+        </p:blipFill>
+        <p:spPr>
+          <a:xfrm>
+            <a:off x="1162050" y="3354921"/>
+            <a:ext cx="9867900" cy="1409700"/>
+          </a:xfrm>
+          <a:prstGeom prst="rect">
+            <a:avLst/>
+          </a:prstGeom>
+        </p:spPr>
+      </p:pic>
+      <p:sp>
+        <p:nvSpPr>
+          <p:cNvPr id="6" name="Retângulo 5">
+            <a:extLst>
+              <a:ext uri="{FF2B5EF4-FFF2-40B4-BE49-F238E27FC236}">
+                <a16:creationId xmlns:a16="http://schemas.microsoft.com/office/drawing/2014/main" id="{5FAFFD2F-8981-4210-AA10-75346E94CE14}"/>
+              </a:ext>
+            </a:extLst>
+          </p:cNvPr>
+          <p:cNvSpPr/>
+          <p:nvPr/>
+        </p:nvSpPr>
+        <p:spPr>
+          <a:xfrm>
+            <a:off x="4763589" y="5080250"/>
+            <a:ext cx="2664822" cy="1200329"/>
+          </a:xfrm>
+          <a:prstGeom prst="rect">
+            <a:avLst/>
+          </a:prstGeom>
+        </p:spPr>
+        <p:txBody>
+          <a:bodyPr wrap="square">
+            <a:spAutoFit/>
+          </a:bodyPr>
+          <a:lstStyle/>
+          <a:p>
+            <a:r>
+              <a:rPr lang="pt-BR" dirty="0">
+                <a:solidFill>
+                  <a:srgbClr val="800000"/>
+                </a:solidFill>
+                <a:latin typeface="Consolas" panose="020B0609020204030204" pitchFamily="49" charset="0"/>
+              </a:rPr>
+              <a:t>p</a:t>
+            </a:r>
+            <a:r>
+              <a:rPr lang="pt-BR" dirty="0">
+                <a:solidFill>
+                  <a:srgbClr val="000000"/>
+                </a:solidFill>
+                <a:latin typeface="Consolas" panose="020B0609020204030204" pitchFamily="49" charset="0"/>
+              </a:rPr>
+              <a:t> {</a:t>
+            </a:r>
+          </a:p>
+          <a:p>
+            <a:pPr indent="457200"/>
+            <a:r>
+              <a:rPr lang="pt-BR" dirty="0" err="1">
+                <a:solidFill>
+                  <a:srgbClr val="E50000"/>
+                </a:solidFill>
+                <a:latin typeface="Consolas" panose="020B0609020204030204" pitchFamily="49" charset="0"/>
+              </a:rPr>
+              <a:t>font-size</a:t>
+            </a:r>
+            <a:r>
+              <a:rPr lang="pt-BR" dirty="0">
+                <a:solidFill>
+                  <a:srgbClr val="000000"/>
+                </a:solidFill>
+                <a:latin typeface="Consolas" panose="020B0609020204030204" pitchFamily="49" charset="0"/>
+              </a:rPr>
+              <a:t>: </a:t>
+            </a:r>
+            <a:r>
+              <a:rPr lang="pt-BR" dirty="0">
+                <a:solidFill>
+                  <a:srgbClr val="098658"/>
+                </a:solidFill>
+                <a:latin typeface="Consolas" panose="020B0609020204030204" pitchFamily="49" charset="0"/>
+              </a:rPr>
+              <a:t>16px</a:t>
+            </a:r>
+            <a:r>
+              <a:rPr lang="pt-BR" dirty="0">
+                <a:solidFill>
+                  <a:srgbClr val="000000"/>
+                </a:solidFill>
+                <a:latin typeface="Consolas" panose="020B0609020204030204" pitchFamily="49" charset="0"/>
+              </a:rPr>
+              <a:t>;</a:t>
+            </a:r>
+          </a:p>
+          <a:p>
+            <a:pPr indent="457200"/>
+            <a:r>
+              <a:rPr lang="pt-BR" dirty="0" err="1">
+                <a:solidFill>
+                  <a:srgbClr val="E50000"/>
+                </a:solidFill>
+                <a:latin typeface="Consolas" panose="020B0609020204030204" pitchFamily="49" charset="0"/>
+              </a:rPr>
+              <a:t>font-size</a:t>
+            </a:r>
+            <a:r>
+              <a:rPr lang="pt-BR" dirty="0">
+                <a:solidFill>
+                  <a:srgbClr val="000000"/>
+                </a:solidFill>
+                <a:latin typeface="Consolas" panose="020B0609020204030204" pitchFamily="49" charset="0"/>
+              </a:rPr>
+              <a:t>: </a:t>
+            </a:r>
+            <a:r>
+              <a:rPr lang="pt-BR" dirty="0">
+                <a:solidFill>
+                  <a:srgbClr val="098658"/>
+                </a:solidFill>
+                <a:latin typeface="Consolas" panose="020B0609020204030204" pitchFamily="49" charset="0"/>
+              </a:rPr>
+              <a:t>1em</a:t>
+            </a:r>
+            <a:r>
+              <a:rPr lang="pt-BR" dirty="0">
+                <a:solidFill>
+                  <a:srgbClr val="000000"/>
+                </a:solidFill>
+                <a:latin typeface="Consolas" panose="020B0609020204030204" pitchFamily="49" charset="0"/>
+              </a:rPr>
+              <a:t>;</a:t>
+            </a:r>
+          </a:p>
+          <a:p>
+            <a:r>
+              <a:rPr lang="pt-BR" dirty="0">
+                <a:solidFill>
+                  <a:srgbClr val="000000"/>
+                </a:solidFill>
+                <a:latin typeface="Consolas" panose="020B0609020204030204" pitchFamily="49" charset="0"/>
+              </a:rPr>
+              <a:t>}</a:t>
+            </a:r>
+            <a:endParaRPr lang="pt-BR" b="0" dirty="0">
+              <a:solidFill>
+                <a:srgbClr val="000000"/>
+              </a:solidFill>
+              <a:effectLst/>
+              <a:latin typeface="Consolas" panose="020B0609020204030204" pitchFamily="49" charset="0"/>
+            </a:endParaRPr>
+          </a:p>
+        </p:txBody>
+      </p:sp>
+    </p:spTree>
+    <p:extLst>
+      <p:ext uri="{BB962C8B-B14F-4D97-AF65-F5344CB8AC3E}">
+        <p14:creationId xmlns:p14="http://schemas.microsoft.com/office/powerpoint/2010/main" val="3339954836"/>
+      </p:ext>
+    </p:extLst>
+  </p:cSld>
+  <p:clrMapOvr>
+    <a:masterClrMapping/>
+  </p:clrMapOvr>
+</p:sld>
+</file>
+
+<file path=ppt/slides/slide14.xml><?xml version="1.0" encoding="utf-8"?>
+<p:sld xmlns:a="http://schemas.openxmlformats.org/drawingml/2006/main" xmlns:r="http://schemas.openxmlformats.org/officeDocument/2006/relationships" xmlns:p="http://schemas.openxmlformats.org/presentationml/2006/main">
+  <p:cSld>
+    <p:spTree>
+      <p:nvGrpSpPr>
+        <p:cNvPr id="1" name=""/>
+        <p:cNvGrpSpPr/>
+        <p:nvPr/>
+      </p:nvGrpSpPr>
+      <p:grpSpPr>
+        <a:xfrm>
+          <a:off x="0" y="0"/>
+          <a:ext cx="0" cy="0"/>
+          <a:chOff x="0" y="0"/>
+          <a:chExt cx="0" cy="0"/>
+        </a:xfrm>
+      </p:grpSpPr>
+      <p:sp>
+        <p:nvSpPr>
+          <p:cNvPr id="2" name="Título 1">
+            <a:extLst>
+              <a:ext uri="{FF2B5EF4-FFF2-40B4-BE49-F238E27FC236}">
                 <a16:creationId xmlns:a16="http://schemas.microsoft.com/office/drawing/2014/main" id="{F2DBC6A5-6C1B-4738-ACDB-1A4C654B30DB}"/>
               </a:ext>
             </a:extLst>
@@ -4263,7 +5075,7 @@
 </p:sld>
 </file>
 
-<file path=ppt/slides/slide11.xml><?xml version="1.0" encoding="utf-8"?>
+<file path=ppt/slides/slide15.xml><?xml version="1.0" encoding="utf-8"?>
 <p:sld xmlns:a="http://schemas.openxmlformats.org/drawingml/2006/main" xmlns:r="http://schemas.openxmlformats.org/officeDocument/2006/relationships" xmlns:p="http://schemas.openxmlformats.org/presentationml/2006/main">
   <p:cSld>
     <p:spTree>
@@ -4876,7 +5688,7 @@
 </p:sld>
 </file>
 
-<file path=ppt/slides/slide12.xml><?xml version="1.0" encoding="utf-8"?>
+<file path=ppt/slides/slide16.xml><?xml version="1.0" encoding="utf-8"?>
 <p:sld xmlns:a="http://schemas.openxmlformats.org/drawingml/2006/main" xmlns:r="http://schemas.openxmlformats.org/officeDocument/2006/relationships" xmlns:p="http://schemas.openxmlformats.org/presentationml/2006/main">
   <p:cSld>
     <p:spTree>
@@ -5218,7 +6030,7 @@
 </p:sld>
 </file>
 
-<file path=ppt/slides/slide13.xml><?xml version="1.0" encoding="utf-8"?>
+<file path=ppt/slides/slide17.xml><?xml version="1.0" encoding="utf-8"?>
 <p:sld xmlns:a="http://schemas.openxmlformats.org/drawingml/2006/main" xmlns:r="http://schemas.openxmlformats.org/officeDocument/2006/relationships" xmlns:p="http://schemas.openxmlformats.org/presentationml/2006/main">
   <p:cSld>
     <p:spTree>
@@ -5463,7 +6275,7 @@
 </p:sld>
 </file>
 
-<file path=ppt/slides/slide14.xml><?xml version="1.0" encoding="utf-8"?>
+<file path=ppt/slides/slide18.xml><?xml version="1.0" encoding="utf-8"?>
 <p:sld xmlns:a="http://schemas.openxmlformats.org/drawingml/2006/main" xmlns:r="http://schemas.openxmlformats.org/officeDocument/2006/relationships" xmlns:p="http://schemas.openxmlformats.org/presentationml/2006/main">
   <p:cSld>
     <p:spTree>
@@ -5994,7 +6806,7 @@
 </p:sld>
 </file>
 
-<file path=ppt/slides/slide15.xml><?xml version="1.0" encoding="utf-8"?>
+<file path=ppt/slides/slide19.xml><?xml version="1.0" encoding="utf-8"?>
 <p:sld xmlns:a="http://schemas.openxmlformats.org/drawingml/2006/main" xmlns:r="http://schemas.openxmlformats.org/officeDocument/2006/relationships" xmlns:p="http://schemas.openxmlformats.org/presentationml/2006/main">
   <p:cSld>
     <p:spTree>
@@ -6551,7 +7363,7 @@
           <p:cNvPr id="2" name="Título 1">
             <a:extLst>
               <a:ext uri="{FF2B5EF4-FFF2-40B4-BE49-F238E27FC236}">
-                <a16:creationId xmlns:a16="http://schemas.microsoft.com/office/drawing/2014/main" id="{E9192180-C2D0-482A-9F8F-4362706604E0}"/>
+                <a16:creationId xmlns:a16="http://schemas.microsoft.com/office/drawing/2014/main" id="{A58879D6-46F4-44F8-A15A-4D7530098564}"/>
               </a:ext>
             </a:extLst>
           </p:cNvPr>
@@ -6569,7 +7381,7 @@
           <a:p>
             <a:r>
               <a:rPr lang="pt-BR" dirty="0"/>
-              <a:t>Estrutura de uma página em HTML</a:t>
+              <a:t>Entendendo o CSS</a:t>
             </a:r>
           </a:p>
         </p:txBody>
@@ -6579,7 +7391,7 @@
           <p:cNvPr id="3" name="Espaço Reservado para Conteúdo 2">
             <a:extLst>
               <a:ext uri="{FF2B5EF4-FFF2-40B4-BE49-F238E27FC236}">
-                <a16:creationId xmlns:a16="http://schemas.microsoft.com/office/drawing/2014/main" id="{0F50B637-BC29-4D69-B28A-93A2C9B5C2E9}"/>
+                <a16:creationId xmlns:a16="http://schemas.microsoft.com/office/drawing/2014/main" id="{D274D923-D9CB-42B3-957F-42489C6587FA}"/>
               </a:ext>
             </a:extLst>
           </p:cNvPr>
@@ -6592,8 +7404,8 @@
         </p:nvSpPr>
         <p:spPr>
           <a:xfrm>
-            <a:off x="592347" y="1844675"/>
-            <a:ext cx="11007306" cy="2135142"/>
+            <a:off x="749185" y="2007759"/>
+            <a:ext cx="6418053" cy="2222228"/>
           </a:xfrm>
         </p:spPr>
         <p:txBody>
@@ -6602,15 +7414,234 @@
           <a:p>
             <a:r>
               <a:rPr lang="pt-BR" dirty="0"/>
-              <a:t>Uma página HTML é composta por diferentes seções que ajudam a organizar e descrever o conteúdo de maneira semântica. Isso significa que cada parte da página tem um significado específico, que facilita tanto para os navegadores quanto para os humanos entenderem a hierarquia e o propósito de cada elemento. </a:t>
-            </a:r>
-          </a:p>
-        </p:txBody>
-      </p:sp>
+              <a:t>O CSS é uma linguagem que estiliza documentos HTML, controlando layout, formatação e design de páginas. Ele separa conteúdo e apresentação, facilitando a manutenção e aumentando a flexibilidade no desenvolvimento web.</a:t>
+            </a:r>
+          </a:p>
+        </p:txBody>
+      </p:sp>
+      <p:pic>
+        <p:nvPicPr>
+          <p:cNvPr id="4" name="Imagem 3">
+            <a:extLst>
+              <a:ext uri="{FF2B5EF4-FFF2-40B4-BE49-F238E27FC236}">
+                <a16:creationId xmlns:a16="http://schemas.microsoft.com/office/drawing/2014/main" id="{9EB97F65-468F-4C72-AFD7-5B610303D027}"/>
+              </a:ext>
+            </a:extLst>
+          </p:cNvPr>
+          <p:cNvPicPr>
+            <a:picLocks noChangeAspect="1"/>
+          </p:cNvPicPr>
+          <p:nvPr/>
+        </p:nvPicPr>
+        <p:blipFill>
+          <a:blip r:embed="rId2">
+            <a:extLst>
+              <a:ext uri="{28A0092B-C50C-407E-A947-70E740481C1C}">
+                <a14:useLocalDpi xmlns:a14="http://schemas.microsoft.com/office/drawing/2010/main" val="0"/>
+              </a:ext>
+            </a:extLst>
+          </a:blip>
+          <a:stretch>
+            <a:fillRect/>
+          </a:stretch>
+        </p:blipFill>
+        <p:spPr>
+          <a:xfrm>
+            <a:off x="8210007" y="2007759"/>
+            <a:ext cx="2915191" cy="4118287"/>
+          </a:xfrm>
+          <a:prstGeom prst="rect">
+            <a:avLst/>
+          </a:prstGeom>
+        </p:spPr>
+      </p:pic>
+      <p:sp>
+        <p:nvSpPr>
+          <p:cNvPr id="6" name="Retângulo 5">
+            <a:extLst>
+              <a:ext uri="{FF2B5EF4-FFF2-40B4-BE49-F238E27FC236}">
+                <a16:creationId xmlns:a16="http://schemas.microsoft.com/office/drawing/2014/main" id="{4388E001-F20B-4950-A4EB-29B3786A5F99}"/>
+              </a:ext>
+            </a:extLst>
+          </p:cNvPr>
+          <p:cNvSpPr/>
+          <p:nvPr/>
+        </p:nvSpPr>
+        <p:spPr>
+          <a:xfrm>
+            <a:off x="2047643" y="4738505"/>
+            <a:ext cx="1210491" cy="707886"/>
+          </a:xfrm>
+          <a:prstGeom prst="rect">
+            <a:avLst/>
+          </a:prstGeom>
+        </p:spPr>
+        <p:txBody>
+          <a:bodyPr wrap="square">
+            <a:spAutoFit/>
+          </a:bodyPr>
+          <a:lstStyle/>
+          <a:p>
+            <a:r>
+              <a:rPr lang="pt-BR" sz="4000" b="1" dirty="0">
+                <a:latin typeface="Times New Roman" panose="02020603050405020304" pitchFamily="18" charset="0"/>
+                <a:cs typeface="Times New Roman" panose="02020603050405020304" pitchFamily="18" charset="0"/>
+              </a:rPr>
+              <a:t>CSS</a:t>
+            </a:r>
+            <a:endParaRPr lang="pt-BR" b="1" dirty="0">
+              <a:latin typeface="Times New Roman" panose="02020603050405020304" pitchFamily="18" charset="0"/>
+              <a:cs typeface="Times New Roman" panose="02020603050405020304" pitchFamily="18" charset="0"/>
+            </a:endParaRPr>
+          </a:p>
+        </p:txBody>
+      </p:sp>
+      <p:sp>
+        <p:nvSpPr>
+          <p:cNvPr id="7" name="Retângulo 6">
+            <a:extLst>
+              <a:ext uri="{FF2B5EF4-FFF2-40B4-BE49-F238E27FC236}">
+                <a16:creationId xmlns:a16="http://schemas.microsoft.com/office/drawing/2014/main" id="{E68EF8B2-D5E0-4C02-BCA9-E7584A953D17}"/>
+              </a:ext>
+            </a:extLst>
+          </p:cNvPr>
+          <p:cNvSpPr/>
+          <p:nvPr/>
+        </p:nvSpPr>
+        <p:spPr>
+          <a:xfrm>
+            <a:off x="4449556" y="4630783"/>
+            <a:ext cx="1210491" cy="923330"/>
+          </a:xfrm>
+          <a:prstGeom prst="rect">
+            <a:avLst/>
+          </a:prstGeom>
+        </p:spPr>
+        <p:txBody>
+          <a:bodyPr wrap="square">
+            <a:spAutoFit/>
+          </a:bodyPr>
+          <a:lstStyle/>
+          <a:p>
+            <a:r>
+              <a:rPr lang="pt-BR" b="1" dirty="0" err="1">
+                <a:solidFill>
+                  <a:srgbClr val="0070C0"/>
+                </a:solidFill>
+                <a:latin typeface="Times New Roman" panose="02020603050405020304" pitchFamily="18" charset="0"/>
+                <a:cs typeface="Times New Roman" panose="02020603050405020304" pitchFamily="18" charset="0"/>
+              </a:rPr>
+              <a:t>C</a:t>
+            </a:r>
+            <a:r>
+              <a:rPr lang="pt-BR" b="1" dirty="0" err="1">
+                <a:latin typeface="Times New Roman" panose="02020603050405020304" pitchFamily="18" charset="0"/>
+                <a:cs typeface="Times New Roman" panose="02020603050405020304" pitchFamily="18" charset="0"/>
+              </a:rPr>
+              <a:t>ascading</a:t>
+            </a:r>
+            <a:endParaRPr lang="pt-BR" b="1" dirty="0">
+              <a:latin typeface="Times New Roman" panose="02020603050405020304" pitchFamily="18" charset="0"/>
+              <a:cs typeface="Times New Roman" panose="02020603050405020304" pitchFamily="18" charset="0"/>
+            </a:endParaRPr>
+          </a:p>
+          <a:p>
+            <a:r>
+              <a:rPr lang="pt-BR" b="1" dirty="0" err="1">
+                <a:solidFill>
+                  <a:srgbClr val="0070C0"/>
+                </a:solidFill>
+                <a:latin typeface="Times New Roman" panose="02020603050405020304" pitchFamily="18" charset="0"/>
+                <a:cs typeface="Times New Roman" panose="02020603050405020304" pitchFamily="18" charset="0"/>
+              </a:rPr>
+              <a:t>S</a:t>
+            </a:r>
+            <a:r>
+              <a:rPr lang="pt-BR" b="1" dirty="0" err="1">
+                <a:latin typeface="Times New Roman" panose="02020603050405020304" pitchFamily="18" charset="0"/>
+                <a:cs typeface="Times New Roman" panose="02020603050405020304" pitchFamily="18" charset="0"/>
+              </a:rPr>
+              <a:t>tyle</a:t>
+            </a:r>
+            <a:endParaRPr lang="pt-BR" b="1" dirty="0">
+              <a:latin typeface="Times New Roman" panose="02020603050405020304" pitchFamily="18" charset="0"/>
+              <a:cs typeface="Times New Roman" panose="02020603050405020304" pitchFamily="18" charset="0"/>
+            </a:endParaRPr>
+          </a:p>
+          <a:p>
+            <a:r>
+              <a:rPr lang="pt-BR" b="1" dirty="0" err="1">
+                <a:solidFill>
+                  <a:srgbClr val="0070C0"/>
+                </a:solidFill>
+                <a:latin typeface="Times New Roman" panose="02020603050405020304" pitchFamily="18" charset="0"/>
+                <a:cs typeface="Times New Roman" panose="02020603050405020304" pitchFamily="18" charset="0"/>
+              </a:rPr>
+              <a:t>S</a:t>
+            </a:r>
+            <a:r>
+              <a:rPr lang="pt-BR" b="1" dirty="0" err="1">
+                <a:latin typeface="Times New Roman" panose="02020603050405020304" pitchFamily="18" charset="0"/>
+                <a:cs typeface="Times New Roman" panose="02020603050405020304" pitchFamily="18" charset="0"/>
+              </a:rPr>
+              <a:t>heets</a:t>
+            </a:r>
+            <a:endParaRPr lang="pt-BR" b="1" dirty="0">
+              <a:latin typeface="Times New Roman" panose="02020603050405020304" pitchFamily="18" charset="0"/>
+              <a:cs typeface="Times New Roman" panose="02020603050405020304" pitchFamily="18" charset="0"/>
+            </a:endParaRPr>
+          </a:p>
+        </p:txBody>
+      </p:sp>
+      <p:cxnSp>
+        <p:nvCxnSpPr>
+          <p:cNvPr id="11" name="Conector de Seta Reta 10">
+            <a:extLst>
+              <a:ext uri="{FF2B5EF4-FFF2-40B4-BE49-F238E27FC236}">
+                <a16:creationId xmlns:a16="http://schemas.microsoft.com/office/drawing/2014/main" id="{262E5709-DBB3-46CB-9BBB-4D6DA160F533}"/>
+              </a:ext>
+            </a:extLst>
+          </p:cNvPr>
+          <p:cNvCxnSpPr>
+            <a:stCxn id="6" idx="3"/>
+            <a:endCxn id="7" idx="1"/>
+          </p:cNvCxnSpPr>
+          <p:nvPr/>
+        </p:nvCxnSpPr>
+        <p:spPr>
+          <a:xfrm>
+            <a:off x="3258134" y="5092448"/>
+            <a:ext cx="1191422" cy="0"/>
+          </a:xfrm>
+          <a:prstGeom prst="straightConnector1">
+            <a:avLst/>
+          </a:prstGeom>
+          <a:ln w="38100">
+            <a:solidFill>
+              <a:schemeClr val="tx1"/>
+            </a:solidFill>
+            <a:tailEnd type="triangle"/>
+          </a:ln>
+        </p:spPr>
+        <p:style>
+          <a:lnRef idx="1">
+            <a:schemeClr val="accent1"/>
+          </a:lnRef>
+          <a:fillRef idx="0">
+            <a:schemeClr val="accent1"/>
+          </a:fillRef>
+          <a:effectRef idx="0">
+            <a:schemeClr val="accent1"/>
+          </a:effectRef>
+          <a:fontRef idx="minor">
+            <a:schemeClr val="tx1"/>
+          </a:fontRef>
+        </p:style>
+      </p:cxnSp>
     </p:spTree>
     <p:extLst>
       <p:ext uri="{BB962C8B-B14F-4D97-AF65-F5344CB8AC3E}">
-        <p14:creationId xmlns:p14="http://schemas.microsoft.com/office/powerpoint/2010/main" val="3860388329"/>
+        <p14:creationId xmlns:p14="http://schemas.microsoft.com/office/powerpoint/2010/main" val="3342989571"/>
       </p:ext>
     </p:extLst>
   </p:cSld>
@@ -6642,7 +7673,7 @@
           <p:cNvPr id="2" name="Título 1">
             <a:extLst>
               <a:ext uri="{FF2B5EF4-FFF2-40B4-BE49-F238E27FC236}">
-                <a16:creationId xmlns:a16="http://schemas.microsoft.com/office/drawing/2014/main" id="{2E5BD174-CB19-4831-82DD-3C055286FB32}"/>
+                <a16:creationId xmlns:a16="http://schemas.microsoft.com/office/drawing/2014/main" id="{8A6B0301-0A3D-4305-8CB7-BDE9DEC188AA}"/>
               </a:ext>
             </a:extLst>
           </p:cNvPr>
@@ -6660,206 +7691,152 @@
           <a:p>
             <a:r>
               <a:rPr lang="pt-BR" dirty="0"/>
-              <a:t>Estilos CSS </a:t>
-            </a:r>
-            <a:r>
-              <a:rPr lang="pt-BR" dirty="0" err="1"/>
-              <a:t>inline</a:t>
-            </a:r>
-            <a:endParaRPr lang="pt-BR" dirty="0"/>
-          </a:p>
-        </p:txBody>
-      </p:sp>
-      <p:sp>
-        <p:nvSpPr>
-          <p:cNvPr id="3" name="Espaço Reservado para Conteúdo 2">
-            <a:extLst>
-              <a:ext uri="{FF2B5EF4-FFF2-40B4-BE49-F238E27FC236}">
-                <a16:creationId xmlns:a16="http://schemas.microsoft.com/office/drawing/2014/main" id="{6BE71D4A-859E-4BCB-B945-84CA67BA9E04}"/>
-              </a:ext>
-            </a:extLst>
-          </p:cNvPr>
-          <p:cNvSpPr>
-            <a:spLocks noGrp="1"/>
-          </p:cNvSpPr>
-          <p:nvPr>
-            <p:ph idx="1"/>
-          </p:nvPr>
-        </p:nvSpPr>
-        <p:spPr>
-          <a:xfrm>
-            <a:off x="592347" y="1844675"/>
-            <a:ext cx="11007306" cy="1584325"/>
-          </a:xfrm>
-        </p:spPr>
-        <p:txBody>
-          <a:bodyPr/>
-          <a:lstStyle/>
-          <a:p>
-            <a:r>
-              <a:rPr lang="pt-BR" dirty="0"/>
-              <a:t>CSS </a:t>
-            </a:r>
-            <a:r>
-              <a:rPr lang="pt-BR" dirty="0" err="1"/>
-              <a:t>inline</a:t>
-            </a:r>
-            <a:r>
-              <a:rPr lang="pt-BR" dirty="0"/>
-              <a:t> é uma forma de aplicar estilos diretamente a um elemento HTML, utilizando o atributo </a:t>
-            </a:r>
-            <a:r>
-              <a:rPr lang="pt-BR" dirty="0" err="1"/>
-              <a:t>style</a:t>
-            </a:r>
-            <a:r>
-              <a:rPr lang="pt-BR" dirty="0"/>
-              <a:t> dentro da </a:t>
-            </a:r>
-            <a:r>
-              <a:rPr lang="pt-BR" dirty="0" err="1"/>
-              <a:t>tag</a:t>
-            </a:r>
-            <a:r>
-              <a:rPr lang="pt-BR" dirty="0"/>
-              <a:t> desse elemento. Essa técnica permite personalizar rapidamente a aparência de um elemento específico, sem a necessidade de criar um arquivo CSS externo ou um bloco de estilo interno.</a:t>
-            </a:r>
-          </a:p>
-        </p:txBody>
-      </p:sp>
-      <p:sp>
-        <p:nvSpPr>
-          <p:cNvPr id="5" name="Retângulo 4">
-            <a:extLst>
-              <a:ext uri="{FF2B5EF4-FFF2-40B4-BE49-F238E27FC236}">
-                <a16:creationId xmlns:a16="http://schemas.microsoft.com/office/drawing/2014/main" id="{614C6CEC-F293-4EA3-AB60-87527F423CD3}"/>
-              </a:ext>
-            </a:extLst>
-          </p:cNvPr>
-          <p:cNvSpPr/>
+              <a:t>Sintaxe CSS</a:t>
+            </a:r>
+          </a:p>
+        </p:txBody>
+      </p:sp>
+      <p:sp>
+        <p:nvSpPr>
+          <p:cNvPr id="4" name="CaixaDeTexto 3">
+            <a:extLst>
+              <a:ext uri="{FF2B5EF4-FFF2-40B4-BE49-F238E27FC236}">
+                <a16:creationId xmlns:a16="http://schemas.microsoft.com/office/drawing/2014/main" id="{5C2297F7-8B87-47B6-8D66-548E660BD791}"/>
+              </a:ext>
+            </a:extLst>
+          </p:cNvPr>
+          <p:cNvSpPr txBox="1"/>
           <p:nvPr/>
         </p:nvSpPr>
         <p:spPr>
           <a:xfrm>
-            <a:off x="2360023" y="5094961"/>
-            <a:ext cx="7471954" cy="369332"/>
+            <a:off x="3459729" y="2682240"/>
+            <a:ext cx="5105400" cy="2800767"/>
           </a:xfrm>
           <a:prstGeom prst="rect">
             <a:avLst/>
           </a:prstGeom>
-        </p:spPr>
-        <p:txBody>
-          <a:bodyPr wrap="square">
+          <a:noFill/>
+        </p:spPr>
+        <p:txBody>
+          <a:bodyPr wrap="square" rtlCol="0">
             <a:spAutoFit/>
           </a:bodyPr>
           <a:lstStyle/>
           <a:p>
             <a:r>
-              <a:rPr lang="pt-BR" dirty="0">
-                <a:solidFill>
-                  <a:srgbClr val="800000"/>
-                </a:solidFill>
-                <a:latin typeface="Consolas" panose="020B0609020204030204" pitchFamily="49" charset="0"/>
-              </a:rPr>
-              <a:t>&lt;h1</a:t>
-            </a:r>
-            <a:r>
-              <a:rPr lang="pt-BR" dirty="0">
-                <a:solidFill>
-                  <a:srgbClr val="000000"/>
-                </a:solidFill>
-                <a:latin typeface="Consolas" panose="020B0609020204030204" pitchFamily="49" charset="0"/>
-              </a:rPr>
-              <a:t> </a:t>
-            </a:r>
-            <a:r>
-              <a:rPr lang="pt-BR" dirty="0" err="1">
-                <a:solidFill>
-                  <a:srgbClr val="E50000"/>
-                </a:solidFill>
-                <a:latin typeface="Consolas" panose="020B0609020204030204" pitchFamily="49" charset="0"/>
-              </a:rPr>
-              <a:t>style</a:t>
-            </a:r>
-            <a:r>
-              <a:rPr lang="pt-BR" dirty="0">
-                <a:solidFill>
-                  <a:srgbClr val="000000"/>
-                </a:solidFill>
-                <a:latin typeface="Consolas" panose="020B0609020204030204" pitchFamily="49" charset="0"/>
-              </a:rPr>
-              <a:t>=</a:t>
-            </a:r>
-            <a:r>
-              <a:rPr lang="pt-BR" dirty="0">
-                <a:solidFill>
-                  <a:srgbClr val="0000FF"/>
-                </a:solidFill>
-                <a:latin typeface="Consolas" panose="020B0609020204030204" pitchFamily="49" charset="0"/>
-              </a:rPr>
-              <a:t>"color: </a:t>
-            </a:r>
-            <a:r>
-              <a:rPr lang="pt-BR" dirty="0" err="1">
-                <a:solidFill>
-                  <a:srgbClr val="0000FF"/>
-                </a:solidFill>
-                <a:latin typeface="Consolas" panose="020B0609020204030204" pitchFamily="49" charset="0"/>
-              </a:rPr>
-              <a:t>green</a:t>
-            </a:r>
-            <a:r>
-              <a:rPr lang="pt-BR" dirty="0">
-                <a:solidFill>
-                  <a:srgbClr val="0000FF"/>
-                </a:solidFill>
-                <a:latin typeface="Consolas" panose="020B0609020204030204" pitchFamily="49" charset="0"/>
-              </a:rPr>
-              <a:t>;"</a:t>
-            </a:r>
-            <a:r>
-              <a:rPr lang="pt-BR" dirty="0">
-                <a:solidFill>
-                  <a:srgbClr val="800000"/>
-                </a:solidFill>
-                <a:latin typeface="Consolas" panose="020B0609020204030204" pitchFamily="49" charset="0"/>
-              </a:rPr>
-              <a:t>&gt;</a:t>
-            </a:r>
-            <a:r>
-              <a:rPr lang="pt-BR" dirty="0">
-                <a:solidFill>
-                  <a:srgbClr val="000000"/>
-                </a:solidFill>
-                <a:latin typeface="Consolas" panose="020B0609020204030204" pitchFamily="49" charset="0"/>
-              </a:rPr>
-              <a:t>A Importância da Reciclagem</a:t>
-            </a:r>
-            <a:r>
-              <a:rPr lang="pt-BR" dirty="0">
-                <a:solidFill>
-                  <a:srgbClr val="800000"/>
-                </a:solidFill>
-                <a:latin typeface="Consolas" panose="020B0609020204030204" pitchFamily="49" charset="0"/>
-              </a:rPr>
-              <a:t>&lt;/h1&gt;</a:t>
-            </a:r>
-            <a:endParaRPr lang="pt-BR" b="0" dirty="0">
-              <a:solidFill>
-                <a:srgbClr val="000000"/>
-              </a:solidFill>
-              <a:effectLst/>
-              <a:latin typeface="Consolas" panose="020B0609020204030204" pitchFamily="49" charset="0"/>
-            </a:endParaRPr>
-          </a:p>
-        </p:txBody>
-      </p:sp>
-      <p:sp>
-        <p:nvSpPr>
-          <p:cNvPr id="6" name="Retângulo 5">
-            <a:extLst>
-              <a:ext uri="{FF2B5EF4-FFF2-40B4-BE49-F238E27FC236}">
-                <a16:creationId xmlns:a16="http://schemas.microsoft.com/office/drawing/2014/main" id="{F50E7DC2-0DC2-4E5D-AD81-4F0F751A5E3F}"/>
+              <a:rPr lang="pt-BR" sz="4000" b="1" dirty="0">
+                <a:solidFill>
+                  <a:schemeClr val="accent1">
+                    <a:lumMod val="75000"/>
+                  </a:schemeClr>
+                </a:solidFill>
+                <a:latin typeface="Times New Roman" panose="02020603050405020304" pitchFamily="18" charset="0"/>
+                <a:cs typeface="Times New Roman" panose="02020603050405020304" pitchFamily="18" charset="0"/>
+              </a:rPr>
+              <a:t>h1</a:t>
+            </a:r>
+            <a:r>
+              <a:rPr lang="pt-BR" sz="4000" b="1" dirty="0">
+                <a:latin typeface="Times New Roman" panose="02020603050405020304" pitchFamily="18" charset="0"/>
+                <a:cs typeface="Times New Roman" panose="02020603050405020304" pitchFamily="18" charset="0"/>
+              </a:rPr>
+              <a:t> {</a:t>
+            </a:r>
+          </a:p>
+          <a:p>
+            <a:r>
+              <a:rPr lang="pt-BR" sz="4000" b="1" dirty="0">
+                <a:latin typeface="Times New Roman" panose="02020603050405020304" pitchFamily="18" charset="0"/>
+                <a:cs typeface="Times New Roman" panose="02020603050405020304" pitchFamily="18" charset="0"/>
+              </a:rPr>
+              <a:t>	</a:t>
+            </a:r>
+            <a:r>
+              <a:rPr lang="pt-BR" sz="2800" b="1" dirty="0" err="1">
+                <a:latin typeface="Times New Roman" panose="02020603050405020304" pitchFamily="18" charset="0"/>
+                <a:cs typeface="Times New Roman" panose="02020603050405020304" pitchFamily="18" charset="0"/>
+              </a:rPr>
+              <a:t>font-family</a:t>
+            </a:r>
+            <a:r>
+              <a:rPr lang="pt-BR" sz="2800" b="1" dirty="0">
+                <a:latin typeface="Times New Roman" panose="02020603050405020304" pitchFamily="18" charset="0"/>
+                <a:cs typeface="Times New Roman" panose="02020603050405020304" pitchFamily="18" charset="0"/>
+              </a:rPr>
+              <a:t>: </a:t>
+            </a:r>
+            <a:r>
+              <a:rPr lang="pt-BR" sz="2800" dirty="0">
+                <a:latin typeface="Times New Roman" panose="02020603050405020304" pitchFamily="18" charset="0"/>
+                <a:cs typeface="Times New Roman" panose="02020603050405020304" pitchFamily="18" charset="0"/>
+              </a:rPr>
+              <a:t>Arial;</a:t>
+            </a:r>
+          </a:p>
+          <a:p>
+            <a:r>
+              <a:rPr lang="pt-BR" sz="2800" b="1" dirty="0">
+                <a:latin typeface="Times New Roman" panose="02020603050405020304" pitchFamily="18" charset="0"/>
+                <a:cs typeface="Times New Roman" panose="02020603050405020304" pitchFamily="18" charset="0"/>
+              </a:rPr>
+              <a:t>	</a:t>
+            </a:r>
+            <a:r>
+              <a:rPr lang="pt-BR" sz="2800" b="1" dirty="0" err="1">
+                <a:latin typeface="Times New Roman" panose="02020603050405020304" pitchFamily="18" charset="0"/>
+                <a:cs typeface="Times New Roman" panose="02020603050405020304" pitchFamily="18" charset="0"/>
+              </a:rPr>
+              <a:t>font-size</a:t>
+            </a:r>
+            <a:r>
+              <a:rPr lang="pt-BR" sz="2800" b="1" dirty="0">
+                <a:latin typeface="Times New Roman" panose="02020603050405020304" pitchFamily="18" charset="0"/>
+                <a:cs typeface="Times New Roman" panose="02020603050405020304" pitchFamily="18" charset="0"/>
+              </a:rPr>
+              <a:t>: </a:t>
+            </a:r>
+            <a:r>
+              <a:rPr lang="pt-BR" sz="2800" dirty="0">
+                <a:latin typeface="Times New Roman" panose="02020603050405020304" pitchFamily="18" charset="0"/>
+                <a:cs typeface="Times New Roman" panose="02020603050405020304" pitchFamily="18" charset="0"/>
+              </a:rPr>
+              <a:t>20px;</a:t>
+            </a:r>
+          </a:p>
+          <a:p>
+            <a:r>
+              <a:rPr lang="pt-BR" sz="2800" b="1" dirty="0">
+                <a:latin typeface="Times New Roman" panose="02020603050405020304" pitchFamily="18" charset="0"/>
+                <a:cs typeface="Times New Roman" panose="02020603050405020304" pitchFamily="18" charset="0"/>
+              </a:rPr>
+              <a:t>	color: </a:t>
+            </a:r>
+            <a:r>
+              <a:rPr lang="pt-BR" sz="2800" dirty="0">
+                <a:latin typeface="Times New Roman" panose="02020603050405020304" pitchFamily="18" charset="0"/>
+                <a:cs typeface="Times New Roman" panose="02020603050405020304" pitchFamily="18" charset="0"/>
+              </a:rPr>
+              <a:t>blue;</a:t>
+            </a:r>
+          </a:p>
+          <a:p>
+            <a:r>
+              <a:rPr lang="pt-BR" sz="4000" b="1" dirty="0">
+                <a:latin typeface="Times New Roman" panose="02020603050405020304" pitchFamily="18" charset="0"/>
+                <a:cs typeface="Times New Roman" panose="02020603050405020304" pitchFamily="18" charset="0"/>
+              </a:rPr>
+              <a:t>}</a:t>
+            </a:r>
+          </a:p>
+        </p:txBody>
+      </p:sp>
+      <p:sp>
+        <p:nvSpPr>
+          <p:cNvPr id="5" name="Retângulo 4">
+            <a:extLst>
+              <a:ext uri="{FF2B5EF4-FFF2-40B4-BE49-F238E27FC236}">
+                <a16:creationId xmlns:a16="http://schemas.microsoft.com/office/drawing/2014/main" id="{19610297-BA30-4A4B-9C9B-E5F9D4DE45E5}"/>
               </a:ext>
             </a:extLst>
           </p:cNvPr>
@@ -6868,117 +7845,391 @@
         </p:nvSpPr>
         <p:spPr>
           <a:xfrm>
-            <a:off x="2803078" y="3970682"/>
-            <a:ext cx="6585845" cy="369332"/>
+            <a:off x="4428394" y="1931907"/>
+            <a:ext cx="952505" cy="400110"/>
           </a:xfrm>
           <a:prstGeom prst="rect">
             <a:avLst/>
           </a:prstGeom>
         </p:spPr>
         <p:txBody>
-          <a:bodyPr wrap="square">
+          <a:bodyPr wrap="none">
             <a:spAutoFit/>
           </a:bodyPr>
           <a:lstStyle/>
           <a:p>
             <a:r>
-              <a:rPr lang="pt-BR" dirty="0">
-                <a:solidFill>
-                  <a:srgbClr val="800000"/>
-                </a:solidFill>
-                <a:latin typeface="Consolas" panose="020B0609020204030204" pitchFamily="49" charset="0"/>
-              </a:rPr>
-              <a:t>&lt;</a:t>
-            </a:r>
-            <a:r>
-              <a:rPr lang="pt-BR" dirty="0" err="1">
-                <a:solidFill>
-                  <a:srgbClr val="800000"/>
-                </a:solidFill>
-                <a:latin typeface="Consolas" panose="020B0609020204030204" pitchFamily="49" charset="0"/>
-              </a:rPr>
-              <a:t>body</a:t>
-            </a:r>
-            <a:r>
-              <a:rPr lang="pt-BR" dirty="0">
-                <a:solidFill>
-                  <a:srgbClr val="000000"/>
-                </a:solidFill>
-                <a:latin typeface="Consolas" panose="020B0609020204030204" pitchFamily="49" charset="0"/>
-              </a:rPr>
-              <a:t> </a:t>
-            </a:r>
-            <a:r>
-              <a:rPr lang="pt-BR" dirty="0" err="1">
-                <a:solidFill>
-                  <a:srgbClr val="E50000"/>
-                </a:solidFill>
-                <a:latin typeface="Consolas" panose="020B0609020204030204" pitchFamily="49" charset="0"/>
-              </a:rPr>
-              <a:t>style</a:t>
-            </a:r>
-            <a:r>
-              <a:rPr lang="pt-BR" dirty="0">
-                <a:solidFill>
-                  <a:srgbClr val="000000"/>
-                </a:solidFill>
-                <a:latin typeface="Consolas" panose="020B0609020204030204" pitchFamily="49" charset="0"/>
-              </a:rPr>
-              <a:t>=</a:t>
-            </a:r>
-            <a:r>
-              <a:rPr lang="pt-BR" dirty="0">
-                <a:solidFill>
-                  <a:srgbClr val="0000FF"/>
-                </a:solidFill>
-                <a:latin typeface="Consolas" panose="020B0609020204030204" pitchFamily="49" charset="0"/>
-              </a:rPr>
-              <a:t>"background-color: </a:t>
-            </a:r>
-            <a:r>
-              <a:rPr lang="pt-BR" dirty="0" err="1">
-                <a:solidFill>
-                  <a:srgbClr val="0000FF"/>
-                </a:solidFill>
-                <a:latin typeface="Consolas" panose="020B0609020204030204" pitchFamily="49" charset="0"/>
-              </a:rPr>
-              <a:t>lightgray</a:t>
-            </a:r>
-            <a:r>
-              <a:rPr lang="pt-BR" dirty="0">
-                <a:solidFill>
-                  <a:srgbClr val="0000FF"/>
-                </a:solidFill>
-                <a:latin typeface="Consolas" panose="020B0609020204030204" pitchFamily="49" charset="0"/>
-              </a:rPr>
-              <a:t>;"</a:t>
-            </a:r>
-            <a:r>
-              <a:rPr lang="pt-BR" dirty="0">
-                <a:solidFill>
-                  <a:srgbClr val="800000"/>
-                </a:solidFill>
-                <a:latin typeface="Consolas" panose="020B0609020204030204" pitchFamily="49" charset="0"/>
-              </a:rPr>
-              <a:t>&gt;&lt;/</a:t>
-            </a:r>
-            <a:r>
-              <a:rPr lang="pt-BR" dirty="0" err="1">
-                <a:solidFill>
-                  <a:srgbClr val="800000"/>
-                </a:solidFill>
-                <a:latin typeface="Consolas" panose="020B0609020204030204" pitchFamily="49" charset="0"/>
-              </a:rPr>
-              <a:t>body</a:t>
-            </a:r>
-            <a:r>
-              <a:rPr lang="pt-BR" dirty="0">
-                <a:solidFill>
-                  <a:srgbClr val="800000"/>
-                </a:solidFill>
-                <a:latin typeface="Consolas" panose="020B0609020204030204" pitchFamily="49" charset="0"/>
-              </a:rPr>
-              <a:t>&gt;</a:t>
+              <a:rPr lang="pt-BR" sz="2000" b="1" dirty="0">
+                <a:solidFill>
+                  <a:schemeClr val="accent2">
+                    <a:lumMod val="75000"/>
+                  </a:schemeClr>
+                </a:solidFill>
+                <a:latin typeface="Times New Roman" panose="02020603050405020304" pitchFamily="18" charset="0"/>
+                <a:cs typeface="Times New Roman" panose="02020603050405020304" pitchFamily="18" charset="0"/>
+              </a:rPr>
+              <a:t>Seletor</a:t>
+            </a:r>
+          </a:p>
+        </p:txBody>
+      </p:sp>
+      <p:cxnSp>
+        <p:nvCxnSpPr>
+          <p:cNvPr id="6" name="Conector: Curvo 5">
+            <a:extLst>
+              <a:ext uri="{FF2B5EF4-FFF2-40B4-BE49-F238E27FC236}">
+                <a16:creationId xmlns:a16="http://schemas.microsoft.com/office/drawing/2014/main" id="{70227FA7-72B6-4D8F-8F1C-71A62E74C385}"/>
+              </a:ext>
+            </a:extLst>
+          </p:cNvPr>
+          <p:cNvCxnSpPr>
+            <a:cxnSpLocks/>
+            <a:endCxn id="5" idx="1"/>
+          </p:cNvCxnSpPr>
+          <p:nvPr/>
+        </p:nvCxnSpPr>
+        <p:spPr>
+          <a:xfrm rot="5400000" flipH="1" flipV="1">
+            <a:off x="3840372" y="2170420"/>
+            <a:ext cx="626479" cy="549565"/>
+          </a:xfrm>
+          <a:prstGeom prst="curvedConnector2">
+            <a:avLst/>
+          </a:prstGeom>
+          <a:ln w="28575">
+            <a:solidFill>
+              <a:schemeClr val="tx1"/>
+            </a:solidFill>
+            <a:tailEnd type="triangle"/>
+          </a:ln>
+        </p:spPr>
+        <p:style>
+          <a:lnRef idx="1">
+            <a:schemeClr val="accent1"/>
+          </a:lnRef>
+          <a:fillRef idx="0">
+            <a:schemeClr val="accent1"/>
+          </a:fillRef>
+          <a:effectRef idx="0">
+            <a:schemeClr val="accent1"/>
+          </a:effectRef>
+          <a:fontRef idx="minor">
+            <a:schemeClr val="tx1"/>
+          </a:fontRef>
+        </p:style>
+      </p:cxnSp>
+      <p:sp>
+        <p:nvSpPr>
+          <p:cNvPr id="7" name="Retângulo 6">
+            <a:extLst>
+              <a:ext uri="{FF2B5EF4-FFF2-40B4-BE49-F238E27FC236}">
+                <a16:creationId xmlns:a16="http://schemas.microsoft.com/office/drawing/2014/main" id="{8981105C-09FC-438F-B33D-E16EA7867441}"/>
+              </a:ext>
+            </a:extLst>
+          </p:cNvPr>
+          <p:cNvSpPr/>
+          <p:nvPr/>
+        </p:nvSpPr>
+        <p:spPr>
+          <a:xfrm>
+            <a:off x="4363161" y="3486575"/>
+            <a:ext cx="3069935" cy="480304"/>
+          </a:xfrm>
+          <a:prstGeom prst="rect">
+            <a:avLst/>
+          </a:prstGeom>
+          <a:noFill/>
+          <a:ln w="38100">
+            <a:solidFill>
+              <a:schemeClr val="tx1">
+                <a:lumMod val="95000"/>
+                <a:lumOff val="5000"/>
+              </a:schemeClr>
+            </a:solidFill>
+          </a:ln>
+        </p:spPr>
+        <p:style>
+          <a:lnRef idx="2">
+            <a:schemeClr val="accent1">
+              <a:shade val="50000"/>
+            </a:schemeClr>
+          </a:lnRef>
+          <a:fillRef idx="1">
+            <a:schemeClr val="accent1"/>
+          </a:fillRef>
+          <a:effectRef idx="0">
+            <a:schemeClr val="accent1"/>
+          </a:effectRef>
+          <a:fontRef idx="minor">
+            <a:schemeClr val="lt1"/>
+          </a:fontRef>
+        </p:style>
+        <p:txBody>
+          <a:bodyPr rtlCol="0" anchor="ctr"/>
+          <a:lstStyle/>
+          <a:p>
+            <a:pPr algn="ctr"/>
+            <a:endParaRPr lang="pt-BR">
+              <a:latin typeface="Times New Roman" panose="02020603050405020304" pitchFamily="18" charset="0"/>
+              <a:cs typeface="Times New Roman" panose="02020603050405020304" pitchFamily="18" charset="0"/>
+            </a:endParaRPr>
+          </a:p>
+        </p:txBody>
+      </p:sp>
+      <p:cxnSp>
+        <p:nvCxnSpPr>
+          <p:cNvPr id="8" name="Conector: Curvo 7">
+            <a:extLst>
+              <a:ext uri="{FF2B5EF4-FFF2-40B4-BE49-F238E27FC236}">
+                <a16:creationId xmlns:a16="http://schemas.microsoft.com/office/drawing/2014/main" id="{0BEC375C-5FCE-48FB-895A-A1CD88F9593D}"/>
+              </a:ext>
+            </a:extLst>
+          </p:cNvPr>
+          <p:cNvCxnSpPr>
+            <a:cxnSpLocks/>
+          </p:cNvCxnSpPr>
+          <p:nvPr/>
+        </p:nvCxnSpPr>
+        <p:spPr>
+          <a:xfrm rot="5400000" flipH="1" flipV="1">
+            <a:off x="6621673" y="2853106"/>
+            <a:ext cx="626477" cy="549565"/>
+          </a:xfrm>
+          <a:prstGeom prst="curvedConnector2">
+            <a:avLst/>
+          </a:prstGeom>
+          <a:ln w="28575">
+            <a:solidFill>
+              <a:schemeClr val="tx1"/>
+            </a:solidFill>
+            <a:tailEnd type="triangle"/>
+          </a:ln>
+        </p:spPr>
+        <p:style>
+          <a:lnRef idx="1">
+            <a:schemeClr val="accent1"/>
+          </a:lnRef>
+          <a:fillRef idx="0">
+            <a:schemeClr val="accent1"/>
+          </a:fillRef>
+          <a:effectRef idx="0">
+            <a:schemeClr val="accent1"/>
+          </a:effectRef>
+          <a:fontRef idx="minor">
+            <a:schemeClr val="tx1"/>
+          </a:fontRef>
+        </p:style>
+      </p:cxnSp>
+      <p:sp>
+        <p:nvSpPr>
+          <p:cNvPr id="9" name="Retângulo 8">
+            <a:extLst>
+              <a:ext uri="{FF2B5EF4-FFF2-40B4-BE49-F238E27FC236}">
+                <a16:creationId xmlns:a16="http://schemas.microsoft.com/office/drawing/2014/main" id="{2B1D14D0-03D9-47CD-9ACB-B041F81FD9E8}"/>
+              </a:ext>
+            </a:extLst>
+          </p:cNvPr>
+          <p:cNvSpPr/>
+          <p:nvPr/>
+        </p:nvSpPr>
+        <p:spPr>
+          <a:xfrm>
+            <a:off x="7322911" y="2614595"/>
+            <a:ext cx="1409360" cy="400110"/>
+          </a:xfrm>
+          <a:prstGeom prst="rect">
+            <a:avLst/>
+          </a:prstGeom>
+        </p:spPr>
+        <p:txBody>
+          <a:bodyPr wrap="none">
+            <a:spAutoFit/>
+          </a:bodyPr>
+          <a:lstStyle/>
+          <a:p>
+            <a:r>
+              <a:rPr lang="pt-BR" sz="2000" b="1" dirty="0">
+                <a:solidFill>
+                  <a:schemeClr val="accent2">
+                    <a:lumMod val="75000"/>
+                  </a:schemeClr>
+                </a:solidFill>
+                <a:latin typeface="Times New Roman" panose="02020603050405020304" pitchFamily="18" charset="0"/>
+                <a:cs typeface="Times New Roman" panose="02020603050405020304" pitchFamily="18" charset="0"/>
+              </a:rPr>
+              <a:t>Declaração</a:t>
+            </a:r>
+          </a:p>
+        </p:txBody>
+      </p:sp>
+      <p:cxnSp>
+        <p:nvCxnSpPr>
+          <p:cNvPr id="10" name="Conector: Curvo 9">
+            <a:extLst>
+              <a:ext uri="{FF2B5EF4-FFF2-40B4-BE49-F238E27FC236}">
+                <a16:creationId xmlns:a16="http://schemas.microsoft.com/office/drawing/2014/main" id="{184BCC31-0677-44AF-93D8-485C776B3E35}"/>
+              </a:ext>
+            </a:extLst>
+          </p:cNvPr>
+          <p:cNvCxnSpPr>
+            <a:cxnSpLocks/>
+          </p:cNvCxnSpPr>
+          <p:nvPr/>
+        </p:nvCxnSpPr>
+        <p:spPr>
+          <a:xfrm rot="16200000" flipH="1">
+            <a:off x="4636735" y="5030833"/>
+            <a:ext cx="575733" cy="61083"/>
+          </a:xfrm>
+          <a:prstGeom prst="curvedConnector3">
+            <a:avLst>
+              <a:gd name="adj1" fmla="val 50000"/>
+            </a:avLst>
+          </a:prstGeom>
+          <a:ln w="28575">
+            <a:solidFill>
+              <a:schemeClr val="tx1"/>
+            </a:solidFill>
+            <a:tailEnd type="triangle"/>
+          </a:ln>
+        </p:spPr>
+        <p:style>
+          <a:lnRef idx="1">
+            <a:schemeClr val="accent1"/>
+          </a:lnRef>
+          <a:fillRef idx="0">
+            <a:schemeClr val="accent1"/>
+          </a:fillRef>
+          <a:effectRef idx="0">
+            <a:schemeClr val="accent1"/>
+          </a:effectRef>
+          <a:fontRef idx="minor">
+            <a:schemeClr val="tx1"/>
+          </a:fontRef>
+        </p:style>
+      </p:cxnSp>
+      <p:sp>
+        <p:nvSpPr>
+          <p:cNvPr id="11" name="Retângulo 10">
+            <a:extLst>
+              <a:ext uri="{FF2B5EF4-FFF2-40B4-BE49-F238E27FC236}">
+                <a16:creationId xmlns:a16="http://schemas.microsoft.com/office/drawing/2014/main" id="{E35E553A-4B5E-494C-A60B-72A6D89A2EE3}"/>
+              </a:ext>
+            </a:extLst>
+          </p:cNvPr>
+          <p:cNvSpPr/>
+          <p:nvPr/>
+        </p:nvSpPr>
+        <p:spPr>
+          <a:xfrm>
+            <a:off x="4194642" y="5245377"/>
+            <a:ext cx="1547411" cy="400110"/>
+          </a:xfrm>
+          <a:prstGeom prst="rect">
+            <a:avLst/>
+          </a:prstGeom>
+        </p:spPr>
+        <p:txBody>
+          <a:bodyPr wrap="none">
+            <a:spAutoFit/>
+          </a:bodyPr>
+          <a:lstStyle/>
+          <a:p>
+            <a:r>
+              <a:rPr lang="pt-BR" sz="2000" b="1" dirty="0">
+                <a:solidFill>
+                  <a:schemeClr val="accent2">
+                    <a:lumMod val="75000"/>
+                  </a:schemeClr>
+                </a:solidFill>
+                <a:latin typeface="Times New Roman" panose="02020603050405020304" pitchFamily="18" charset="0"/>
+                <a:cs typeface="Times New Roman" panose="02020603050405020304" pitchFamily="18" charset="0"/>
+              </a:rPr>
+              <a:t>Propriedade</a:t>
+            </a:r>
+          </a:p>
+        </p:txBody>
+      </p:sp>
+      <p:cxnSp>
+        <p:nvCxnSpPr>
+          <p:cNvPr id="12" name="Conector de Seta Reta 11">
+            <a:extLst>
+              <a:ext uri="{FF2B5EF4-FFF2-40B4-BE49-F238E27FC236}">
+                <a16:creationId xmlns:a16="http://schemas.microsoft.com/office/drawing/2014/main" id="{61293809-80E2-43EF-8F73-EC3A2CB5445D}"/>
+              </a:ext>
+            </a:extLst>
+          </p:cNvPr>
+          <p:cNvCxnSpPr/>
+          <p:nvPr/>
+        </p:nvCxnSpPr>
+        <p:spPr>
+          <a:xfrm>
+            <a:off x="6355329" y="4663440"/>
+            <a:ext cx="579582" cy="0"/>
+          </a:xfrm>
+          <a:prstGeom prst="straightConnector1">
+            <a:avLst/>
+          </a:prstGeom>
+          <a:ln w="28575">
+            <a:solidFill>
+              <a:schemeClr val="tx1"/>
+            </a:solidFill>
+            <a:tailEnd type="triangle"/>
+          </a:ln>
+        </p:spPr>
+        <p:style>
+          <a:lnRef idx="1">
+            <a:schemeClr val="accent1"/>
+          </a:lnRef>
+          <a:fillRef idx="0">
+            <a:schemeClr val="accent1"/>
+          </a:fillRef>
+          <a:effectRef idx="0">
+            <a:schemeClr val="accent1"/>
+          </a:effectRef>
+          <a:fontRef idx="minor">
+            <a:schemeClr val="tx1"/>
+          </a:fontRef>
+        </p:style>
+      </p:cxnSp>
+      <p:sp>
+        <p:nvSpPr>
+          <p:cNvPr id="13" name="Retângulo 12">
+            <a:extLst>
+              <a:ext uri="{FF2B5EF4-FFF2-40B4-BE49-F238E27FC236}">
+                <a16:creationId xmlns:a16="http://schemas.microsoft.com/office/drawing/2014/main" id="{B949D8F3-0C20-4147-A181-6464B5D360BA}"/>
+              </a:ext>
+            </a:extLst>
+          </p:cNvPr>
+          <p:cNvSpPr/>
+          <p:nvPr/>
+        </p:nvSpPr>
+        <p:spPr>
+          <a:xfrm>
+            <a:off x="6973205" y="4463385"/>
+            <a:ext cx="811697" cy="400110"/>
+          </a:xfrm>
+          <a:prstGeom prst="rect">
+            <a:avLst/>
+          </a:prstGeom>
+        </p:spPr>
+        <p:txBody>
+          <a:bodyPr wrap="none">
+            <a:spAutoFit/>
+          </a:bodyPr>
+          <a:lstStyle/>
+          <a:p>
+            <a:r>
+              <a:rPr lang="pt-BR" sz="2000" b="1" dirty="0">
+                <a:solidFill>
+                  <a:schemeClr val="accent2">
+                    <a:lumMod val="75000"/>
+                  </a:schemeClr>
+                </a:solidFill>
+                <a:latin typeface="Times New Roman" panose="02020603050405020304" pitchFamily="18" charset="0"/>
+                <a:cs typeface="Times New Roman" panose="02020603050405020304" pitchFamily="18" charset="0"/>
+              </a:rPr>
+              <a:t>Valor</a:t>
             </a:r>
           </a:p>
         </p:txBody>
@@ -6986,7 +8237,7 @@
     </p:spTree>
     <p:extLst>
       <p:ext uri="{BB962C8B-B14F-4D97-AF65-F5344CB8AC3E}">
-        <p14:creationId xmlns:p14="http://schemas.microsoft.com/office/powerpoint/2010/main" val="1719219419"/>
+        <p14:creationId xmlns:p14="http://schemas.microsoft.com/office/powerpoint/2010/main" val="2345786867"/>
       </p:ext>
     </p:extLst>
   </p:cSld>
@@ -7018,7 +8269,7 @@
           <p:cNvPr id="2" name="Título 1">
             <a:extLst>
               <a:ext uri="{FF2B5EF4-FFF2-40B4-BE49-F238E27FC236}">
-                <a16:creationId xmlns:a16="http://schemas.microsoft.com/office/drawing/2014/main" id="{2E5BD174-CB19-4831-82DD-3C055286FB32}"/>
+                <a16:creationId xmlns:a16="http://schemas.microsoft.com/office/drawing/2014/main" id="{646217B0-0726-4944-99EB-D6D5B0627E58}"/>
               </a:ext>
             </a:extLst>
           </p:cNvPr>
@@ -7036,7 +8287,7 @@
           <a:p>
             <a:r>
               <a:rPr lang="pt-BR" dirty="0"/>
-              <a:t>Estilos CSS internos</a:t>
+              <a:t>Importância do CSS</a:t>
             </a:r>
           </a:p>
         </p:txBody>
@@ -7046,7 +8297,7 @@
           <p:cNvPr id="3" name="Espaço Reservado para Conteúdo 2">
             <a:extLst>
               <a:ext uri="{FF2B5EF4-FFF2-40B4-BE49-F238E27FC236}">
-                <a16:creationId xmlns:a16="http://schemas.microsoft.com/office/drawing/2014/main" id="{6BE71D4A-859E-4BCB-B945-84CA67BA9E04}"/>
+                <a16:creationId xmlns:a16="http://schemas.microsoft.com/office/drawing/2014/main" id="{1D0D04EE-4A9C-41CD-AFDD-54E3132FB10B}"/>
               </a:ext>
             </a:extLst>
           </p:cNvPr>
@@ -7060,7 +8311,7 @@
         <p:spPr>
           <a:xfrm>
             <a:off x="592347" y="1844675"/>
-            <a:ext cx="11007306" cy="1508125"/>
+            <a:ext cx="5503653" cy="4351338"/>
           </a:xfrm>
         </p:spPr>
         <p:txBody>
@@ -7068,297 +8319,52 @@
           <a:lstStyle/>
           <a:p>
             <a:r>
-              <a:rPr lang="pt-BR" dirty="0"/>
-              <a:t>O CSS (</a:t>
-            </a:r>
-            <a:r>
-              <a:rPr lang="pt-BR" dirty="0" err="1"/>
-              <a:t>Cascading</a:t>
-            </a:r>
-            <a:r>
-              <a:rPr lang="pt-BR" dirty="0"/>
-              <a:t> </a:t>
-            </a:r>
-            <a:r>
-              <a:rPr lang="pt-BR" dirty="0" err="1"/>
-              <a:t>Style</a:t>
-            </a:r>
-            <a:r>
-              <a:rPr lang="pt-BR" dirty="0"/>
-              <a:t> </a:t>
-            </a:r>
-            <a:r>
-              <a:rPr lang="pt-BR" dirty="0" err="1"/>
-              <a:t>Sheets</a:t>
-            </a:r>
-            <a:r>
-              <a:rPr lang="pt-BR" dirty="0"/>
-              <a:t>) interno é uma forma de aplicar estilos a seus elementos HTML diretamente dentro da seção &lt;</a:t>
-            </a:r>
-            <a:r>
-              <a:rPr lang="pt-BR" dirty="0" err="1"/>
-              <a:t>head</a:t>
-            </a:r>
-            <a:r>
-              <a:rPr lang="pt-BR" dirty="0"/>
-              <a:t>&gt; do seu documento HTML. Isso significa que você não precisa criar um arquivo CSS externo, tornando a organização do seu código mais simples para projetos menores.</a:t>
-            </a:r>
-          </a:p>
-        </p:txBody>
-      </p:sp>
-      <p:sp>
-        <p:nvSpPr>
-          <p:cNvPr id="6" name="Retângulo 5">
-            <a:extLst>
-              <a:ext uri="{FF2B5EF4-FFF2-40B4-BE49-F238E27FC236}">
-                <a16:creationId xmlns:a16="http://schemas.microsoft.com/office/drawing/2014/main" id="{B89D280F-2788-4ECC-9176-2ADB9B80B5EC}"/>
-              </a:ext>
-            </a:extLst>
-          </p:cNvPr>
-          <p:cNvSpPr/>
+              <a:rPr lang="pt-BR" sz="1800" dirty="0"/>
+              <a:t>O CSS desempenha um papel fundamental ao permitir a separação entre o conteúdo, definido no HTML, e a estilização, gerenciada em arquivos externos. Antes do CSS, estilos eram aplicados diretamente no HTML, resultando em códigos confusos e difíceis de atualizar. Com o CSS, o controle visual das páginas da web foi centralizado, tornando o código HTML mais limpo, organizado e semântico, além de facilitar a manutenção e as atualizações no design.</a:t>
+            </a:r>
+          </a:p>
+        </p:txBody>
+      </p:sp>
+      <p:pic>
+        <p:nvPicPr>
+          <p:cNvPr id="4" name="Imagem 3">
+            <a:extLst>
+              <a:ext uri="{FF2B5EF4-FFF2-40B4-BE49-F238E27FC236}">
+                <a16:creationId xmlns:a16="http://schemas.microsoft.com/office/drawing/2014/main" id="{0A25C244-29D4-447E-BFD6-A3932C803C3A}"/>
+              </a:ext>
+            </a:extLst>
+          </p:cNvPr>
+          <p:cNvPicPr>
+            <a:picLocks noChangeAspect="1"/>
+          </p:cNvPicPr>
           <p:nvPr/>
-        </p:nvSpPr>
-        <p:spPr>
-          <a:xfrm>
-            <a:off x="3492137" y="3792725"/>
-            <a:ext cx="5207726" cy="2123658"/>
+        </p:nvPicPr>
+        <p:blipFill>
+          <a:blip r:embed="rId2">
+            <a:extLst>
+              <a:ext uri="{28A0092B-C50C-407E-A947-70E740481C1C}">
+                <a14:useLocalDpi xmlns:a14="http://schemas.microsoft.com/office/drawing/2010/main" val="0"/>
+              </a:ext>
+            </a:extLst>
+          </a:blip>
+          <a:stretch>
+            <a:fillRect/>
+          </a:stretch>
+        </p:blipFill>
+        <p:spPr>
+          <a:xfrm>
+            <a:off x="8057607" y="1961200"/>
+            <a:ext cx="2915191" cy="4118287"/>
           </a:xfrm>
           <a:prstGeom prst="rect">
             <a:avLst/>
           </a:prstGeom>
         </p:spPr>
-        <p:txBody>
-          <a:bodyPr wrap="square">
-            <a:spAutoFit/>
-          </a:bodyPr>
-          <a:lstStyle/>
-          <a:p>
-            <a:r>
-              <a:rPr lang="en-US" sz="1600" dirty="0">
-                <a:solidFill>
-                  <a:srgbClr val="800000"/>
-                </a:solidFill>
-                <a:latin typeface="Consolas" panose="020B0609020204030204" pitchFamily="49" charset="0"/>
-              </a:rPr>
-              <a:t>&lt;head&gt;</a:t>
-            </a:r>
-            <a:endParaRPr lang="en-US" sz="1600" dirty="0">
-              <a:solidFill>
-                <a:srgbClr val="000000"/>
-              </a:solidFill>
-              <a:latin typeface="Consolas" panose="020B0609020204030204" pitchFamily="49" charset="0"/>
-            </a:endParaRPr>
-          </a:p>
-          <a:p>
-            <a:r>
-              <a:rPr lang="en-US" sz="1600" dirty="0">
-                <a:solidFill>
-                  <a:srgbClr val="000000"/>
-                </a:solidFill>
-                <a:latin typeface="Consolas" panose="020B0609020204030204" pitchFamily="49" charset="0"/>
-              </a:rPr>
-              <a:t>    </a:t>
-            </a:r>
-            <a:r>
-              <a:rPr lang="en-US" sz="1600" dirty="0">
-                <a:solidFill>
-                  <a:srgbClr val="800000"/>
-                </a:solidFill>
-                <a:latin typeface="Consolas" panose="020B0609020204030204" pitchFamily="49" charset="0"/>
-              </a:rPr>
-              <a:t>&lt;style&gt;</a:t>
-            </a:r>
-            <a:endParaRPr lang="en-US" sz="1600" dirty="0">
-              <a:solidFill>
-                <a:srgbClr val="000000"/>
-              </a:solidFill>
-              <a:latin typeface="Consolas" panose="020B0609020204030204" pitchFamily="49" charset="0"/>
-            </a:endParaRPr>
-          </a:p>
-          <a:p>
-            <a:r>
-              <a:rPr lang="en-US" sz="1600" dirty="0">
-                <a:solidFill>
-                  <a:srgbClr val="000000"/>
-                </a:solidFill>
-                <a:latin typeface="Consolas" panose="020B0609020204030204" pitchFamily="49" charset="0"/>
-              </a:rPr>
-              <a:t>        </a:t>
-            </a:r>
-            <a:r>
-              <a:rPr lang="en-US" sz="1600" dirty="0">
-                <a:solidFill>
-                  <a:srgbClr val="800000"/>
-                </a:solidFill>
-                <a:latin typeface="Consolas" panose="020B0609020204030204" pitchFamily="49" charset="0"/>
-              </a:rPr>
-              <a:t>body</a:t>
-            </a:r>
-            <a:r>
-              <a:rPr lang="en-US" sz="1600" dirty="0">
-                <a:solidFill>
-                  <a:srgbClr val="000000"/>
-                </a:solidFill>
-                <a:latin typeface="Consolas" panose="020B0609020204030204" pitchFamily="49" charset="0"/>
-              </a:rPr>
-              <a:t> {</a:t>
-            </a:r>
-          </a:p>
-          <a:p>
-            <a:r>
-              <a:rPr lang="en-US" sz="1600" dirty="0">
-                <a:solidFill>
-                  <a:srgbClr val="000000"/>
-                </a:solidFill>
-                <a:latin typeface="Consolas" panose="020B0609020204030204" pitchFamily="49" charset="0"/>
-              </a:rPr>
-              <a:t>            </a:t>
-            </a:r>
-            <a:r>
-              <a:rPr lang="en-US" sz="1600" dirty="0">
-                <a:solidFill>
-                  <a:srgbClr val="E50000"/>
-                </a:solidFill>
-                <a:latin typeface="Consolas" panose="020B0609020204030204" pitchFamily="49" charset="0"/>
-              </a:rPr>
-              <a:t>background-color</a:t>
-            </a:r>
-            <a:r>
-              <a:rPr lang="en-US" sz="1600" dirty="0">
-                <a:solidFill>
-                  <a:srgbClr val="000000"/>
-                </a:solidFill>
-                <a:latin typeface="Consolas" panose="020B0609020204030204" pitchFamily="49" charset="0"/>
-              </a:rPr>
-              <a:t>: </a:t>
-            </a:r>
-            <a:r>
-              <a:rPr lang="en-US" sz="1600" dirty="0" err="1">
-                <a:solidFill>
-                  <a:srgbClr val="0451A5"/>
-                </a:solidFill>
-                <a:latin typeface="Consolas" panose="020B0609020204030204" pitchFamily="49" charset="0"/>
-              </a:rPr>
-              <a:t>lightcyan</a:t>
-            </a:r>
-            <a:r>
-              <a:rPr lang="en-US" sz="1600" dirty="0">
-                <a:solidFill>
-                  <a:srgbClr val="000000"/>
-                </a:solidFill>
-                <a:latin typeface="Consolas" panose="020B0609020204030204" pitchFamily="49" charset="0"/>
-              </a:rPr>
-              <a:t>;</a:t>
-            </a:r>
-          </a:p>
-          <a:p>
-            <a:r>
-              <a:rPr lang="en-US" sz="1600" dirty="0">
-                <a:solidFill>
-                  <a:srgbClr val="000000"/>
-                </a:solidFill>
-                <a:latin typeface="Consolas" panose="020B0609020204030204" pitchFamily="49" charset="0"/>
-              </a:rPr>
-              <a:t>            </a:t>
-            </a:r>
-            <a:r>
-              <a:rPr lang="en-US" sz="1600" dirty="0">
-                <a:solidFill>
-                  <a:srgbClr val="E50000"/>
-                </a:solidFill>
-                <a:latin typeface="Consolas" panose="020B0609020204030204" pitchFamily="49" charset="0"/>
-              </a:rPr>
-              <a:t>font-family</a:t>
-            </a:r>
-            <a:r>
-              <a:rPr lang="en-US" sz="1600" dirty="0">
-                <a:solidFill>
-                  <a:srgbClr val="000000"/>
-                </a:solidFill>
-                <a:latin typeface="Consolas" panose="020B0609020204030204" pitchFamily="49" charset="0"/>
-              </a:rPr>
-              <a:t>: </a:t>
-            </a:r>
-            <a:r>
-              <a:rPr lang="en-US" sz="1600" dirty="0">
-                <a:solidFill>
-                  <a:srgbClr val="A31515"/>
-                </a:solidFill>
-                <a:latin typeface="Consolas" panose="020B0609020204030204" pitchFamily="49" charset="0"/>
-              </a:rPr>
-              <a:t>'Times New Roman'</a:t>
-            </a:r>
-            <a:r>
-              <a:rPr lang="en-US" sz="1600" dirty="0">
-                <a:solidFill>
-                  <a:srgbClr val="000000"/>
-                </a:solidFill>
-                <a:latin typeface="Consolas" panose="020B0609020204030204" pitchFamily="49" charset="0"/>
-              </a:rPr>
-              <a:t>;</a:t>
-            </a:r>
-          </a:p>
-          <a:p>
-            <a:r>
-              <a:rPr lang="en-US" sz="1600" dirty="0">
-                <a:solidFill>
-                  <a:srgbClr val="000000"/>
-                </a:solidFill>
-                <a:latin typeface="Consolas" panose="020B0609020204030204" pitchFamily="49" charset="0"/>
-              </a:rPr>
-              <a:t>        }</a:t>
-            </a:r>
-          </a:p>
-          <a:p>
-            <a:r>
-              <a:rPr lang="en-US" sz="1600" dirty="0">
-                <a:solidFill>
-                  <a:srgbClr val="000000"/>
-                </a:solidFill>
-                <a:latin typeface="Consolas" panose="020B0609020204030204" pitchFamily="49" charset="0"/>
-              </a:rPr>
-              <a:t>    </a:t>
-            </a:r>
-            <a:r>
-              <a:rPr lang="en-US" sz="1600" dirty="0">
-                <a:solidFill>
-                  <a:srgbClr val="800000"/>
-                </a:solidFill>
-                <a:latin typeface="Consolas" panose="020B0609020204030204" pitchFamily="49" charset="0"/>
-              </a:rPr>
-              <a:t>&lt;/style&gt;</a:t>
-            </a:r>
-            <a:br>
-              <a:rPr lang="en-US" sz="1600" dirty="0">
-                <a:solidFill>
-                  <a:srgbClr val="000000"/>
-                </a:solidFill>
-                <a:latin typeface="Consolas" panose="020B0609020204030204" pitchFamily="49" charset="0"/>
-              </a:rPr>
-            </a:br>
-            <a:r>
-              <a:rPr lang="en-US" sz="1600" dirty="0">
-                <a:solidFill>
-                  <a:srgbClr val="800000"/>
-                </a:solidFill>
-                <a:latin typeface="Consolas" panose="020B0609020204030204" pitchFamily="49" charset="0"/>
-              </a:rPr>
-              <a:t>&lt;/head&gt;</a:t>
-            </a:r>
-            <a:endParaRPr lang="en-US" sz="1600" b="0" dirty="0">
-              <a:solidFill>
-                <a:srgbClr val="000000"/>
-              </a:solidFill>
-              <a:effectLst/>
-              <a:latin typeface="Consolas" panose="020B0609020204030204" pitchFamily="49" charset="0"/>
-            </a:endParaRPr>
-          </a:p>
-        </p:txBody>
-      </p:sp>
+      </p:pic>
     </p:spTree>
     <p:extLst>
       <p:ext uri="{BB962C8B-B14F-4D97-AF65-F5344CB8AC3E}">
-        <p14:creationId xmlns:p14="http://schemas.microsoft.com/office/powerpoint/2010/main" val="1436624589"/>
+        <p14:creationId xmlns:p14="http://schemas.microsoft.com/office/powerpoint/2010/main" val="1664743135"/>
       </p:ext>
     </p:extLst>
   </p:cSld>
@@ -7390,7 +8396,7 @@
           <p:cNvPr id="2" name="Título 1">
             <a:extLst>
               <a:ext uri="{FF2B5EF4-FFF2-40B4-BE49-F238E27FC236}">
-                <a16:creationId xmlns:a16="http://schemas.microsoft.com/office/drawing/2014/main" id="{2E5BD174-CB19-4831-82DD-3C055286FB32}"/>
+                <a16:creationId xmlns:a16="http://schemas.microsoft.com/office/drawing/2014/main" id="{270C9A23-0F0C-4538-A1FD-EBA77D191FE2}"/>
               </a:ext>
             </a:extLst>
           </p:cNvPr>
@@ -7408,228 +8414,17 @@
           <a:p>
             <a:r>
               <a:rPr lang="pt-BR" dirty="0"/>
-              <a:t>Estilos CSS externos</a:t>
-            </a:r>
-          </a:p>
-        </p:txBody>
-      </p:sp>
-      <p:sp>
-        <p:nvSpPr>
-          <p:cNvPr id="3" name="Espaço Reservado para Conteúdo 2">
-            <a:extLst>
-              <a:ext uri="{FF2B5EF4-FFF2-40B4-BE49-F238E27FC236}">
-                <a16:creationId xmlns:a16="http://schemas.microsoft.com/office/drawing/2014/main" id="{6BE71D4A-859E-4BCB-B945-84CA67BA9E04}"/>
-              </a:ext>
-            </a:extLst>
-          </p:cNvPr>
-          <p:cNvSpPr>
-            <a:spLocks noGrp="1"/>
-          </p:cNvSpPr>
-          <p:nvPr>
-            <p:ph idx="1"/>
-          </p:nvPr>
-        </p:nvSpPr>
-        <p:spPr>
-          <a:xfrm>
-            <a:off x="592347" y="1844675"/>
-            <a:ext cx="11007306" cy="1584325"/>
-          </a:xfrm>
-        </p:spPr>
-        <p:txBody>
-          <a:bodyPr/>
-          <a:lstStyle/>
-          <a:p>
-            <a:r>
-              <a:rPr lang="pt-BR" dirty="0"/>
-              <a:t>O CSS externo é uma forma de separar as regras de estilo do seu HTML, colocando-as em um arquivo à parte, geralmente com a extensão .</a:t>
-            </a:r>
-            <a:r>
-              <a:rPr lang="pt-BR" dirty="0" err="1"/>
-              <a:t>css</a:t>
-            </a:r>
-            <a:r>
-              <a:rPr lang="pt-BR" dirty="0"/>
-              <a:t>. Essa prática é altamente recomendada para projetos maiores, pois facilita a organização, a manutenção e a reutilização dos estilos.</a:t>
-            </a:r>
-          </a:p>
-        </p:txBody>
-      </p:sp>
-      <p:sp>
-        <p:nvSpPr>
-          <p:cNvPr id="5" name="Retângulo 4">
-            <a:extLst>
-              <a:ext uri="{FF2B5EF4-FFF2-40B4-BE49-F238E27FC236}">
-                <a16:creationId xmlns:a16="http://schemas.microsoft.com/office/drawing/2014/main" id="{C8D77859-BC1B-40FE-B082-17642801F104}"/>
-              </a:ext>
-            </a:extLst>
-          </p:cNvPr>
-          <p:cNvSpPr/>
-          <p:nvPr/>
-        </p:nvSpPr>
-        <p:spPr>
-          <a:xfrm>
-            <a:off x="1203111" y="4448630"/>
-            <a:ext cx="4519501" cy="738664"/>
-          </a:xfrm>
-          <a:prstGeom prst="rect">
-            <a:avLst/>
-          </a:prstGeom>
-        </p:spPr>
-        <p:txBody>
-          <a:bodyPr wrap="square">
-            <a:spAutoFit/>
-          </a:bodyPr>
-          <a:lstStyle/>
-          <a:p>
-            <a:r>
-              <a:rPr lang="en-US" sz="1400" dirty="0">
-                <a:solidFill>
-                  <a:srgbClr val="800000"/>
-                </a:solidFill>
-                <a:latin typeface="Consolas" panose="020B0609020204030204" pitchFamily="49" charset="0"/>
-              </a:rPr>
-              <a:t>&lt;head&gt;</a:t>
-            </a:r>
-            <a:endParaRPr lang="en-US" sz="1400" dirty="0">
-              <a:solidFill>
-                <a:srgbClr val="000000"/>
-              </a:solidFill>
-              <a:latin typeface="Consolas" panose="020B0609020204030204" pitchFamily="49" charset="0"/>
-            </a:endParaRPr>
-          </a:p>
-          <a:p>
-            <a:r>
-              <a:rPr lang="en-US" sz="1400" dirty="0">
-                <a:solidFill>
-                  <a:srgbClr val="000000"/>
-                </a:solidFill>
-                <a:latin typeface="Consolas" panose="020B0609020204030204" pitchFamily="49" charset="0"/>
-              </a:rPr>
-              <a:t>    </a:t>
-            </a:r>
-            <a:r>
-              <a:rPr lang="en-US" sz="1400" dirty="0">
-                <a:solidFill>
-                  <a:srgbClr val="800000"/>
-                </a:solidFill>
-                <a:latin typeface="Consolas" panose="020B0609020204030204" pitchFamily="49" charset="0"/>
-              </a:rPr>
-              <a:t>&lt;link</a:t>
-            </a:r>
-            <a:r>
-              <a:rPr lang="en-US" sz="1400" dirty="0">
-                <a:solidFill>
-                  <a:srgbClr val="000000"/>
-                </a:solidFill>
-                <a:latin typeface="Consolas" panose="020B0609020204030204" pitchFamily="49" charset="0"/>
-              </a:rPr>
-              <a:t> </a:t>
-            </a:r>
-            <a:r>
-              <a:rPr lang="en-US" sz="1400" dirty="0" err="1">
-                <a:solidFill>
-                  <a:srgbClr val="E50000"/>
-                </a:solidFill>
-                <a:latin typeface="Consolas" panose="020B0609020204030204" pitchFamily="49" charset="0"/>
-              </a:rPr>
-              <a:t>rel</a:t>
-            </a:r>
-            <a:r>
-              <a:rPr lang="en-US" sz="1400" dirty="0">
-                <a:solidFill>
-                  <a:srgbClr val="000000"/>
-                </a:solidFill>
-                <a:latin typeface="Consolas" panose="020B0609020204030204" pitchFamily="49" charset="0"/>
-              </a:rPr>
-              <a:t>=</a:t>
-            </a:r>
-            <a:r>
-              <a:rPr lang="en-US" sz="1400" dirty="0">
-                <a:solidFill>
-                  <a:srgbClr val="0000FF"/>
-                </a:solidFill>
-                <a:latin typeface="Consolas" panose="020B0609020204030204" pitchFamily="49" charset="0"/>
-              </a:rPr>
-              <a:t>"stylesheet"</a:t>
-            </a:r>
-            <a:r>
-              <a:rPr lang="en-US" sz="1400" dirty="0">
-                <a:solidFill>
-                  <a:srgbClr val="000000"/>
-                </a:solidFill>
-                <a:latin typeface="Consolas" panose="020B0609020204030204" pitchFamily="49" charset="0"/>
-              </a:rPr>
-              <a:t> </a:t>
-            </a:r>
-            <a:r>
-              <a:rPr lang="en-US" sz="1400" dirty="0" err="1">
-                <a:solidFill>
-                  <a:srgbClr val="E50000"/>
-                </a:solidFill>
-                <a:latin typeface="Consolas" panose="020B0609020204030204" pitchFamily="49" charset="0"/>
-              </a:rPr>
-              <a:t>href</a:t>
-            </a:r>
-            <a:r>
-              <a:rPr lang="en-US" sz="1400" dirty="0">
-                <a:solidFill>
-                  <a:srgbClr val="000000"/>
-                </a:solidFill>
-                <a:latin typeface="Consolas" panose="020B0609020204030204" pitchFamily="49" charset="0"/>
-              </a:rPr>
-              <a:t>=</a:t>
-            </a:r>
-            <a:r>
-              <a:rPr lang="en-US" sz="1400" dirty="0">
-                <a:solidFill>
-                  <a:srgbClr val="0000FF"/>
-                </a:solidFill>
-                <a:latin typeface="Consolas" panose="020B0609020204030204" pitchFamily="49" charset="0"/>
-              </a:rPr>
-              <a:t>"style.css"</a:t>
-            </a:r>
-            <a:r>
-              <a:rPr lang="en-US" sz="1400" dirty="0">
-                <a:solidFill>
-                  <a:srgbClr val="800000"/>
-                </a:solidFill>
-                <a:latin typeface="Consolas" panose="020B0609020204030204" pitchFamily="49" charset="0"/>
-              </a:rPr>
-              <a:t>&gt;</a:t>
-            </a:r>
-            <a:endParaRPr lang="en-US" sz="1400" dirty="0">
-              <a:solidFill>
-                <a:srgbClr val="000000"/>
-              </a:solidFill>
-              <a:latin typeface="Consolas" panose="020B0609020204030204" pitchFamily="49" charset="0"/>
-            </a:endParaRPr>
-          </a:p>
-          <a:p>
-            <a:r>
-              <a:rPr lang="en-US" sz="1400" dirty="0">
-                <a:solidFill>
-                  <a:srgbClr val="800000"/>
-                </a:solidFill>
-                <a:latin typeface="Consolas" panose="020B0609020204030204" pitchFamily="49" charset="0"/>
-              </a:rPr>
-              <a:t>&lt;/head&gt;</a:t>
-            </a:r>
-            <a:endParaRPr lang="en-US" sz="1400" b="0" dirty="0">
-              <a:solidFill>
-                <a:srgbClr val="000000"/>
-              </a:solidFill>
-              <a:effectLst/>
-              <a:latin typeface="Consolas" panose="020B0609020204030204" pitchFamily="49" charset="0"/>
-            </a:endParaRPr>
+              <a:t>Como Estilizamos Páginas Web Antigamente</a:t>
+            </a:r>
           </a:p>
         </p:txBody>
       </p:sp>
       <p:pic>
         <p:nvPicPr>
-          <p:cNvPr id="6" name="Imagem 5">
-            <a:extLst>
-              <a:ext uri="{FF2B5EF4-FFF2-40B4-BE49-F238E27FC236}">
-                <a16:creationId xmlns:a16="http://schemas.microsoft.com/office/drawing/2014/main" id="{2F72DDA5-482B-42F3-AEE0-CEF2A3AEC7BD}"/>
+          <p:cNvPr id="4" name="Imagem 3">
+            <a:extLst>
+              <a:ext uri="{FF2B5EF4-FFF2-40B4-BE49-F238E27FC236}">
+                <a16:creationId xmlns:a16="http://schemas.microsoft.com/office/drawing/2014/main" id="{9F44233D-D939-4022-A8C5-0C077FC34641}"/>
               </a:ext>
             </a:extLst>
           </p:cNvPr>
@@ -7646,198 +8441,8 @@
         </p:blipFill>
         <p:spPr>
           <a:xfrm>
-            <a:off x="6925723" y="3743525"/>
-            <a:ext cx="1305107" cy="295316"/>
-          </a:xfrm>
-          <a:prstGeom prst="rect">
-            <a:avLst/>
-          </a:prstGeom>
-        </p:spPr>
-      </p:pic>
-      <p:sp>
-        <p:nvSpPr>
-          <p:cNvPr id="7" name="Retângulo 6">
-            <a:extLst>
-              <a:ext uri="{FF2B5EF4-FFF2-40B4-BE49-F238E27FC236}">
-                <a16:creationId xmlns:a16="http://schemas.microsoft.com/office/drawing/2014/main" id="{A6142808-C810-493D-9689-C16FAE2A6BB6}"/>
-              </a:ext>
-            </a:extLst>
-          </p:cNvPr>
-          <p:cNvSpPr/>
-          <p:nvPr/>
-        </p:nvSpPr>
-        <p:spPr>
-          <a:xfrm>
-            <a:off x="6925723" y="4448630"/>
-            <a:ext cx="4063166" cy="954107"/>
-          </a:xfrm>
-          <a:prstGeom prst="rect">
-            <a:avLst/>
-          </a:prstGeom>
-        </p:spPr>
-        <p:txBody>
-          <a:bodyPr wrap="square">
-            <a:spAutoFit/>
-          </a:bodyPr>
-          <a:lstStyle/>
-          <a:p>
-            <a:r>
-              <a:rPr lang="en-US" sz="1400" dirty="0">
-                <a:solidFill>
-                  <a:srgbClr val="800000"/>
-                </a:solidFill>
-                <a:latin typeface="Consolas" panose="020B0609020204030204" pitchFamily="49" charset="0"/>
-              </a:rPr>
-              <a:t>body</a:t>
-            </a:r>
-            <a:r>
-              <a:rPr lang="en-US" sz="1400" dirty="0">
-                <a:solidFill>
-                  <a:srgbClr val="000000"/>
-                </a:solidFill>
-                <a:latin typeface="Consolas" panose="020B0609020204030204" pitchFamily="49" charset="0"/>
-              </a:rPr>
-              <a:t> {</a:t>
-            </a:r>
-          </a:p>
-          <a:p>
-            <a:r>
-              <a:rPr lang="en-US" sz="1400" dirty="0">
-                <a:solidFill>
-                  <a:srgbClr val="000000"/>
-                </a:solidFill>
-                <a:latin typeface="Consolas" panose="020B0609020204030204" pitchFamily="49" charset="0"/>
-              </a:rPr>
-              <a:t>    </a:t>
-            </a:r>
-            <a:r>
-              <a:rPr lang="en-US" sz="1400" dirty="0">
-                <a:solidFill>
-                  <a:srgbClr val="E50000"/>
-                </a:solidFill>
-                <a:latin typeface="Consolas" panose="020B0609020204030204" pitchFamily="49" charset="0"/>
-              </a:rPr>
-              <a:t>background-color</a:t>
-            </a:r>
-            <a:r>
-              <a:rPr lang="en-US" sz="1400" dirty="0">
-                <a:solidFill>
-                  <a:srgbClr val="000000"/>
-                </a:solidFill>
-                <a:latin typeface="Consolas" panose="020B0609020204030204" pitchFamily="49" charset="0"/>
-              </a:rPr>
-              <a:t>: </a:t>
-            </a:r>
-            <a:r>
-              <a:rPr lang="en-US" sz="1400" dirty="0" err="1">
-                <a:solidFill>
-                  <a:srgbClr val="0451A5"/>
-                </a:solidFill>
-                <a:latin typeface="Consolas" panose="020B0609020204030204" pitchFamily="49" charset="0"/>
-              </a:rPr>
-              <a:t>lightcyan</a:t>
-            </a:r>
-            <a:r>
-              <a:rPr lang="en-US" sz="1400" dirty="0">
-                <a:solidFill>
-                  <a:srgbClr val="000000"/>
-                </a:solidFill>
-                <a:latin typeface="Consolas" panose="020B0609020204030204" pitchFamily="49" charset="0"/>
-              </a:rPr>
-              <a:t>;</a:t>
-            </a:r>
-          </a:p>
-          <a:p>
-            <a:r>
-              <a:rPr lang="en-US" sz="1400" dirty="0">
-                <a:solidFill>
-                  <a:srgbClr val="000000"/>
-                </a:solidFill>
-                <a:latin typeface="Consolas" panose="020B0609020204030204" pitchFamily="49" charset="0"/>
-              </a:rPr>
-              <a:t>    </a:t>
-            </a:r>
-            <a:r>
-              <a:rPr lang="en-US" sz="1400" dirty="0">
-                <a:solidFill>
-                  <a:srgbClr val="E50000"/>
-                </a:solidFill>
-                <a:latin typeface="Consolas" panose="020B0609020204030204" pitchFamily="49" charset="0"/>
-              </a:rPr>
-              <a:t>font-family</a:t>
-            </a:r>
-            <a:r>
-              <a:rPr lang="en-US" sz="1400" dirty="0">
-                <a:solidFill>
-                  <a:srgbClr val="000000"/>
-                </a:solidFill>
-                <a:latin typeface="Consolas" panose="020B0609020204030204" pitchFamily="49" charset="0"/>
-              </a:rPr>
-              <a:t>: </a:t>
-            </a:r>
-            <a:r>
-              <a:rPr lang="en-US" sz="1400" dirty="0">
-                <a:solidFill>
-                  <a:srgbClr val="A31515"/>
-                </a:solidFill>
-                <a:latin typeface="Consolas" panose="020B0609020204030204" pitchFamily="49" charset="0"/>
-              </a:rPr>
-              <a:t>'Times New Roman'</a:t>
-            </a:r>
-            <a:r>
-              <a:rPr lang="en-US" sz="1400" dirty="0">
-                <a:solidFill>
-                  <a:srgbClr val="000000"/>
-                </a:solidFill>
-                <a:latin typeface="Consolas" panose="020B0609020204030204" pitchFamily="49" charset="0"/>
-              </a:rPr>
-              <a:t>;</a:t>
-            </a:r>
-          </a:p>
-          <a:p>
-            <a:r>
-              <a:rPr lang="en-US" sz="1400" dirty="0">
-                <a:solidFill>
-                  <a:srgbClr val="000000"/>
-                </a:solidFill>
-                <a:latin typeface="Consolas" panose="020B0609020204030204" pitchFamily="49" charset="0"/>
-              </a:rPr>
-              <a:t>}</a:t>
-            </a:r>
-            <a:endParaRPr lang="en-US" sz="1400" b="0" dirty="0">
-              <a:solidFill>
-                <a:srgbClr val="000000"/>
-              </a:solidFill>
-              <a:effectLst/>
-              <a:latin typeface="Consolas" panose="020B0609020204030204" pitchFamily="49" charset="0"/>
-            </a:endParaRPr>
-          </a:p>
-        </p:txBody>
-      </p:sp>
-      <p:pic>
-        <p:nvPicPr>
-          <p:cNvPr id="9" name="Imagem 8">
-            <a:extLst>
-              <a:ext uri="{FF2B5EF4-FFF2-40B4-BE49-F238E27FC236}">
-                <a16:creationId xmlns:a16="http://schemas.microsoft.com/office/drawing/2014/main" id="{A8BEBA89-8BCE-490C-BF69-C6DF5B1184B6}"/>
-              </a:ext>
-            </a:extLst>
-          </p:cNvPr>
-          <p:cNvPicPr>
-            <a:picLocks noChangeAspect="1"/>
-          </p:cNvPicPr>
-          <p:nvPr/>
-        </p:nvPicPr>
-        <p:blipFill>
-          <a:blip r:embed="rId3"/>
-          <a:stretch>
-            <a:fillRect/>
-          </a:stretch>
-        </p:blipFill>
-        <p:spPr>
-          <a:xfrm>
-            <a:off x="1203111" y="3743525"/>
-            <a:ext cx="1543265" cy="323895"/>
+            <a:off x="1052945" y="2779384"/>
+            <a:ext cx="10086110" cy="2438400"/>
           </a:xfrm>
           <a:prstGeom prst="rect">
             <a:avLst/>
@@ -7847,7 +8452,7 @@
     </p:spTree>
     <p:extLst>
       <p:ext uri="{BB962C8B-B14F-4D97-AF65-F5344CB8AC3E}">
-        <p14:creationId xmlns:p14="http://schemas.microsoft.com/office/powerpoint/2010/main" val="1301417662"/>
+        <p14:creationId xmlns:p14="http://schemas.microsoft.com/office/powerpoint/2010/main" val="2925097127"/>
       </p:ext>
     </p:extLst>
   </p:cSld>
@@ -7879,7 +8484,7 @@
           <p:cNvPr id="2" name="Título 1">
             <a:extLst>
               <a:ext uri="{FF2B5EF4-FFF2-40B4-BE49-F238E27FC236}">
-                <a16:creationId xmlns:a16="http://schemas.microsoft.com/office/drawing/2014/main" id="{91DA477A-D050-4401-AB2C-E7D6B29F3F19}"/>
+                <a16:creationId xmlns:a16="http://schemas.microsoft.com/office/drawing/2014/main" id="{78F2B792-D63C-494F-98FD-B5468CCD25EA}"/>
               </a:ext>
             </a:extLst>
           </p:cNvPr>
@@ -7897,66 +8502,17 @@
           <a:p>
             <a:r>
               <a:rPr lang="pt-BR" dirty="0"/>
-              <a:t>Prioridade dos Tipos de Estilos em CSS</a:t>
-            </a:r>
-          </a:p>
-        </p:txBody>
-      </p:sp>
-      <p:sp>
-        <p:nvSpPr>
-          <p:cNvPr id="3" name="Espaço Reservado para Conteúdo 2">
-            <a:extLst>
-              <a:ext uri="{FF2B5EF4-FFF2-40B4-BE49-F238E27FC236}">
-                <a16:creationId xmlns:a16="http://schemas.microsoft.com/office/drawing/2014/main" id="{3552300F-F316-49F1-902B-CDDC66E5B8CD}"/>
-              </a:ext>
-            </a:extLst>
-          </p:cNvPr>
-          <p:cNvSpPr>
-            <a:spLocks noGrp="1"/>
-          </p:cNvSpPr>
-          <p:nvPr>
-            <p:ph idx="1"/>
-          </p:nvPr>
-        </p:nvSpPr>
-        <p:spPr>
-          <a:xfrm>
-            <a:off x="592347" y="1844675"/>
-            <a:ext cx="11007306" cy="1473291"/>
-          </a:xfrm>
-        </p:spPr>
-        <p:txBody>
-          <a:bodyPr/>
-          <a:lstStyle/>
-          <a:p>
-            <a:r>
-              <a:rPr lang="pt-BR" dirty="0"/>
-              <a:t>Quando utilizamos os três tipos de estilos CSS — </a:t>
-            </a:r>
-            <a:r>
-              <a:rPr lang="pt-BR" dirty="0" err="1"/>
-              <a:t>inline</a:t>
-            </a:r>
-            <a:r>
-              <a:rPr lang="pt-BR" dirty="0"/>
-              <a:t>, interno, e externo — em uma mesma página, a hierarquia de precedência determina qual estilo será aplicado. A ordem de prioridade segue as regras do </a:t>
-            </a:r>
-            <a:r>
-              <a:rPr lang="pt-BR" dirty="0" err="1"/>
-              <a:t>cascading</a:t>
-            </a:r>
-            <a:r>
-              <a:rPr lang="pt-BR" dirty="0"/>
-              <a:t> (cascata) do CSS.</a:t>
+              <a:t>Como Estilizamos Páginas Web Atualmente</a:t>
             </a:r>
           </a:p>
         </p:txBody>
       </p:sp>
       <p:pic>
         <p:nvPicPr>
-          <p:cNvPr id="5" name="Imagem 4">
-            <a:extLst>
-              <a:ext uri="{FF2B5EF4-FFF2-40B4-BE49-F238E27FC236}">
-                <a16:creationId xmlns:a16="http://schemas.microsoft.com/office/drawing/2014/main" id="{02BDE698-49F5-4AFB-93B9-8763CD24E107}"/>
+          <p:cNvPr id="4" name="Imagem 3">
+            <a:extLst>
+              <a:ext uri="{FF2B5EF4-FFF2-40B4-BE49-F238E27FC236}">
+                <a16:creationId xmlns:a16="http://schemas.microsoft.com/office/drawing/2014/main" id="{9D23326B-D8A0-4A54-9564-083F9470DD6C}"/>
               </a:ext>
             </a:extLst>
           </p:cNvPr>
@@ -7973,8 +8529,8 @@
         </p:blipFill>
         <p:spPr>
           <a:xfrm>
-            <a:off x="955494" y="4013404"/>
-            <a:ext cx="10281012" cy="1183553"/>
+            <a:off x="3187100" y="2285998"/>
+            <a:ext cx="5817800" cy="3918935"/>
           </a:xfrm>
           <a:prstGeom prst="rect">
             <a:avLst/>
@@ -7984,7 +8540,7 @@
     </p:spTree>
     <p:extLst>
       <p:ext uri="{BB962C8B-B14F-4D97-AF65-F5344CB8AC3E}">
-        <p14:creationId xmlns:p14="http://schemas.microsoft.com/office/powerpoint/2010/main" val="4185948652"/>
+        <p14:creationId xmlns:p14="http://schemas.microsoft.com/office/powerpoint/2010/main" val="3050228025"/>
       </p:ext>
     </p:extLst>
   </p:cSld>
@@ -8016,7 +8572,7 @@
           <p:cNvPr id="2" name="Título 1">
             <a:extLst>
               <a:ext uri="{FF2B5EF4-FFF2-40B4-BE49-F238E27FC236}">
-                <a16:creationId xmlns:a16="http://schemas.microsoft.com/office/drawing/2014/main" id="{03EC3677-B7E3-4D91-9045-8C420435A40D}"/>
+                <a16:creationId xmlns:a16="http://schemas.microsoft.com/office/drawing/2014/main" id="{2E5BD174-CB19-4831-82DD-3C055286FB32}"/>
               </a:ext>
             </a:extLst>
           </p:cNvPr>
@@ -8034,8 +8590,13 @@
           <a:p>
             <a:r>
               <a:rPr lang="pt-BR" dirty="0"/>
-              <a:t>Estilização de Fontes no CSS</a:t>
-            </a:r>
+              <a:t>Estilos CSS </a:t>
+            </a:r>
+            <a:r>
+              <a:rPr lang="pt-BR" dirty="0" err="1"/>
+              <a:t>inline</a:t>
+            </a:r>
+            <a:endParaRPr lang="pt-BR" dirty="0"/>
           </a:p>
         </p:txBody>
       </p:sp>
@@ -8044,7 +8605,7 @@
           <p:cNvPr id="3" name="Espaço Reservado para Conteúdo 2">
             <a:extLst>
               <a:ext uri="{FF2B5EF4-FFF2-40B4-BE49-F238E27FC236}">
-                <a16:creationId xmlns:a16="http://schemas.microsoft.com/office/drawing/2014/main" id="{8428AB92-B0D3-4799-BE37-D342D1191965}"/>
+                <a16:creationId xmlns:a16="http://schemas.microsoft.com/office/drawing/2014/main" id="{6BE71D4A-859E-4BCB-B945-84CA67BA9E04}"/>
               </a:ext>
             </a:extLst>
           </p:cNvPr>
@@ -8055,55 +8616,307 @@
             <p:ph idx="1"/>
           </p:nvPr>
         </p:nvSpPr>
-        <p:spPr/>
+        <p:spPr>
+          <a:xfrm>
+            <a:off x="592347" y="1844675"/>
+            <a:ext cx="11007306" cy="1584325"/>
+          </a:xfrm>
+        </p:spPr>
         <p:txBody>
           <a:bodyPr/>
           <a:lstStyle/>
           <a:p>
             <a:r>
               <a:rPr lang="pt-BR" dirty="0"/>
-              <a:t>A estilização de fontes no CSS é essencial para melhorar a apresentação e a legibilidade de uma página. O CSS fornece propriedades que permitem controlar o tipo de fonte, tamanho, estilo, peso, espaçamento e alinhamento de textos.</a:t>
-            </a:r>
-          </a:p>
-          <a:p>
-            <a:endParaRPr lang="pt-BR" dirty="0"/>
-          </a:p>
-        </p:txBody>
-      </p:sp>
-      <p:pic>
-        <p:nvPicPr>
-          <p:cNvPr id="4" name="Imagem 3">
-            <a:extLst>
-              <a:ext uri="{FF2B5EF4-FFF2-40B4-BE49-F238E27FC236}">
-                <a16:creationId xmlns:a16="http://schemas.microsoft.com/office/drawing/2014/main" id="{CDB5C121-D2FD-4DAB-B0FB-21049081A95C}"/>
-              </a:ext>
-            </a:extLst>
-          </p:cNvPr>
-          <p:cNvPicPr>
-            <a:picLocks noChangeAspect="1"/>
-          </p:cNvPicPr>
+              <a:t>CSS </a:t>
+            </a:r>
+            <a:r>
+              <a:rPr lang="pt-BR" dirty="0" err="1"/>
+              <a:t>inline</a:t>
+            </a:r>
+            <a:r>
+              <a:rPr lang="pt-BR" dirty="0"/>
+              <a:t> é uma forma de aplicar estilos diretamente a um elemento HTML, utilizando o atributo </a:t>
+            </a:r>
+            <a:r>
+              <a:rPr lang="pt-BR" dirty="0" err="1"/>
+              <a:t>style</a:t>
+            </a:r>
+            <a:r>
+              <a:rPr lang="pt-BR" dirty="0"/>
+              <a:t> dentro da </a:t>
+            </a:r>
+            <a:r>
+              <a:rPr lang="pt-BR" dirty="0" err="1"/>
+              <a:t>tag</a:t>
+            </a:r>
+            <a:r>
+              <a:rPr lang="pt-BR" dirty="0"/>
+              <a:t> desse elemento. Essa técnica permite personalizar rapidamente a aparência de um elemento específico, sem a necessidade de criar um arquivo CSS externo ou um bloco de estilo interno.</a:t>
+            </a:r>
+          </a:p>
+        </p:txBody>
+      </p:sp>
+      <p:sp>
+        <p:nvSpPr>
+          <p:cNvPr id="5" name="Retângulo 4">
+            <a:extLst>
+              <a:ext uri="{FF2B5EF4-FFF2-40B4-BE49-F238E27FC236}">
+                <a16:creationId xmlns:a16="http://schemas.microsoft.com/office/drawing/2014/main" id="{614C6CEC-F293-4EA3-AB60-87527F423CD3}"/>
+              </a:ext>
+            </a:extLst>
+          </p:cNvPr>
+          <p:cNvSpPr/>
           <p:nvPr/>
-        </p:nvPicPr>
-        <p:blipFill>
-          <a:blip r:embed="rId2"/>
-          <a:stretch>
-            <a:fillRect/>
-          </a:stretch>
-        </p:blipFill>
-        <p:spPr>
-          <a:xfrm>
-            <a:off x="2984816" y="3367088"/>
-            <a:ext cx="6222368" cy="3226086"/>
+        </p:nvSpPr>
+        <p:spPr>
+          <a:xfrm>
+            <a:off x="2360023" y="5094961"/>
+            <a:ext cx="7471954" cy="369332"/>
           </a:xfrm>
           <a:prstGeom prst="rect">
             <a:avLst/>
           </a:prstGeom>
         </p:spPr>
-      </p:pic>
+        <p:txBody>
+          <a:bodyPr wrap="square">
+            <a:spAutoFit/>
+          </a:bodyPr>
+          <a:lstStyle/>
+          <a:p>
+            <a:r>
+              <a:rPr lang="pt-BR" dirty="0">
+                <a:solidFill>
+                  <a:srgbClr val="800000"/>
+                </a:solidFill>
+                <a:latin typeface="Consolas" panose="020B0609020204030204" pitchFamily="49" charset="0"/>
+              </a:rPr>
+              <a:t>&lt;h1</a:t>
+            </a:r>
+            <a:r>
+              <a:rPr lang="pt-BR" dirty="0">
+                <a:solidFill>
+                  <a:srgbClr val="000000"/>
+                </a:solidFill>
+                <a:latin typeface="Consolas" panose="020B0609020204030204" pitchFamily="49" charset="0"/>
+              </a:rPr>
+              <a:t> </a:t>
+            </a:r>
+            <a:r>
+              <a:rPr lang="pt-BR" dirty="0" err="1">
+                <a:solidFill>
+                  <a:srgbClr val="E50000"/>
+                </a:solidFill>
+                <a:latin typeface="Consolas" panose="020B0609020204030204" pitchFamily="49" charset="0"/>
+              </a:rPr>
+              <a:t>style</a:t>
+            </a:r>
+            <a:r>
+              <a:rPr lang="pt-BR" dirty="0">
+                <a:solidFill>
+                  <a:srgbClr val="000000"/>
+                </a:solidFill>
+                <a:latin typeface="Consolas" panose="020B0609020204030204" pitchFamily="49" charset="0"/>
+              </a:rPr>
+              <a:t>=</a:t>
+            </a:r>
+            <a:r>
+              <a:rPr lang="pt-BR" dirty="0">
+                <a:solidFill>
+                  <a:srgbClr val="0000FF"/>
+                </a:solidFill>
+                <a:latin typeface="Consolas" panose="020B0609020204030204" pitchFamily="49" charset="0"/>
+              </a:rPr>
+              <a:t>"color: </a:t>
+            </a:r>
+            <a:r>
+              <a:rPr lang="pt-BR" dirty="0" err="1">
+                <a:solidFill>
+                  <a:srgbClr val="0000FF"/>
+                </a:solidFill>
+                <a:latin typeface="Consolas" panose="020B0609020204030204" pitchFamily="49" charset="0"/>
+              </a:rPr>
+              <a:t>green</a:t>
+            </a:r>
+            <a:r>
+              <a:rPr lang="pt-BR" dirty="0">
+                <a:solidFill>
+                  <a:srgbClr val="0000FF"/>
+                </a:solidFill>
+                <a:latin typeface="Consolas" panose="020B0609020204030204" pitchFamily="49" charset="0"/>
+              </a:rPr>
+              <a:t>;"</a:t>
+            </a:r>
+            <a:r>
+              <a:rPr lang="pt-BR" dirty="0">
+                <a:solidFill>
+                  <a:srgbClr val="800000"/>
+                </a:solidFill>
+                <a:latin typeface="Consolas" panose="020B0609020204030204" pitchFamily="49" charset="0"/>
+              </a:rPr>
+              <a:t>&gt;</a:t>
+            </a:r>
+            <a:r>
+              <a:rPr lang="pt-BR" dirty="0">
+                <a:solidFill>
+                  <a:srgbClr val="000000"/>
+                </a:solidFill>
+                <a:latin typeface="Consolas" panose="020B0609020204030204" pitchFamily="49" charset="0"/>
+              </a:rPr>
+              <a:t>A Importância da Reciclagem</a:t>
+            </a:r>
+            <a:r>
+              <a:rPr lang="pt-BR" dirty="0">
+                <a:solidFill>
+                  <a:srgbClr val="800000"/>
+                </a:solidFill>
+                <a:latin typeface="Consolas" panose="020B0609020204030204" pitchFamily="49" charset="0"/>
+              </a:rPr>
+              <a:t>&lt;/h1&gt;</a:t>
+            </a:r>
+            <a:endParaRPr lang="pt-BR" b="0" dirty="0">
+              <a:solidFill>
+                <a:srgbClr val="000000"/>
+              </a:solidFill>
+              <a:effectLst/>
+              <a:latin typeface="Consolas" panose="020B0609020204030204" pitchFamily="49" charset="0"/>
+            </a:endParaRPr>
+          </a:p>
+        </p:txBody>
+      </p:sp>
+      <p:sp>
+        <p:nvSpPr>
+          <p:cNvPr id="6" name="Retângulo 5">
+            <a:extLst>
+              <a:ext uri="{FF2B5EF4-FFF2-40B4-BE49-F238E27FC236}">
+                <a16:creationId xmlns:a16="http://schemas.microsoft.com/office/drawing/2014/main" id="{F50E7DC2-0DC2-4E5D-AD81-4F0F751A5E3F}"/>
+              </a:ext>
+            </a:extLst>
+          </p:cNvPr>
+          <p:cNvSpPr/>
+          <p:nvPr/>
+        </p:nvSpPr>
+        <p:spPr>
+          <a:xfrm>
+            <a:off x="2803078" y="3970682"/>
+            <a:ext cx="6585845" cy="369332"/>
+          </a:xfrm>
+          <a:prstGeom prst="rect">
+            <a:avLst/>
+          </a:prstGeom>
+        </p:spPr>
+        <p:txBody>
+          <a:bodyPr wrap="square">
+            <a:spAutoFit/>
+          </a:bodyPr>
+          <a:lstStyle/>
+          <a:p>
+            <a:r>
+              <a:rPr lang="pt-BR" dirty="0">
+                <a:solidFill>
+                  <a:srgbClr val="800000"/>
+                </a:solidFill>
+                <a:latin typeface="Consolas" panose="020B0609020204030204" pitchFamily="49" charset="0"/>
+              </a:rPr>
+              <a:t>&lt;</a:t>
+            </a:r>
+            <a:r>
+              <a:rPr lang="pt-BR" dirty="0" err="1">
+                <a:solidFill>
+                  <a:srgbClr val="800000"/>
+                </a:solidFill>
+                <a:latin typeface="Consolas" panose="020B0609020204030204" pitchFamily="49" charset="0"/>
+              </a:rPr>
+              <a:t>body</a:t>
+            </a:r>
+            <a:r>
+              <a:rPr lang="pt-BR" dirty="0">
+                <a:solidFill>
+                  <a:srgbClr val="000000"/>
+                </a:solidFill>
+                <a:latin typeface="Consolas" panose="020B0609020204030204" pitchFamily="49" charset="0"/>
+              </a:rPr>
+              <a:t> </a:t>
+            </a:r>
+            <a:r>
+              <a:rPr lang="pt-BR" dirty="0" err="1">
+                <a:solidFill>
+                  <a:srgbClr val="E50000"/>
+                </a:solidFill>
+                <a:latin typeface="Consolas" panose="020B0609020204030204" pitchFamily="49" charset="0"/>
+              </a:rPr>
+              <a:t>style</a:t>
+            </a:r>
+            <a:r>
+              <a:rPr lang="pt-BR" dirty="0">
+                <a:solidFill>
+                  <a:srgbClr val="000000"/>
+                </a:solidFill>
+                <a:latin typeface="Consolas" panose="020B0609020204030204" pitchFamily="49" charset="0"/>
+              </a:rPr>
+              <a:t>=</a:t>
+            </a:r>
+            <a:r>
+              <a:rPr lang="pt-BR" dirty="0">
+                <a:solidFill>
+                  <a:srgbClr val="0000FF"/>
+                </a:solidFill>
+                <a:latin typeface="Consolas" panose="020B0609020204030204" pitchFamily="49" charset="0"/>
+              </a:rPr>
+              <a:t>"background-color: </a:t>
+            </a:r>
+            <a:r>
+              <a:rPr lang="pt-BR" dirty="0" err="1">
+                <a:solidFill>
+                  <a:srgbClr val="0000FF"/>
+                </a:solidFill>
+                <a:latin typeface="Consolas" panose="020B0609020204030204" pitchFamily="49" charset="0"/>
+              </a:rPr>
+              <a:t>lightgray</a:t>
+            </a:r>
+            <a:r>
+              <a:rPr lang="pt-BR" dirty="0">
+                <a:solidFill>
+                  <a:srgbClr val="0000FF"/>
+                </a:solidFill>
+                <a:latin typeface="Consolas" panose="020B0609020204030204" pitchFamily="49" charset="0"/>
+              </a:rPr>
+              <a:t>;"</a:t>
+            </a:r>
+            <a:r>
+              <a:rPr lang="pt-BR" dirty="0">
+                <a:solidFill>
+                  <a:srgbClr val="800000"/>
+                </a:solidFill>
+                <a:latin typeface="Consolas" panose="020B0609020204030204" pitchFamily="49" charset="0"/>
+              </a:rPr>
+              <a:t>&gt;&lt;/</a:t>
+            </a:r>
+            <a:r>
+              <a:rPr lang="pt-BR" dirty="0" err="1">
+                <a:solidFill>
+                  <a:srgbClr val="800000"/>
+                </a:solidFill>
+                <a:latin typeface="Consolas" panose="020B0609020204030204" pitchFamily="49" charset="0"/>
+              </a:rPr>
+              <a:t>body</a:t>
+            </a:r>
+            <a:r>
+              <a:rPr lang="pt-BR" dirty="0">
+                <a:solidFill>
+                  <a:srgbClr val="800000"/>
+                </a:solidFill>
+                <a:latin typeface="Consolas" panose="020B0609020204030204" pitchFamily="49" charset="0"/>
+              </a:rPr>
+              <a:t>&gt;</a:t>
+            </a:r>
+          </a:p>
+        </p:txBody>
+      </p:sp>
     </p:spTree>
     <p:extLst>
       <p:ext uri="{BB962C8B-B14F-4D97-AF65-F5344CB8AC3E}">
-        <p14:creationId xmlns:p14="http://schemas.microsoft.com/office/powerpoint/2010/main" val="2351285136"/>
+        <p14:creationId xmlns:p14="http://schemas.microsoft.com/office/powerpoint/2010/main" val="1719219419"/>
       </p:ext>
     </p:extLst>
   </p:cSld>
@@ -8135,7 +8948,7 @@
           <p:cNvPr id="2" name="Título 1">
             <a:extLst>
               <a:ext uri="{FF2B5EF4-FFF2-40B4-BE49-F238E27FC236}">
-                <a16:creationId xmlns:a16="http://schemas.microsoft.com/office/drawing/2014/main" id="{FD4DB3B0-4AEA-4C2C-8226-818C34D54340}"/>
+                <a16:creationId xmlns:a16="http://schemas.microsoft.com/office/drawing/2014/main" id="{2E5BD174-CB19-4831-82DD-3C055286FB32}"/>
               </a:ext>
             </a:extLst>
           </p:cNvPr>
@@ -8152,12 +8965,8 @@
           <a:lstStyle/>
           <a:p>
             <a:r>
-              <a:rPr lang="pt-BR" dirty="0" err="1"/>
-              <a:t>Font</a:t>
-            </a:r>
-            <a:r>
               <a:rPr lang="pt-BR" dirty="0"/>
-              <a:t>-Family</a:t>
+              <a:t>Estilos CSS internos</a:t>
             </a:r>
           </a:p>
         </p:txBody>
@@ -8167,7 +8976,7 @@
           <p:cNvPr id="3" name="Espaço Reservado para Conteúdo 2">
             <a:extLst>
               <a:ext uri="{FF2B5EF4-FFF2-40B4-BE49-F238E27FC236}">
-                <a16:creationId xmlns:a16="http://schemas.microsoft.com/office/drawing/2014/main" id="{8C1C9301-0688-4422-AB8B-F3136F19FAB6}"/>
+                <a16:creationId xmlns:a16="http://schemas.microsoft.com/office/drawing/2014/main" id="{6BE71D4A-859E-4BCB-B945-84CA67BA9E04}"/>
               </a:ext>
             </a:extLst>
           </p:cNvPr>
@@ -8181,7 +8990,7 @@
         <p:spPr>
           <a:xfrm>
             <a:off x="592347" y="1844675"/>
-            <a:ext cx="11007306" cy="1584325"/>
+            <a:ext cx="11007306" cy="1508125"/>
           </a:xfrm>
         </p:spPr>
         <p:txBody>
@@ -8190,48 +8999,49 @@
           <a:p>
             <a:r>
               <a:rPr lang="pt-BR" dirty="0"/>
-              <a:t>O estilo </a:t>
-            </a:r>
-            <a:r>
-              <a:rPr lang="pt-BR" b="1" dirty="0" err="1"/>
-              <a:t>font-family</a:t>
-            </a:r>
-            <a:r>
-              <a:rPr lang="pt-BR" b="1" dirty="0"/>
+              <a:t>O CSS (</a:t>
+            </a:r>
+            <a:r>
+              <a:rPr lang="pt-BR" dirty="0" err="1"/>
+              <a:t>Cascading</a:t>
+            </a:r>
+            <a:r>
+              <a:rPr lang="pt-BR" dirty="0"/>
               <a:t> </a:t>
             </a:r>
             <a:r>
+              <a:rPr lang="pt-BR" dirty="0" err="1"/>
+              <a:t>Style</a:t>
+            </a:r>
+            <a:r>
               <a:rPr lang="pt-BR" dirty="0"/>
-              <a:t>define o tipo de fonte (ou famílias de fontes) a ser utilizado. Você pode usar fontes padrão do sistema ou importar fontes personalizadas (como do Google </a:t>
+              <a:t> </a:t>
             </a:r>
             <a:r>
               <a:rPr lang="pt-BR" dirty="0" err="1"/>
-              <a:t>Fonts</a:t>
+              <a:t>Sheets</a:t>
             </a:r>
             <a:r>
               <a:rPr lang="pt-BR" dirty="0"/>
-              <a:t>). É recomendável fornecer uma lista de fontes como </a:t>
+              <a:t>) interno é uma forma de aplicar estilos a seus elementos HTML diretamente dentro da seção &lt;</a:t>
             </a:r>
             <a:r>
               <a:rPr lang="pt-BR" dirty="0" err="1"/>
-              <a:t>fallback</a:t>
+              <a:t>head</a:t>
             </a:r>
             <a:r>
               <a:rPr lang="pt-BR" dirty="0"/>
-              <a:t>.</a:t>
-            </a:r>
-          </a:p>
-          <a:p>
-            <a:endParaRPr lang="pt-BR" dirty="0"/>
-          </a:p>
-        </p:txBody>
-      </p:sp>
-      <p:sp>
-        <p:nvSpPr>
-          <p:cNvPr id="4" name="Retângulo 3">
-            <a:extLst>
-              <a:ext uri="{FF2B5EF4-FFF2-40B4-BE49-F238E27FC236}">
-                <a16:creationId xmlns:a16="http://schemas.microsoft.com/office/drawing/2014/main" id="{5763356A-B644-49A4-9DE1-EDDA8E349621}"/>
+              <a:t>&gt; do seu documento HTML. Isso significa que você não precisa criar um arquivo CSS externo, tornando a organização do seu código mais simples para projetos menores.</a:t>
+            </a:r>
+          </a:p>
+        </p:txBody>
+      </p:sp>
+      <p:sp>
+        <p:nvSpPr>
+          <p:cNvPr id="6" name="Retângulo 5">
+            <a:extLst>
+              <a:ext uri="{FF2B5EF4-FFF2-40B4-BE49-F238E27FC236}">
+                <a16:creationId xmlns:a16="http://schemas.microsoft.com/office/drawing/2014/main" id="{B89D280F-2788-4ECC-9176-2ADB9B80B5EC}"/>
               </a:ext>
             </a:extLst>
           </p:cNvPr>
@@ -8240,8 +9050,8 @@
         </p:nvSpPr>
         <p:spPr>
           <a:xfrm>
-            <a:off x="2847702" y="4108997"/>
-            <a:ext cx="6496595" cy="923330"/>
+            <a:off x="3492137" y="3792725"/>
+            <a:ext cx="5207726" cy="2123658"/>
           </a:xfrm>
           <a:prstGeom prst="rect">
             <a:avLst/>
@@ -8254,37 +9064,144 @@
           <a:lstStyle/>
           <a:p>
             <a:r>
-              <a:rPr lang="en-US" dirty="0">
+              <a:rPr lang="en-US" sz="1600" dirty="0">
                 <a:solidFill>
                   <a:srgbClr val="800000"/>
                 </a:solidFill>
                 <a:latin typeface="Consolas" panose="020B0609020204030204" pitchFamily="49" charset="0"/>
               </a:rPr>
-              <a:t>p</a:t>
-            </a:r>
-            <a:r>
-              <a:rPr lang="en-US" dirty="0">
+              <a:t>&lt;head&gt;</a:t>
+            </a:r>
+            <a:endParaRPr lang="en-US" sz="1600" dirty="0">
+              <a:solidFill>
+                <a:srgbClr val="000000"/>
+              </a:solidFill>
+              <a:latin typeface="Consolas" panose="020B0609020204030204" pitchFamily="49" charset="0"/>
+            </a:endParaRPr>
+          </a:p>
+          <a:p>
+            <a:r>
+              <a:rPr lang="en-US" sz="1600" dirty="0">
                 <a:solidFill>
                   <a:srgbClr val="000000"/>
                 </a:solidFill>
                 <a:latin typeface="Consolas" panose="020B0609020204030204" pitchFamily="49" charset="0"/>
               </a:rPr>
+              <a:t>    </a:t>
+            </a:r>
+            <a:r>
+              <a:rPr lang="en-US" sz="1600" dirty="0">
+                <a:solidFill>
+                  <a:srgbClr val="800000"/>
+                </a:solidFill>
+                <a:latin typeface="Consolas" panose="020B0609020204030204" pitchFamily="49" charset="0"/>
+              </a:rPr>
+              <a:t>&lt;style&gt;</a:t>
+            </a:r>
+            <a:endParaRPr lang="en-US" sz="1600" dirty="0">
+              <a:solidFill>
+                <a:srgbClr val="000000"/>
+              </a:solidFill>
+              <a:latin typeface="Consolas" panose="020B0609020204030204" pitchFamily="49" charset="0"/>
+            </a:endParaRPr>
+          </a:p>
+          <a:p>
+            <a:r>
+              <a:rPr lang="en-US" sz="1600" dirty="0">
+                <a:solidFill>
+                  <a:srgbClr val="000000"/>
+                </a:solidFill>
+                <a:latin typeface="Consolas" panose="020B0609020204030204" pitchFamily="49" charset="0"/>
+              </a:rPr>
+              <a:t>        </a:t>
+            </a:r>
+            <a:r>
+              <a:rPr lang="en-US" sz="1600" dirty="0">
+                <a:solidFill>
+                  <a:srgbClr val="800000"/>
+                </a:solidFill>
+                <a:latin typeface="Consolas" panose="020B0609020204030204" pitchFamily="49" charset="0"/>
+              </a:rPr>
+              <a:t>body</a:t>
+            </a:r>
+            <a:r>
+              <a:rPr lang="en-US" sz="1600" dirty="0">
+                <a:solidFill>
+                  <a:srgbClr val="000000"/>
+                </a:solidFill>
+                <a:latin typeface="Consolas" panose="020B0609020204030204" pitchFamily="49" charset="0"/>
+              </a:rPr>
               <a:t> {</a:t>
             </a:r>
           </a:p>
           <a:p>
-            <a:pPr indent="457200"/>
-            <a:r>
-              <a:rPr lang="en-US" dirty="0">
+            <a:r>
+              <a:rPr lang="en-US" sz="1600" dirty="0">
+                <a:solidFill>
+                  <a:srgbClr val="000000"/>
+                </a:solidFill>
+                <a:latin typeface="Consolas" panose="020B0609020204030204" pitchFamily="49" charset="0"/>
+              </a:rPr>
+              <a:t>            </a:t>
+            </a:r>
+            <a:r>
+              <a:rPr lang="en-US" sz="1600" dirty="0">
                 <a:solidFill>
                   <a:srgbClr val="E50000"/>
                 </a:solidFill>
                 <a:latin typeface="Consolas" panose="020B0609020204030204" pitchFamily="49" charset="0"/>
               </a:rPr>
+              <a:t>background-color</a:t>
+            </a:r>
+            <a:r>
+              <a:rPr lang="en-US" sz="1600" dirty="0">
+                <a:solidFill>
+                  <a:srgbClr val="000000"/>
+                </a:solidFill>
+                <a:latin typeface="Consolas" panose="020B0609020204030204" pitchFamily="49" charset="0"/>
+              </a:rPr>
+              <a:t>: </a:t>
+            </a:r>
+            <a:r>
+              <a:rPr lang="en-US" sz="1600" dirty="0" err="1">
+                <a:solidFill>
+                  <a:srgbClr val="0451A5"/>
+                </a:solidFill>
+                <a:latin typeface="Consolas" panose="020B0609020204030204" pitchFamily="49" charset="0"/>
+              </a:rPr>
+              <a:t>lightcyan</a:t>
+            </a:r>
+            <a:r>
+              <a:rPr lang="en-US" sz="1600" dirty="0">
+                <a:solidFill>
+                  <a:srgbClr val="000000"/>
+                </a:solidFill>
+                <a:latin typeface="Consolas" panose="020B0609020204030204" pitchFamily="49" charset="0"/>
+              </a:rPr>
+              <a:t>;</a:t>
+            </a:r>
+          </a:p>
+          <a:p>
+            <a:r>
+              <a:rPr lang="en-US" sz="1600" dirty="0">
+                <a:solidFill>
+                  <a:srgbClr val="000000"/>
+                </a:solidFill>
+                <a:latin typeface="Consolas" panose="020B0609020204030204" pitchFamily="49" charset="0"/>
+              </a:rPr>
+              <a:t>            </a:t>
+            </a:r>
+            <a:r>
+              <a:rPr lang="en-US" sz="1600" dirty="0">
+                <a:solidFill>
+                  <a:srgbClr val="E50000"/>
+                </a:solidFill>
+                <a:latin typeface="Consolas" panose="020B0609020204030204" pitchFamily="49" charset="0"/>
+              </a:rPr>
               <a:t>font-family</a:t>
             </a:r>
             <a:r>
-              <a:rPr lang="en-US" dirty="0">
+              <a:rPr lang="en-US" sz="1600" dirty="0">
                 <a:solidFill>
                   <a:srgbClr val="000000"/>
                 </a:solidFill>
@@ -8293,71 +9210,72 @@
               <a:t>: </a:t>
             </a:r>
             <a:r>
-              <a:rPr lang="en-US" dirty="0">
+              <a:rPr lang="en-US" sz="1600" dirty="0">
                 <a:solidFill>
                   <a:srgbClr val="A31515"/>
                 </a:solidFill>
                 <a:latin typeface="Consolas" panose="020B0609020204030204" pitchFamily="49" charset="0"/>
               </a:rPr>
-              <a:t>'Arial'</a:t>
-            </a:r>
-            <a:r>
-              <a:rPr lang="en-US" dirty="0">
+              <a:t>'Times New Roman'</a:t>
+            </a:r>
+            <a:r>
+              <a:rPr lang="en-US" sz="1600" dirty="0">
                 <a:solidFill>
                   <a:srgbClr val="000000"/>
                 </a:solidFill>
                 <a:latin typeface="Consolas" panose="020B0609020204030204" pitchFamily="49" charset="0"/>
               </a:rPr>
-              <a:t>, </a:t>
-            </a:r>
-            <a:r>
-              <a:rPr lang="en-US" dirty="0">
-                <a:solidFill>
-                  <a:srgbClr val="A31515"/>
-                </a:solidFill>
-                <a:latin typeface="Consolas" panose="020B0609020204030204" pitchFamily="49" charset="0"/>
-              </a:rPr>
-              <a:t>'Helvetica'</a:t>
-            </a:r>
-            <a:r>
-              <a:rPr lang="en-US" dirty="0">
+              <a:t>;</a:t>
+            </a:r>
+          </a:p>
+          <a:p>
+            <a:r>
+              <a:rPr lang="en-US" sz="1600" dirty="0">
                 <a:solidFill>
                   <a:srgbClr val="000000"/>
                 </a:solidFill>
                 <a:latin typeface="Consolas" panose="020B0609020204030204" pitchFamily="49" charset="0"/>
               </a:rPr>
-              <a:t>, </a:t>
-            </a:r>
-            <a:r>
-              <a:rPr lang="en-US" dirty="0">
-                <a:solidFill>
-                  <a:srgbClr val="0451A5"/>
-                </a:solidFill>
-                <a:latin typeface="Consolas" panose="020B0609020204030204" pitchFamily="49" charset="0"/>
-              </a:rPr>
-              <a:t>sans-serif</a:t>
-            </a:r>
-            <a:r>
-              <a:rPr lang="en-US" dirty="0">
+              <a:t>        }</a:t>
+            </a:r>
+          </a:p>
+          <a:p>
+            <a:r>
+              <a:rPr lang="en-US" sz="1600" dirty="0">
                 <a:solidFill>
                   <a:srgbClr val="000000"/>
                 </a:solidFill>
                 <a:latin typeface="Consolas" panose="020B0609020204030204" pitchFamily="49" charset="0"/>
               </a:rPr>
-              <a:t>;</a:t>
-            </a:r>
-          </a:p>
-          <a:p>
-            <a:r>
-              <a:rPr lang="en-US" dirty="0">
+              <a:t>    </a:t>
+            </a:r>
+            <a:r>
+              <a:rPr lang="en-US" sz="1600" dirty="0">
+                <a:solidFill>
+                  <a:srgbClr val="800000"/>
+                </a:solidFill>
+                <a:latin typeface="Consolas" panose="020B0609020204030204" pitchFamily="49" charset="0"/>
+              </a:rPr>
+              <a:t>&lt;/style&gt;</a:t>
+            </a:r>
+            <a:br>
+              <a:rPr lang="en-US" sz="1600" dirty="0">
                 <a:solidFill>
                   <a:srgbClr val="000000"/>
                 </a:solidFill>
                 <a:latin typeface="Consolas" panose="020B0609020204030204" pitchFamily="49" charset="0"/>
               </a:rPr>
-              <a:t>}</a:t>
-            </a:r>
-            <a:endParaRPr lang="en-US" b="0" dirty="0">
+            </a:br>
+            <a:r>
+              <a:rPr lang="en-US" sz="1600" dirty="0">
+                <a:solidFill>
+                  <a:srgbClr val="800000"/>
+                </a:solidFill>
+                <a:latin typeface="Consolas" panose="020B0609020204030204" pitchFamily="49" charset="0"/>
+              </a:rPr>
+              <a:t>&lt;/head&gt;</a:t>
+            </a:r>
+            <a:endParaRPr lang="en-US" sz="1600" b="0" dirty="0">
               <a:solidFill>
                 <a:srgbClr val="000000"/>
               </a:solidFill>
@@ -8370,7 +9288,7 @@
     </p:spTree>
     <p:extLst>
       <p:ext uri="{BB962C8B-B14F-4D97-AF65-F5344CB8AC3E}">
-        <p14:creationId xmlns:p14="http://schemas.microsoft.com/office/powerpoint/2010/main" val="3299593644"/>
+        <p14:creationId xmlns:p14="http://schemas.microsoft.com/office/powerpoint/2010/main" val="1436624589"/>
       </p:ext>
     </p:extLst>
   </p:cSld>
@@ -8402,7 +9320,7 @@
           <p:cNvPr id="2" name="Título 1">
             <a:extLst>
               <a:ext uri="{FF2B5EF4-FFF2-40B4-BE49-F238E27FC236}">
-                <a16:creationId xmlns:a16="http://schemas.microsoft.com/office/drawing/2014/main" id="{F2DBC6A5-6C1B-4738-ACDB-1A4C654B30DB}"/>
+                <a16:creationId xmlns:a16="http://schemas.microsoft.com/office/drawing/2014/main" id="{2E5BD174-CB19-4831-82DD-3C055286FB32}"/>
               </a:ext>
             </a:extLst>
           </p:cNvPr>
@@ -8419,10 +9337,9 @@
           <a:lstStyle/>
           <a:p>
             <a:r>
-              <a:rPr lang="pt-BR" dirty="0" err="1"/>
-              <a:t>Font-Size</a:t>
-            </a:r>
-            <a:endParaRPr lang="pt-BR" dirty="0"/>
+              <a:rPr lang="pt-BR" dirty="0"/>
+              <a:t>Estilos CSS externos</a:t>
+            </a:r>
           </a:p>
         </p:txBody>
       </p:sp>
@@ -8431,7 +9348,7 @@
           <p:cNvPr id="3" name="Espaço Reservado para Conteúdo 2">
             <a:extLst>
               <a:ext uri="{FF2B5EF4-FFF2-40B4-BE49-F238E27FC236}">
-                <a16:creationId xmlns:a16="http://schemas.microsoft.com/office/drawing/2014/main" id="{088FB423-FF10-4655-8638-B8535682AA3F}"/>
+                <a16:creationId xmlns:a16="http://schemas.microsoft.com/office/drawing/2014/main" id="{6BE71D4A-859E-4BCB-B945-84CA67BA9E04}"/>
               </a:ext>
             </a:extLst>
           </p:cNvPr>
@@ -8445,7 +9362,7 @@
         <p:spPr>
           <a:xfrm>
             <a:off x="592347" y="1844675"/>
-            <a:ext cx="11007306" cy="1194616"/>
+            <a:ext cx="11007306" cy="1584325"/>
           </a:xfrm>
         </p:spPr>
         <p:txBody>
@@ -8454,36 +9371,195 @@
           <a:p>
             <a:r>
               <a:rPr lang="pt-BR" dirty="0"/>
-              <a:t>O estilo </a:t>
-            </a:r>
-            <a:r>
-              <a:rPr lang="pt-BR" b="1" dirty="0" err="1"/>
-              <a:t>font-size</a:t>
+              <a:t>O CSS externo é uma forma de separar as regras de estilo do seu HTML, colocando-as em um arquivo à parte, geralmente com a extensão .</a:t>
+            </a:r>
+            <a:r>
+              <a:rPr lang="pt-BR" dirty="0" err="1"/>
+              <a:t>css</a:t>
             </a:r>
             <a:r>
               <a:rPr lang="pt-BR" dirty="0"/>
-              <a:t> é responsável por definir o tamanho do texto em um elemento. Recomenda-se o uso das unidades de medida </a:t>
-            </a:r>
-            <a:r>
-              <a:rPr lang="pt-BR" dirty="0" err="1"/>
-              <a:t>px</a:t>
-            </a:r>
-            <a:r>
-              <a:rPr lang="pt-BR" dirty="0"/>
-              <a:t> (pixels) e em para garantir maior controle e flexibilidade.</a:t>
-            </a:r>
-          </a:p>
-          <a:p>
-            <a:endParaRPr lang="pt-BR" dirty="0"/>
+              <a:t>. Essa prática é altamente recomendada para projetos maiores, pois facilita a organização, a manutenção e a reutilização dos estilos.</a:t>
+            </a:r>
+          </a:p>
+        </p:txBody>
+      </p:sp>
+      <p:sp>
+        <p:nvSpPr>
+          <p:cNvPr id="5" name="Retângulo 4">
+            <a:extLst>
+              <a:ext uri="{FF2B5EF4-FFF2-40B4-BE49-F238E27FC236}">
+                <a16:creationId xmlns:a16="http://schemas.microsoft.com/office/drawing/2014/main" id="{C8D77859-BC1B-40FE-B082-17642801F104}"/>
+              </a:ext>
+            </a:extLst>
+          </p:cNvPr>
+          <p:cNvSpPr/>
+          <p:nvPr/>
+        </p:nvSpPr>
+        <p:spPr>
+          <a:xfrm>
+            <a:off x="1203111" y="4448630"/>
+            <a:ext cx="4519501" cy="738664"/>
+          </a:xfrm>
+          <a:prstGeom prst="rect">
+            <a:avLst/>
+          </a:prstGeom>
+        </p:spPr>
+        <p:txBody>
+          <a:bodyPr wrap="square">
+            <a:spAutoFit/>
+          </a:bodyPr>
+          <a:lstStyle/>
+          <a:p>
+            <a:r>
+              <a:rPr lang="en-US" sz="1400" dirty="0">
+                <a:solidFill>
+                  <a:srgbClr val="800000"/>
+                </a:solidFill>
+                <a:latin typeface="Consolas" panose="020B0609020204030204" pitchFamily="49" charset="0"/>
+              </a:rPr>
+              <a:t>&lt;head&gt;</a:t>
+            </a:r>
+            <a:endParaRPr lang="en-US" sz="1400" dirty="0">
+              <a:solidFill>
+                <a:srgbClr val="000000"/>
+              </a:solidFill>
+              <a:latin typeface="Consolas" panose="020B0609020204030204" pitchFamily="49" charset="0"/>
+            </a:endParaRPr>
+          </a:p>
+          <a:p>
+            <a:r>
+              <a:rPr lang="en-US" sz="1400" dirty="0">
+                <a:solidFill>
+                  <a:srgbClr val="000000"/>
+                </a:solidFill>
+                <a:latin typeface="Consolas" panose="020B0609020204030204" pitchFamily="49" charset="0"/>
+              </a:rPr>
+              <a:t>    </a:t>
+            </a:r>
+            <a:r>
+              <a:rPr lang="en-US" sz="1400" dirty="0">
+                <a:solidFill>
+                  <a:srgbClr val="800000"/>
+                </a:solidFill>
+                <a:latin typeface="Consolas" panose="020B0609020204030204" pitchFamily="49" charset="0"/>
+              </a:rPr>
+              <a:t>&lt;link</a:t>
+            </a:r>
+            <a:r>
+              <a:rPr lang="en-US" sz="1400" dirty="0">
+                <a:solidFill>
+                  <a:srgbClr val="000000"/>
+                </a:solidFill>
+                <a:latin typeface="Consolas" panose="020B0609020204030204" pitchFamily="49" charset="0"/>
+              </a:rPr>
+              <a:t> </a:t>
+            </a:r>
+            <a:r>
+              <a:rPr lang="en-US" sz="1400" dirty="0" err="1">
+                <a:solidFill>
+                  <a:srgbClr val="E50000"/>
+                </a:solidFill>
+                <a:latin typeface="Consolas" panose="020B0609020204030204" pitchFamily="49" charset="0"/>
+              </a:rPr>
+              <a:t>rel</a:t>
+            </a:r>
+            <a:r>
+              <a:rPr lang="en-US" sz="1400" dirty="0">
+                <a:solidFill>
+                  <a:srgbClr val="000000"/>
+                </a:solidFill>
+                <a:latin typeface="Consolas" panose="020B0609020204030204" pitchFamily="49" charset="0"/>
+              </a:rPr>
+              <a:t>=</a:t>
+            </a:r>
+            <a:r>
+              <a:rPr lang="en-US" sz="1400" dirty="0">
+                <a:solidFill>
+                  <a:srgbClr val="0000FF"/>
+                </a:solidFill>
+                <a:latin typeface="Consolas" panose="020B0609020204030204" pitchFamily="49" charset="0"/>
+              </a:rPr>
+              <a:t>"stylesheet"</a:t>
+            </a:r>
+            <a:r>
+              <a:rPr lang="en-US" sz="1400" dirty="0">
+                <a:solidFill>
+                  <a:srgbClr val="000000"/>
+                </a:solidFill>
+                <a:latin typeface="Consolas" panose="020B0609020204030204" pitchFamily="49" charset="0"/>
+              </a:rPr>
+              <a:t> </a:t>
+            </a:r>
+            <a:r>
+              <a:rPr lang="en-US" sz="1400" dirty="0" err="1">
+                <a:solidFill>
+                  <a:srgbClr val="E50000"/>
+                </a:solidFill>
+                <a:latin typeface="Consolas" panose="020B0609020204030204" pitchFamily="49" charset="0"/>
+              </a:rPr>
+              <a:t>href</a:t>
+            </a:r>
+            <a:r>
+              <a:rPr lang="en-US" sz="1400" dirty="0">
+                <a:solidFill>
+                  <a:srgbClr val="000000"/>
+                </a:solidFill>
+                <a:latin typeface="Consolas" panose="020B0609020204030204" pitchFamily="49" charset="0"/>
+              </a:rPr>
+              <a:t>=</a:t>
+            </a:r>
+            <a:r>
+              <a:rPr lang="en-US" sz="1400" dirty="0">
+                <a:solidFill>
+                  <a:srgbClr val="0000FF"/>
+                </a:solidFill>
+                <a:latin typeface="Consolas" panose="020B0609020204030204" pitchFamily="49" charset="0"/>
+              </a:rPr>
+              <a:t>"style.css"</a:t>
+            </a:r>
+            <a:r>
+              <a:rPr lang="en-US" sz="1400" dirty="0">
+                <a:solidFill>
+                  <a:srgbClr val="800000"/>
+                </a:solidFill>
+                <a:latin typeface="Consolas" panose="020B0609020204030204" pitchFamily="49" charset="0"/>
+              </a:rPr>
+              <a:t>&gt;</a:t>
+            </a:r>
+            <a:endParaRPr lang="en-US" sz="1400" dirty="0">
+              <a:solidFill>
+                <a:srgbClr val="000000"/>
+              </a:solidFill>
+              <a:latin typeface="Consolas" panose="020B0609020204030204" pitchFamily="49" charset="0"/>
+            </a:endParaRPr>
+          </a:p>
+          <a:p>
+            <a:r>
+              <a:rPr lang="en-US" sz="1400" dirty="0">
+                <a:solidFill>
+                  <a:srgbClr val="800000"/>
+                </a:solidFill>
+                <a:latin typeface="Consolas" panose="020B0609020204030204" pitchFamily="49" charset="0"/>
+              </a:rPr>
+              <a:t>&lt;/head&gt;</a:t>
+            </a:r>
+            <a:endParaRPr lang="en-US" sz="1400" b="0" dirty="0">
+              <a:solidFill>
+                <a:srgbClr val="000000"/>
+              </a:solidFill>
+              <a:effectLst/>
+              <a:latin typeface="Consolas" panose="020B0609020204030204" pitchFamily="49" charset="0"/>
+            </a:endParaRPr>
           </a:p>
         </p:txBody>
       </p:sp>
       <p:pic>
         <p:nvPicPr>
-          <p:cNvPr id="5" name="Imagem 4">
-            <a:extLst>
-              <a:ext uri="{FF2B5EF4-FFF2-40B4-BE49-F238E27FC236}">
-                <a16:creationId xmlns:a16="http://schemas.microsoft.com/office/drawing/2014/main" id="{95C28C88-9730-481A-9783-9AF80F16FB29}"/>
+          <p:cNvPr id="6" name="Imagem 5">
+            <a:extLst>
+              <a:ext uri="{FF2B5EF4-FFF2-40B4-BE49-F238E27FC236}">
+                <a16:creationId xmlns:a16="http://schemas.microsoft.com/office/drawing/2014/main" id="{2F72DDA5-482B-42F3-AEE0-CEF2A3AEC7BD}"/>
               </a:ext>
             </a:extLst>
           </p:cNvPr>
@@ -8500,8 +9576,8 @@
         </p:blipFill>
         <p:spPr>
           <a:xfrm>
-            <a:off x="1162050" y="3354921"/>
-            <a:ext cx="9867900" cy="1409700"/>
+            <a:off x="6925723" y="3743525"/>
+            <a:ext cx="1305107" cy="295316"/>
           </a:xfrm>
           <a:prstGeom prst="rect">
             <a:avLst/>
@@ -8510,10 +9586,10 @@
       </p:pic>
       <p:sp>
         <p:nvSpPr>
-          <p:cNvPr id="6" name="Retângulo 5">
-            <a:extLst>
-              <a:ext uri="{FF2B5EF4-FFF2-40B4-BE49-F238E27FC236}">
-                <a16:creationId xmlns:a16="http://schemas.microsoft.com/office/drawing/2014/main" id="{5FAFFD2F-8981-4210-AA10-75346E94CE14}"/>
+          <p:cNvPr id="7" name="Retângulo 6">
+            <a:extLst>
+              <a:ext uri="{FF2B5EF4-FFF2-40B4-BE49-F238E27FC236}">
+                <a16:creationId xmlns:a16="http://schemas.microsoft.com/office/drawing/2014/main" id="{A6142808-C810-493D-9689-C16FAE2A6BB6}"/>
               </a:ext>
             </a:extLst>
           </p:cNvPr>
@@ -8522,8 +9598,8 @@
         </p:nvSpPr>
         <p:spPr>
           <a:xfrm>
-            <a:off x="4763589" y="5080250"/>
-            <a:ext cx="2664822" cy="1200329"/>
+            <a:off x="6925723" y="4448630"/>
+            <a:ext cx="4063166" cy="954107"/>
           </a:xfrm>
           <a:prstGeom prst="rect">
             <a:avLst/>
@@ -8536,16 +9612,16 @@
           <a:lstStyle/>
           <a:p>
             <a:r>
-              <a:rPr lang="pt-BR" dirty="0">
+              <a:rPr lang="en-US" sz="1400" dirty="0">
                 <a:solidFill>
                   <a:srgbClr val="800000"/>
                 </a:solidFill>
                 <a:latin typeface="Consolas" panose="020B0609020204030204" pitchFamily="49" charset="0"/>
               </a:rPr>
-              <a:t>p</a:t>
-            </a:r>
-            <a:r>
-              <a:rPr lang="pt-BR" dirty="0">
+              <a:t>body</a:t>
+            </a:r>
+            <a:r>
+              <a:rPr lang="en-US" sz="1400" dirty="0">
                 <a:solidFill>
                   <a:srgbClr val="000000"/>
                 </a:solidFill>
@@ -8555,18 +9631,26 @@
             </a:r>
           </a:p>
           <a:p>
-            <a:pPr indent="457200"/>
-            <a:r>
-              <a:rPr lang="pt-BR" dirty="0" err="1">
+            <a:r>
+              <a:rPr lang="en-US" sz="1400" dirty="0">
+                <a:solidFill>
+                  <a:srgbClr val="000000"/>
+                </a:solidFill>
+                <a:latin typeface="Consolas" panose="020B0609020204030204" pitchFamily="49" charset="0"/>
+              </a:rPr>
+              <a:t>    </a:t>
+            </a:r>
+            <a:r>
+              <a:rPr lang="en-US" sz="1400" dirty="0">
                 <a:solidFill>
                   <a:srgbClr val="E50000"/>
                 </a:solidFill>
                 <a:latin typeface="Consolas" panose="020B0609020204030204" pitchFamily="49" charset="0"/>
               </a:rPr>
-              <a:t>font-size</a:t>
-            </a:r>
-            <a:r>
-              <a:rPr lang="pt-BR" dirty="0">
+              <a:t>background-color</a:t>
+            </a:r>
+            <a:r>
+              <a:rPr lang="en-US" sz="1400" dirty="0">
                 <a:solidFill>
                   <a:srgbClr val="000000"/>
                 </a:solidFill>
@@ -8575,16 +9659,16 @@
               <a:t>: </a:t>
             </a:r>
             <a:r>
-              <a:rPr lang="pt-BR" dirty="0">
-                <a:solidFill>
-                  <a:srgbClr val="098658"/>
-                </a:solidFill>
-                <a:latin typeface="Consolas" panose="020B0609020204030204" pitchFamily="49" charset="0"/>
-              </a:rPr>
-              <a:t>16px</a:t>
-            </a:r>
-            <a:r>
-              <a:rPr lang="pt-BR" dirty="0">
+              <a:rPr lang="en-US" sz="1400" dirty="0" err="1">
+                <a:solidFill>
+                  <a:srgbClr val="0451A5"/>
+                </a:solidFill>
+                <a:latin typeface="Consolas" panose="020B0609020204030204" pitchFamily="49" charset="0"/>
+              </a:rPr>
+              <a:t>lightcyan</a:t>
+            </a:r>
+            <a:r>
+              <a:rPr lang="en-US" sz="1400" dirty="0">
                 <a:solidFill>
                   <a:srgbClr val="000000"/>
                 </a:solidFill>
@@ -8594,18 +9678,26 @@
             </a:r>
           </a:p>
           <a:p>
-            <a:pPr indent="457200"/>
-            <a:r>
-              <a:rPr lang="pt-BR" dirty="0" err="1">
+            <a:r>
+              <a:rPr lang="en-US" sz="1400" dirty="0">
+                <a:solidFill>
+                  <a:srgbClr val="000000"/>
+                </a:solidFill>
+                <a:latin typeface="Consolas" panose="020B0609020204030204" pitchFamily="49" charset="0"/>
+              </a:rPr>
+              <a:t>    </a:t>
+            </a:r>
+            <a:r>
+              <a:rPr lang="en-US" sz="1400" dirty="0">
                 <a:solidFill>
                   <a:srgbClr val="E50000"/>
                 </a:solidFill>
                 <a:latin typeface="Consolas" panose="020B0609020204030204" pitchFamily="49" charset="0"/>
               </a:rPr>
-              <a:t>font-size</a:t>
-            </a:r>
-            <a:r>
-              <a:rPr lang="pt-BR" dirty="0">
+              <a:t>font-family</a:t>
+            </a:r>
+            <a:r>
+              <a:rPr lang="en-US" sz="1400" dirty="0">
                 <a:solidFill>
                   <a:srgbClr val="000000"/>
                 </a:solidFill>
@@ -8614,16 +9706,16 @@
               <a:t>: </a:t>
             </a:r>
             <a:r>
-              <a:rPr lang="pt-BR" dirty="0">
-                <a:solidFill>
-                  <a:srgbClr val="098658"/>
-                </a:solidFill>
-                <a:latin typeface="Consolas" panose="020B0609020204030204" pitchFamily="49" charset="0"/>
-              </a:rPr>
-              <a:t>1em</a:t>
-            </a:r>
-            <a:r>
-              <a:rPr lang="pt-BR" dirty="0">
+              <a:rPr lang="en-US" sz="1400" dirty="0">
+                <a:solidFill>
+                  <a:srgbClr val="A31515"/>
+                </a:solidFill>
+                <a:latin typeface="Consolas" panose="020B0609020204030204" pitchFamily="49" charset="0"/>
+              </a:rPr>
+              <a:t>'Times New Roman'</a:t>
+            </a:r>
+            <a:r>
+              <a:rPr lang="en-US" sz="1400" dirty="0">
                 <a:solidFill>
                   <a:srgbClr val="000000"/>
                 </a:solidFill>
@@ -8634,7 +9726,7 @@
           </a:p>
           <a:p>
             <a:r>
-              <a:rPr lang="pt-BR" dirty="0">
+              <a:rPr lang="en-US" sz="1400" dirty="0">
                 <a:solidFill>
                   <a:srgbClr val="000000"/>
                 </a:solidFill>
@@ -8642,7 +9734,7 @@
               </a:rPr>
               <a:t>}</a:t>
             </a:r>
-            <a:endParaRPr lang="pt-BR" b="0" dirty="0">
+            <a:endParaRPr lang="en-US" sz="1400" b="0" dirty="0">
               <a:solidFill>
                 <a:srgbClr val="000000"/>
               </a:solidFill>
@@ -8652,10 +9744,40 @@
           </a:p>
         </p:txBody>
       </p:sp>
+      <p:pic>
+        <p:nvPicPr>
+          <p:cNvPr id="9" name="Imagem 8">
+            <a:extLst>
+              <a:ext uri="{FF2B5EF4-FFF2-40B4-BE49-F238E27FC236}">
+                <a16:creationId xmlns:a16="http://schemas.microsoft.com/office/drawing/2014/main" id="{A8BEBA89-8BCE-490C-BF69-C6DF5B1184B6}"/>
+              </a:ext>
+            </a:extLst>
+          </p:cNvPr>
+          <p:cNvPicPr>
+            <a:picLocks noChangeAspect="1"/>
+          </p:cNvPicPr>
+          <p:nvPr/>
+        </p:nvPicPr>
+        <p:blipFill>
+          <a:blip r:embed="rId3"/>
+          <a:stretch>
+            <a:fillRect/>
+          </a:stretch>
+        </p:blipFill>
+        <p:spPr>
+          <a:xfrm>
+            <a:off x="1203111" y="3743525"/>
+            <a:ext cx="1543265" cy="323895"/>
+          </a:xfrm>
+          <a:prstGeom prst="rect">
+            <a:avLst/>
+          </a:prstGeom>
+        </p:spPr>
+      </p:pic>
     </p:spTree>
     <p:extLst>
       <p:ext uri="{BB962C8B-B14F-4D97-AF65-F5344CB8AC3E}">
-        <p14:creationId xmlns:p14="http://schemas.microsoft.com/office/powerpoint/2010/main" val="3339954836"/>
+        <p14:creationId xmlns:p14="http://schemas.microsoft.com/office/powerpoint/2010/main" val="1301417662"/>
       </p:ext>
     </p:extLst>
   </p:cSld>

--- a/Módulo 01 - HTML e CSS/Aula 04 - Introdução ao CSS/Introdução ao CSS.pptx
+++ b/Módulo 01 - HTML e CSS/Aula 04 - Introdução ao CSS/Introdução ao CSS.pptx
@@ -5,10 +5,10 @@
     <p:sldMasterId id="2147483677" r:id="rId1"/>
   </p:sldMasterIdLst>
   <p:notesMasterIdLst>
-    <p:notesMasterId r:id="rId21"/>
+    <p:notesMasterId r:id="rId23"/>
   </p:notesMasterIdLst>
   <p:handoutMasterIdLst>
-    <p:handoutMasterId r:id="rId22"/>
+    <p:handoutMasterId r:id="rId24"/>
   </p:handoutMasterIdLst>
   <p:sldIdLst>
     <p:sldId id="256" r:id="rId2"/>
@@ -30,6 +30,8 @@
     <p:sldId id="281" r:id="rId18"/>
     <p:sldId id="282" r:id="rId19"/>
     <p:sldId id="283" r:id="rId20"/>
+    <p:sldId id="290" r:id="rId21"/>
+    <p:sldId id="291" r:id="rId22"/>
   </p:sldIdLst>
   <p:sldSz cx="12192000" cy="6858000"/>
   <p:notesSz cx="6858000" cy="9144000"/>
@@ -244,7 +246,7 @@
           <a:p>
             <a:fld id="{0F28648D-752F-4D9E-8EC2-61293C3E9BC7}" type="datetimeFigureOut">
               <a:rPr lang="pt-BR" smtClean="0"/>
-              <a:t>28/01/2025</a:t>
+              <a:t>04/02/2025</a:t>
             </a:fld>
             <a:endParaRPr lang="pt-BR"/>
           </a:p>
@@ -421,7 +423,7 @@
           <a:p>
             <a:fld id="{C67E822F-2664-47C4-8404-83B1D4D0E6EE}" type="datetimeFigureOut">
               <a:rPr lang="pt-BR" smtClean="0"/>
-              <a:t>28/01/2025</a:t>
+              <a:t>04/02/2025</a:t>
             </a:fld>
             <a:endParaRPr lang="pt-BR"/>
           </a:p>
@@ -1124,7 +1126,7 @@
           <a:p>
             <a:fld id="{CDD55C27-F8C6-4481-8569-CAC50CAE9F1F}" type="datetimeFigureOut">
               <a:rPr lang="pt-BR" smtClean="0"/>
-              <a:t>28/01/2025</a:t>
+              <a:t>04/02/2025</a:t>
             </a:fld>
             <a:endParaRPr lang="pt-BR"/>
           </a:p>
@@ -1614,7 +1616,7 @@
           <a:p>
             <a:fld id="{CDD55C27-F8C6-4481-8569-CAC50CAE9F1F}" type="datetimeFigureOut">
               <a:rPr lang="pt-BR" smtClean="0"/>
-              <a:t>28/01/2025</a:t>
+              <a:t>04/02/2025</a:t>
             </a:fld>
             <a:endParaRPr lang="pt-BR"/>
           </a:p>
@@ -1917,7 +1919,7 @@
           <a:p>
             <a:fld id="{CDD55C27-F8C6-4481-8569-CAC50CAE9F1F}" type="datetimeFigureOut">
               <a:rPr lang="pt-BR" smtClean="0"/>
-              <a:t>28/01/2025</a:t>
+              <a:t>04/02/2025</a:t>
             </a:fld>
             <a:endParaRPr lang="pt-BR"/>
           </a:p>
@@ -2368,7 +2370,7 @@
           <a:p>
             <a:fld id="{CDD55C27-F8C6-4481-8569-CAC50CAE9F1F}" type="datetimeFigureOut">
               <a:rPr lang="pt-BR" smtClean="0"/>
-              <a:t>28/01/2025</a:t>
+              <a:t>04/02/2025</a:t>
             </a:fld>
             <a:endParaRPr lang="pt-BR"/>
           </a:p>
@@ -2541,7 +2543,7 @@
           <a:p>
             <a:fld id="{CDD55C27-F8C6-4481-8569-CAC50CAE9F1F}" type="datetimeFigureOut">
               <a:rPr lang="pt-BR" smtClean="0"/>
-              <a:t>28/01/2025</a:t>
+              <a:t>04/02/2025</a:t>
             </a:fld>
             <a:endParaRPr lang="pt-BR"/>
           </a:p>
@@ -2678,7 +2680,7 @@
           <a:p>
             <a:fld id="{CDD55C27-F8C6-4481-8569-CAC50CAE9F1F}" type="datetimeFigureOut">
               <a:rPr lang="pt-BR" smtClean="0"/>
-              <a:t>28/01/2025</a:t>
+              <a:t>04/02/2025</a:t>
             </a:fld>
             <a:endParaRPr lang="pt-BR"/>
           </a:p>
@@ -3022,7 +3024,7 @@
           <a:p>
             <a:fld id="{CDD55C27-F8C6-4481-8569-CAC50CAE9F1F}" type="datetimeFigureOut">
               <a:rPr lang="pt-BR" smtClean="0"/>
-              <a:t>28/01/2025</a:t>
+              <a:t>04/02/2025</a:t>
             </a:fld>
             <a:endParaRPr lang="pt-BR"/>
           </a:p>
@@ -3343,7 +3345,7 @@
           <a:p>
             <a:fld id="{CDD55C27-F8C6-4481-8569-CAC50CAE9F1F}" type="datetimeFigureOut">
               <a:rPr lang="pt-BR" smtClean="0"/>
-              <a:t>28/01/2025</a:t>
+              <a:t>04/02/2025</a:t>
             </a:fld>
             <a:endParaRPr lang="pt-BR"/>
           </a:p>
@@ -7642,6 +7644,307 @@
     <p:extLst>
       <p:ext uri="{BB962C8B-B14F-4D97-AF65-F5344CB8AC3E}">
         <p14:creationId xmlns:p14="http://schemas.microsoft.com/office/powerpoint/2010/main" val="3342989571"/>
+      </p:ext>
+    </p:extLst>
+  </p:cSld>
+  <p:clrMapOvr>
+    <a:masterClrMapping/>
+  </p:clrMapOvr>
+</p:sld>
+</file>
+
+<file path=ppt/slides/slide20.xml><?xml version="1.0" encoding="utf-8"?>
+<p:sld xmlns:a="http://schemas.openxmlformats.org/drawingml/2006/main" xmlns:r="http://schemas.openxmlformats.org/officeDocument/2006/relationships" xmlns:p="http://schemas.openxmlformats.org/presentationml/2006/main">
+  <p:cSld>
+    <p:spTree>
+      <p:nvGrpSpPr>
+        <p:cNvPr id="1" name=""/>
+        <p:cNvGrpSpPr/>
+        <p:nvPr/>
+      </p:nvGrpSpPr>
+      <p:grpSpPr>
+        <a:xfrm>
+          <a:off x="0" y="0"/>
+          <a:ext cx="0" cy="0"/>
+          <a:chOff x="0" y="0"/>
+          <a:chExt cx="0" cy="0"/>
+        </a:xfrm>
+      </p:grpSpPr>
+      <p:sp>
+        <p:nvSpPr>
+          <p:cNvPr id="2" name="Título 1">
+            <a:extLst>
+              <a:ext uri="{FF2B5EF4-FFF2-40B4-BE49-F238E27FC236}">
+                <a16:creationId xmlns:a16="http://schemas.microsoft.com/office/drawing/2014/main" id="{51449A04-69FE-4CD1-A7E7-7D744CB114B9}"/>
+              </a:ext>
+            </a:extLst>
+          </p:cNvPr>
+          <p:cNvSpPr>
+            <a:spLocks noGrp="1"/>
+          </p:cNvSpPr>
+          <p:nvPr>
+            <p:ph type="title"/>
+          </p:nvPr>
+        </p:nvSpPr>
+        <p:spPr/>
+        <p:txBody>
+          <a:bodyPr/>
+          <a:lstStyle/>
+          <a:p>
+            <a:r>
+              <a:rPr lang="pt-BR" dirty="0"/>
+              <a:t>Desafio 1: Personalizando um Título</a:t>
+            </a:r>
+          </a:p>
+        </p:txBody>
+      </p:sp>
+      <p:sp>
+        <p:nvSpPr>
+          <p:cNvPr id="3" name="Espaço Reservado para Conteúdo 2">
+            <a:extLst>
+              <a:ext uri="{FF2B5EF4-FFF2-40B4-BE49-F238E27FC236}">
+                <a16:creationId xmlns:a16="http://schemas.microsoft.com/office/drawing/2014/main" id="{EF437505-4806-452E-B815-BFF7DAD62492}"/>
+              </a:ext>
+            </a:extLst>
+          </p:cNvPr>
+          <p:cNvSpPr>
+            <a:spLocks noGrp="1"/>
+          </p:cNvSpPr>
+          <p:nvPr>
+            <p:ph idx="1"/>
+          </p:nvPr>
+        </p:nvSpPr>
+        <p:spPr/>
+        <p:txBody>
+          <a:bodyPr/>
+          <a:lstStyle/>
+          <a:p>
+            <a:r>
+              <a:rPr lang="pt-BR" dirty="0"/>
+              <a:t>Os títulos são a primeira coisa que os usuários notam em uma página, então é essencial que tenham um visual impactante e legível. Vamos aplicar estilos para torná-lo mais atraente e destacado.</a:t>
+            </a:r>
+          </a:p>
+          <a:p>
+            <a:pPr marL="1028700" lvl="1" indent="-342900"/>
+            <a:r>
+              <a:rPr lang="pt-BR" dirty="0"/>
+              <a:t>Fonte: "Arial", </a:t>
+            </a:r>
+            <a:r>
+              <a:rPr lang="pt-BR" dirty="0" err="1"/>
+              <a:t>sans-serif</a:t>
+            </a:r>
+            <a:r>
+              <a:rPr lang="pt-BR" dirty="0"/>
+              <a:t> </a:t>
+            </a:r>
+          </a:p>
+          <a:p>
+            <a:pPr marL="1028700" lvl="1" indent="-342900"/>
+            <a:r>
+              <a:rPr lang="pt-BR" dirty="0"/>
+              <a:t>Tamanho: 36px </a:t>
+            </a:r>
+          </a:p>
+          <a:p>
+            <a:pPr marL="1028700" lvl="1" indent="-342900"/>
+            <a:r>
+              <a:rPr lang="pt-BR" dirty="0"/>
+              <a:t>Peso: </a:t>
+            </a:r>
+            <a:r>
+              <a:rPr lang="pt-BR" dirty="0" err="1"/>
+              <a:t>bold</a:t>
+            </a:r>
+            <a:r>
+              <a:rPr lang="pt-BR" dirty="0"/>
+              <a:t> </a:t>
+            </a:r>
+          </a:p>
+          <a:p>
+            <a:pPr marL="1028700" lvl="1" indent="-342900"/>
+            <a:r>
+              <a:rPr lang="pt-BR" dirty="0"/>
+              <a:t>Estilo: </a:t>
+            </a:r>
+            <a:r>
+              <a:rPr lang="pt-BR" dirty="0" err="1"/>
+              <a:t>none</a:t>
+            </a:r>
+            <a:r>
+              <a:rPr lang="pt-BR"/>
+              <a:t> </a:t>
+            </a:r>
+            <a:endParaRPr lang="pt-BR" dirty="0"/>
+          </a:p>
+          <a:p>
+            <a:pPr marL="1028700" lvl="1" indent="-342900"/>
+            <a:r>
+              <a:rPr lang="pt-BR" dirty="0"/>
+              <a:t>Decoração: </a:t>
+            </a:r>
+            <a:r>
+              <a:rPr lang="pt-BR" dirty="0" err="1"/>
+              <a:t>underline</a:t>
+            </a:r>
+            <a:endParaRPr lang="pt-BR" dirty="0"/>
+          </a:p>
+        </p:txBody>
+      </p:sp>
+    </p:spTree>
+    <p:extLst>
+      <p:ext uri="{BB962C8B-B14F-4D97-AF65-F5344CB8AC3E}">
+        <p14:creationId xmlns:p14="http://schemas.microsoft.com/office/powerpoint/2010/main" val="3615262649"/>
+      </p:ext>
+    </p:extLst>
+  </p:cSld>
+  <p:clrMapOvr>
+    <a:masterClrMapping/>
+  </p:clrMapOvr>
+</p:sld>
+</file>
+
+<file path=ppt/slides/slide21.xml><?xml version="1.0" encoding="utf-8"?>
+<p:sld xmlns:a="http://schemas.openxmlformats.org/drawingml/2006/main" xmlns:r="http://schemas.openxmlformats.org/officeDocument/2006/relationships" xmlns:p="http://schemas.openxmlformats.org/presentationml/2006/main">
+  <p:cSld>
+    <p:spTree>
+      <p:nvGrpSpPr>
+        <p:cNvPr id="1" name=""/>
+        <p:cNvGrpSpPr/>
+        <p:nvPr/>
+      </p:nvGrpSpPr>
+      <p:grpSpPr>
+        <a:xfrm>
+          <a:off x="0" y="0"/>
+          <a:ext cx="0" cy="0"/>
+          <a:chOff x="0" y="0"/>
+          <a:chExt cx="0" cy="0"/>
+        </a:xfrm>
+      </p:grpSpPr>
+      <p:sp>
+        <p:nvSpPr>
+          <p:cNvPr id="2" name="Título 1">
+            <a:extLst>
+              <a:ext uri="{FF2B5EF4-FFF2-40B4-BE49-F238E27FC236}">
+                <a16:creationId xmlns:a16="http://schemas.microsoft.com/office/drawing/2014/main" id="{A9A9B317-3720-44FB-91D6-7426FBB8AE6D}"/>
+              </a:ext>
+            </a:extLst>
+          </p:cNvPr>
+          <p:cNvSpPr>
+            <a:spLocks noGrp="1"/>
+          </p:cNvSpPr>
+          <p:nvPr>
+            <p:ph type="title"/>
+          </p:nvPr>
+        </p:nvSpPr>
+        <p:spPr/>
+        <p:txBody>
+          <a:bodyPr/>
+          <a:lstStyle/>
+          <a:p>
+            <a:r>
+              <a:rPr lang="pt-BR" dirty="0"/>
+              <a:t>Desafio 2: Estilizando um Parágrafo</a:t>
+            </a:r>
+          </a:p>
+        </p:txBody>
+      </p:sp>
+      <p:sp>
+        <p:nvSpPr>
+          <p:cNvPr id="3" name="Espaço Reservado para Conteúdo 2">
+            <a:extLst>
+              <a:ext uri="{FF2B5EF4-FFF2-40B4-BE49-F238E27FC236}">
+                <a16:creationId xmlns:a16="http://schemas.microsoft.com/office/drawing/2014/main" id="{03EEBC2D-5772-47CF-942C-A32FBCCB5866}"/>
+              </a:ext>
+            </a:extLst>
+          </p:cNvPr>
+          <p:cNvSpPr>
+            <a:spLocks noGrp="1"/>
+          </p:cNvSpPr>
+          <p:nvPr>
+            <p:ph idx="1"/>
+          </p:nvPr>
+        </p:nvSpPr>
+        <p:spPr/>
+        <p:txBody>
+          <a:bodyPr/>
+          <a:lstStyle/>
+          <a:p>
+            <a:r>
+              <a:rPr lang="pt-BR" dirty="0"/>
+              <a:t>O texto de um parágrafo deve ser confortável de ler, mas também pode ter um toque de estilo. Vamos ajustar a fonte, tamanho e decoração para melhorar a apresentação.</a:t>
+            </a:r>
+          </a:p>
+          <a:p>
+            <a:pPr marL="1028700" lvl="1" indent="-342900"/>
+            <a:r>
+              <a:rPr lang="pt-BR" dirty="0"/>
+              <a:t>Fonte: "</a:t>
+            </a:r>
+            <a:r>
+              <a:rPr lang="pt-BR" dirty="0" err="1"/>
+              <a:t>Georgia</a:t>
+            </a:r>
+            <a:r>
+              <a:rPr lang="pt-BR" dirty="0"/>
+              <a:t>", </a:t>
+            </a:r>
+            <a:r>
+              <a:rPr lang="pt-BR" dirty="0" err="1"/>
+              <a:t>serif</a:t>
+            </a:r>
+            <a:r>
+              <a:rPr lang="pt-BR" dirty="0"/>
+              <a:t> </a:t>
+            </a:r>
+          </a:p>
+          <a:p>
+            <a:pPr marL="1028700" lvl="1" indent="-342900"/>
+            <a:r>
+              <a:rPr lang="pt-BR" dirty="0"/>
+              <a:t>Tamanho: 18px </a:t>
+            </a:r>
+          </a:p>
+          <a:p>
+            <a:pPr marL="1028700" lvl="1" indent="-342900"/>
+            <a:r>
+              <a:rPr lang="pt-BR" dirty="0"/>
+              <a:t>Peso: normal </a:t>
+            </a:r>
+          </a:p>
+          <a:p>
+            <a:pPr marL="1028700" lvl="1" indent="-342900"/>
+            <a:r>
+              <a:rPr lang="pt-BR" dirty="0"/>
+              <a:t>Estilo: </a:t>
+            </a:r>
+            <a:r>
+              <a:rPr lang="pt-BR" dirty="0" err="1"/>
+              <a:t>none</a:t>
+            </a:r>
+            <a:r>
+              <a:rPr lang="pt-BR" dirty="0"/>
+              <a:t> </a:t>
+            </a:r>
+          </a:p>
+          <a:p>
+            <a:pPr marL="1028700" lvl="1" indent="-342900"/>
+            <a:r>
+              <a:rPr lang="pt-BR" dirty="0"/>
+              <a:t>Decoração: </a:t>
+            </a:r>
+            <a:r>
+              <a:rPr lang="pt-BR" dirty="0" err="1"/>
+              <a:t>line-through</a:t>
+            </a:r>
+            <a:endParaRPr lang="pt-BR" dirty="0"/>
+          </a:p>
+        </p:txBody>
+      </p:sp>
+    </p:spTree>
+    <p:extLst>
+      <p:ext uri="{BB962C8B-B14F-4D97-AF65-F5344CB8AC3E}">
+        <p14:creationId xmlns:p14="http://schemas.microsoft.com/office/powerpoint/2010/main" val="3378171814"/>
       </p:ext>
     </p:extLst>
   </p:cSld>
